--- a/Micro-frontends and Vue.js.pptx
+++ b/Micro-frontends and Vue.js.pptx
@@ -43,21 +43,22 @@
     <p:sldId id="288" r:id="rId38"/>
     <p:sldId id="289" r:id="rId39"/>
     <p:sldId id="290" r:id="rId40"/>
+    <p:sldId id="291" r:id="rId41"/>
   </p:sldIdLst>
   <p:sldSz cy="5143500" cx="9144000"/>
   <p:notesSz cx="6858000" cy="9144000"/>
   <p:embeddedFontLst>
     <p:embeddedFont>
       <p:font typeface="Source Code Pro"/>
-      <p:regular r:id="rId41"/>
-      <p:bold r:id="rId42"/>
-      <p:italic r:id="rId43"/>
-      <p:boldItalic r:id="rId44"/>
+      <p:regular r:id="rId42"/>
+      <p:bold r:id="rId43"/>
+      <p:italic r:id="rId44"/>
+      <p:boldItalic r:id="rId45"/>
     </p:embeddedFont>
     <p:embeddedFont>
       <p:font typeface="Oswald"/>
-      <p:regular r:id="rId45"/>
-      <p:bold r:id="rId46"/>
+      <p:regular r:id="rId46"/>
+      <p:bold r:id="rId47"/>
     </p:embeddedFont>
   </p:embeddedFontLst>
   <p:defaultTextStyle>
@@ -2224,7 +2225,7 @@
   <p:cSld>
     <p:spTree>
       <p:nvGrpSpPr>
-        <p:cNvPr id="325" name="Shape 325"/>
+        <p:cNvPr id="324" name="Shape 324"/>
         <p:cNvGrpSpPr/>
         <p:nvPr/>
       </p:nvGrpSpPr>
@@ -2238,7 +2239,7 @@
       </p:grpSpPr>
       <p:sp>
         <p:nvSpPr>
-          <p:cNvPr id="326" name="Google Shape;326;gce83706ba0_0_6:notes"/>
+          <p:cNvPr id="325" name="Google Shape;325;gce83706ba0_0_6:notes"/>
           <p:cNvSpPr/>
           <p:nvPr>
             <p:ph idx="2" type="sldImg"/>
@@ -2273,7 +2274,7 @@
       </p:sp>
       <p:sp>
         <p:nvSpPr>
-          <p:cNvPr id="327" name="Google Shape;327;gce83706ba0_0_6:notes"/>
+          <p:cNvPr id="326" name="Google Shape;326;gce83706ba0_0_6:notes"/>
           <p:cNvSpPr txBox="1"/>
           <p:nvPr>
             <p:ph idx="1" type="body"/>
@@ -2323,7 +2324,7 @@
   <p:cSld>
     <p:spTree>
       <p:nvGrpSpPr>
-        <p:cNvPr id="341" name="Shape 341"/>
+        <p:cNvPr id="340" name="Shape 340"/>
         <p:cNvGrpSpPr/>
         <p:nvPr/>
       </p:nvGrpSpPr>
@@ -2337,7 +2338,7 @@
       </p:grpSpPr>
       <p:sp>
         <p:nvSpPr>
-          <p:cNvPr id="342" name="Google Shape;342;gcaf8a2b94f_0_1211:notes"/>
+          <p:cNvPr id="341" name="Google Shape;341;gdf6b35d5ac_0_0:notes"/>
           <p:cNvSpPr/>
           <p:nvPr>
             <p:ph idx="2" type="sldImg"/>
@@ -2372,7 +2373,7 @@
       </p:sp>
       <p:sp>
         <p:nvSpPr>
-          <p:cNvPr id="343" name="Google Shape;343;gcaf8a2b94f_0_1211:notes"/>
+          <p:cNvPr id="342" name="Google Shape;342;gdf6b35d5ac_0_0:notes"/>
           <p:cNvSpPr txBox="1"/>
           <p:nvPr>
             <p:ph idx="1" type="body"/>
@@ -2436,7 +2437,7 @@
       </p:grpSpPr>
       <p:sp>
         <p:nvSpPr>
-          <p:cNvPr id="347" name="Google Shape;347;gc7de853dd6_0_98:notes"/>
+          <p:cNvPr id="347" name="Google Shape;347;gcaf8a2b94f_0_1211:notes"/>
           <p:cNvSpPr/>
           <p:nvPr>
             <p:ph idx="2" type="sldImg"/>
@@ -2471,7 +2472,7 @@
       </p:sp>
       <p:sp>
         <p:nvSpPr>
-          <p:cNvPr id="348" name="Google Shape;348;gc7de853dd6_0_98:notes"/>
+          <p:cNvPr id="348" name="Google Shape;348;gcaf8a2b94f_0_1211:notes"/>
           <p:cNvSpPr txBox="1"/>
           <p:nvPr>
             <p:ph idx="1" type="body"/>
@@ -2521,7 +2522,7 @@
   <p:cSld>
     <p:spTree>
       <p:nvGrpSpPr>
-        <p:cNvPr id="368" name="Shape 368"/>
+        <p:cNvPr id="351" name="Shape 351"/>
         <p:cNvGrpSpPr/>
         <p:nvPr/>
       </p:nvGrpSpPr>
@@ -2535,7 +2536,7 @@
       </p:grpSpPr>
       <p:sp>
         <p:nvSpPr>
-          <p:cNvPr id="369" name="Google Shape;369;gc7de853dd6_0_104:notes"/>
+          <p:cNvPr id="352" name="Google Shape;352;gc7de853dd6_0_98:notes"/>
           <p:cNvSpPr/>
           <p:nvPr>
             <p:ph idx="2" type="sldImg"/>
@@ -2570,7 +2571,7 @@
       </p:sp>
       <p:sp>
         <p:nvSpPr>
-          <p:cNvPr id="370" name="Google Shape;370;gc7de853dd6_0_104:notes"/>
+          <p:cNvPr id="353" name="Google Shape;353;gc7de853dd6_0_98:notes"/>
           <p:cNvSpPr txBox="1"/>
           <p:nvPr>
             <p:ph idx="1" type="body"/>
@@ -2620,7 +2621,7 @@
   <p:cSld>
     <p:spTree>
       <p:nvGrpSpPr>
-        <p:cNvPr id="377" name="Shape 377"/>
+        <p:cNvPr id="373" name="Shape 373"/>
         <p:cNvGrpSpPr/>
         <p:nvPr/>
       </p:nvGrpSpPr>
@@ -2634,7 +2635,7 @@
       </p:grpSpPr>
       <p:sp>
         <p:nvSpPr>
-          <p:cNvPr id="378" name="Google Shape;378;gda1c88c435_0_5:notes"/>
+          <p:cNvPr id="374" name="Google Shape;374;gc7de853dd6_0_104:notes"/>
           <p:cNvSpPr/>
           <p:nvPr>
             <p:ph idx="2" type="sldImg"/>
@@ -2669,7 +2670,7 @@
       </p:sp>
       <p:sp>
         <p:nvSpPr>
-          <p:cNvPr id="379" name="Google Shape;379;gda1c88c435_0_5:notes"/>
+          <p:cNvPr id="375" name="Google Shape;375;gc7de853dd6_0_104:notes"/>
           <p:cNvSpPr txBox="1"/>
           <p:nvPr>
             <p:ph idx="1" type="body"/>
@@ -2733,7 +2734,7 @@
       </p:grpSpPr>
       <p:sp>
         <p:nvSpPr>
-          <p:cNvPr id="383" name="Google Shape;383;gce83706ba0_0_26:notes"/>
+          <p:cNvPr id="383" name="Google Shape;383;gda1c88c435_0_5:notes"/>
           <p:cNvSpPr/>
           <p:nvPr>
             <p:ph idx="2" type="sldImg"/>
@@ -2768,7 +2769,7 @@
       </p:sp>
       <p:sp>
         <p:nvSpPr>
-          <p:cNvPr id="384" name="Google Shape;384;gce83706ba0_0_26:notes"/>
+          <p:cNvPr id="384" name="Google Shape;384;gda1c88c435_0_5:notes"/>
           <p:cNvSpPr txBox="1"/>
           <p:nvPr>
             <p:ph idx="1" type="body"/>
@@ -2818,7 +2819,7 @@
   <p:cSld>
     <p:spTree>
       <p:nvGrpSpPr>
-        <p:cNvPr id="391" name="Shape 391"/>
+        <p:cNvPr id="387" name="Shape 387"/>
         <p:cNvGrpSpPr/>
         <p:nvPr/>
       </p:nvGrpSpPr>
@@ -2832,7 +2833,7 @@
       </p:grpSpPr>
       <p:sp>
         <p:nvSpPr>
-          <p:cNvPr id="392" name="Google Shape;392;gce83706ba0_0_123:notes"/>
+          <p:cNvPr id="388" name="Google Shape;388;gce83706ba0_0_26:notes"/>
           <p:cNvSpPr/>
           <p:nvPr>
             <p:ph idx="2" type="sldImg"/>
@@ -2867,7 +2868,7 @@
       </p:sp>
       <p:sp>
         <p:nvSpPr>
-          <p:cNvPr id="393" name="Google Shape;393;gce83706ba0_0_123:notes"/>
+          <p:cNvPr id="389" name="Google Shape;389;gce83706ba0_0_26:notes"/>
           <p:cNvSpPr txBox="1"/>
           <p:nvPr>
             <p:ph idx="1" type="body"/>
@@ -3016,7 +3017,7 @@
   <p:cSld>
     <p:spTree>
       <p:nvGrpSpPr>
-        <p:cNvPr id="404" name="Shape 404"/>
+        <p:cNvPr id="396" name="Shape 396"/>
         <p:cNvGrpSpPr/>
         <p:nvPr/>
       </p:nvGrpSpPr>
@@ -3030,7 +3031,7 @@
       </p:grpSpPr>
       <p:sp>
         <p:nvSpPr>
-          <p:cNvPr id="405" name="Google Shape;405;gce83706ba0_0_113:notes"/>
+          <p:cNvPr id="397" name="Google Shape;397;gce83706ba0_0_123:notes"/>
           <p:cNvSpPr/>
           <p:nvPr>
             <p:ph idx="2" type="sldImg"/>
@@ -3065,7 +3066,7 @@
       </p:sp>
       <p:sp>
         <p:nvSpPr>
-          <p:cNvPr id="406" name="Google Shape;406;gce83706ba0_0_113:notes"/>
+          <p:cNvPr id="398" name="Google Shape;398;gce83706ba0_0_123:notes"/>
           <p:cNvSpPr txBox="1"/>
           <p:nvPr>
             <p:ph idx="1" type="body"/>
@@ -3115,7 +3116,7 @@
   <p:cSld>
     <p:spTree>
       <p:nvGrpSpPr>
-        <p:cNvPr id="412" name="Shape 412"/>
+        <p:cNvPr id="409" name="Shape 409"/>
         <p:cNvGrpSpPr/>
         <p:nvPr/>
       </p:nvGrpSpPr>
@@ -3129,7 +3130,7 @@
       </p:grpSpPr>
       <p:sp>
         <p:nvSpPr>
-          <p:cNvPr id="413" name="Google Shape;413;gce83706ba0_0_34:notes"/>
+          <p:cNvPr id="410" name="Google Shape;410;gce83706ba0_0_113:notes"/>
           <p:cNvSpPr/>
           <p:nvPr>
             <p:ph idx="2" type="sldImg"/>
@@ -3164,7 +3165,7 @@
       </p:sp>
       <p:sp>
         <p:nvSpPr>
-          <p:cNvPr id="414" name="Google Shape;414;gce83706ba0_0_34:notes"/>
+          <p:cNvPr id="411" name="Google Shape;411;gce83706ba0_0_113:notes"/>
           <p:cNvSpPr txBox="1"/>
           <p:nvPr>
             <p:ph idx="1" type="body"/>
@@ -3228,7 +3229,7 @@
       </p:grpSpPr>
       <p:sp>
         <p:nvSpPr>
-          <p:cNvPr id="418" name="Google Shape;418;gda1c88c435_0_0:notes"/>
+          <p:cNvPr id="418" name="Google Shape;418;gce83706ba0_0_34:notes"/>
           <p:cNvSpPr/>
           <p:nvPr>
             <p:ph idx="2" type="sldImg"/>
@@ -3263,7 +3264,7 @@
       </p:sp>
       <p:sp>
         <p:nvSpPr>
-          <p:cNvPr id="419" name="Google Shape;419;gda1c88c435_0_0:notes"/>
+          <p:cNvPr id="419" name="Google Shape;419;gce83706ba0_0_34:notes"/>
           <p:cNvSpPr txBox="1"/>
           <p:nvPr>
             <p:ph idx="1" type="body"/>
@@ -3313,7 +3314,7 @@
   <p:cSld>
     <p:spTree>
       <p:nvGrpSpPr>
-        <p:cNvPr id="422" name="Shape 422"/>
+        <p:cNvPr id="423" name="Shape 423"/>
         <p:cNvGrpSpPr/>
         <p:nvPr/>
       </p:nvGrpSpPr>
@@ -3327,7 +3328,7 @@
       </p:grpSpPr>
       <p:sp>
         <p:nvSpPr>
-          <p:cNvPr id="423" name="Google Shape;423;gce83706ba0_0_1:notes"/>
+          <p:cNvPr id="424" name="Google Shape;424;gda1c88c435_0_0:notes"/>
           <p:cNvSpPr/>
           <p:nvPr>
             <p:ph idx="2" type="sldImg"/>
@@ -3362,7 +3363,7 @@
       </p:sp>
       <p:sp>
         <p:nvSpPr>
-          <p:cNvPr id="424" name="Google Shape;424;gce83706ba0_0_1:notes"/>
+          <p:cNvPr id="425" name="Google Shape;425;gda1c88c435_0_0:notes"/>
           <p:cNvSpPr txBox="1"/>
           <p:nvPr>
             <p:ph idx="1" type="body"/>
@@ -3426,7 +3427,7 @@
       </p:grpSpPr>
       <p:sp>
         <p:nvSpPr>
-          <p:cNvPr id="429" name="Google Shape;429;gce83706ba0_0_42:notes"/>
+          <p:cNvPr id="429" name="Google Shape;429;gce83706ba0_0_1:notes"/>
           <p:cNvSpPr/>
           <p:nvPr>
             <p:ph idx="2" type="sldImg"/>
@@ -3461,7 +3462,7 @@
       </p:sp>
       <p:sp>
         <p:nvSpPr>
-          <p:cNvPr id="430" name="Google Shape;430;gce83706ba0_0_42:notes"/>
+          <p:cNvPr id="430" name="Google Shape;430;gce83706ba0_0_1:notes"/>
           <p:cNvSpPr txBox="1"/>
           <p:nvPr>
             <p:ph idx="1" type="body"/>
@@ -3511,7 +3512,7 @@
   <p:cSld>
     <p:spTree>
       <p:nvGrpSpPr>
-        <p:cNvPr id="444" name="Shape 444"/>
+        <p:cNvPr id="434" name="Shape 434"/>
         <p:cNvGrpSpPr/>
         <p:nvPr/>
       </p:nvGrpSpPr>
@@ -3525,7 +3526,7 @@
       </p:grpSpPr>
       <p:sp>
         <p:nvSpPr>
-          <p:cNvPr id="445" name="Google Shape;445;gc7de853dd6_0_16:notes"/>
+          <p:cNvPr id="435" name="Google Shape;435;gce83706ba0_0_42:notes"/>
           <p:cNvSpPr/>
           <p:nvPr>
             <p:ph idx="2" type="sldImg"/>
@@ -3560,7 +3561,106 @@
       </p:sp>
       <p:sp>
         <p:nvSpPr>
-          <p:cNvPr id="446" name="Google Shape;446;gc7de853dd6_0_16:notes"/>
+          <p:cNvPr id="436" name="Google Shape;436;gce83706ba0_0_42:notes"/>
+          <p:cNvSpPr txBox="1"/>
+          <p:nvPr>
+            <p:ph idx="1" type="body"/>
+          </p:nvPr>
+        </p:nvSpPr>
+        <p:spPr>
+          <a:xfrm>
+            <a:off x="685800" y="4343400"/>
+            <a:ext cx="5486400" cy="4114800"/>
+          </a:xfrm>
+          <a:prstGeom prst="rect">
+            <a:avLst/>
+          </a:prstGeom>
+        </p:spPr>
+        <p:txBody>
+          <a:bodyPr anchorCtr="0" anchor="t" bIns="91425" lIns="91425" spcFirstLastPara="1" rIns="91425" wrap="square" tIns="91425">
+            <a:noAutofit/>
+          </a:bodyPr>
+          <a:lstStyle/>
+          <a:p>
+            <a:pPr indent="0" lvl="0" marL="0" rtl="0" algn="l">
+              <a:spcBef>
+                <a:spcPts val="0"/>
+              </a:spcBef>
+              <a:spcAft>
+                <a:spcPts val="0"/>
+              </a:spcAft>
+              <a:buNone/>
+            </a:pPr>
+            <a:r>
+              <a:t/>
+            </a:r>
+            <a:endParaRPr/>
+          </a:p>
+        </p:txBody>
+      </p:sp>
+    </p:spTree>
+  </p:cSld>
+  <p:clrMapOvr>
+    <a:masterClrMapping/>
+  </p:clrMapOvr>
+</p:notes>
+</file>
+
+<file path=ppt/notesSlides/notesSlide36.xml><?xml version="1.0" encoding="utf-8"?>
+<p:notes xmlns:a="http://schemas.openxmlformats.org/drawingml/2006/main" xmlns:r="http://schemas.openxmlformats.org/officeDocument/2006/relationships" xmlns:mc="http://schemas.openxmlformats.org/markup-compatibility/2006" xmlns:mv="urn:schemas-microsoft-com:mac:vml" xmlns:p="http://schemas.openxmlformats.org/presentationml/2006/main" xmlns:c="http://schemas.openxmlformats.org/drawingml/2006/chart" xmlns:dgm="http://schemas.openxmlformats.org/drawingml/2006/diagram" xmlns:o="urn:schemas-microsoft-com:office:office" xmlns:v="urn:schemas-microsoft-com:vml" xmlns:pvml="urn:schemas-microsoft-com:office:powerpoint" xmlns:com="http://schemas.openxmlformats.org/drawingml/2006/compatibility" xmlns:p14="http://schemas.microsoft.com/office/powerpoint/2010/main" xmlns:p15="http://schemas.microsoft.com/office/powerpoint/2012/main" xmlns:ahyp="http://schemas.microsoft.com/office/drawing/2018/hyperlinkcolor" showMasterPhAnim="0" showMasterSp="0">
+  <p:cSld>
+    <p:spTree>
+      <p:nvGrpSpPr>
+        <p:cNvPr id="450" name="Shape 450"/>
+        <p:cNvGrpSpPr/>
+        <p:nvPr/>
+      </p:nvGrpSpPr>
+      <p:grpSpPr>
+        <a:xfrm>
+          <a:off x="0" y="0"/>
+          <a:ext cx="0" cy="0"/>
+          <a:chOff x="0" y="0"/>
+          <a:chExt cx="0" cy="0"/>
+        </a:xfrm>
+      </p:grpSpPr>
+      <p:sp>
+        <p:nvSpPr>
+          <p:cNvPr id="451" name="Google Shape;451;gc7de853dd6_0_16:notes"/>
+          <p:cNvSpPr/>
+          <p:nvPr>
+            <p:ph idx="2" type="sldImg"/>
+          </p:nvPr>
+        </p:nvSpPr>
+        <p:spPr>
+          <a:xfrm>
+            <a:off x="381300" y="685800"/>
+            <a:ext cx="6096000" cy="3429000"/>
+          </a:xfrm>
+          <a:custGeom>
+            <a:rect b="b" l="l" r="r" t="t"/>
+            <a:pathLst>
+              <a:path extrusionOk="0" h="120000" w="120000">
+                <a:moveTo>
+                  <a:pt x="0" y="0"/>
+                </a:moveTo>
+                <a:lnTo>
+                  <a:pt x="120000" y="0"/>
+                </a:lnTo>
+                <a:lnTo>
+                  <a:pt x="120000" y="120000"/>
+                </a:lnTo>
+                <a:lnTo>
+                  <a:pt x="0" y="120000"/>
+                </a:lnTo>
+                <a:close/>
+              </a:path>
+            </a:pathLst>
+          </a:custGeom>
+        </p:spPr>
+      </p:sp>
+      <p:sp>
+        <p:nvSpPr>
+          <p:cNvPr id="452" name="Google Shape;452;gc7de853dd6_0_16:notes"/>
           <p:cNvSpPr txBox="1"/>
           <p:nvPr>
             <p:ph idx="1" type="body"/>
@@ -15372,7 +15472,7 @@
             </a:pPr>
             <a:r>
               <a:rPr lang="en-GB"/>
-              <a:t>Manifest.json</a:t>
+              <a:t>Manifest.json (webpack-manifest-plugin)</a:t>
             </a:r>
             <a:endParaRPr/>
           </a:p>
@@ -16915,59 +17015,6 @@
           </a:p>
         </p:txBody>
       </p:sp>
-      <p:sp>
-        <p:nvSpPr>
-          <p:cNvPr id="324" name="Google Shape;324;p34"/>
-          <p:cNvSpPr txBox="1"/>
-          <p:nvPr/>
-        </p:nvSpPr>
-        <p:spPr>
-          <a:xfrm>
-            <a:off x="3808150" y="435825"/>
-            <a:ext cx="4212300" cy="538800"/>
-          </a:xfrm>
-          <a:prstGeom prst="rect">
-            <a:avLst/>
-          </a:prstGeom>
-          <a:noFill/>
-          <a:ln>
-            <a:noFill/>
-          </a:ln>
-        </p:spPr>
-        <p:txBody>
-          <a:bodyPr anchorCtr="0" anchor="t" bIns="91425" lIns="91425" spcFirstLastPara="1" rIns="91425" wrap="square" tIns="91425">
-            <a:spAutoFit/>
-          </a:bodyPr>
-          <a:lstStyle/>
-          <a:p>
-            <a:pPr indent="0" lvl="0" marL="0" rtl="0" algn="l">
-              <a:lnSpc>
-                <a:spcPct val="120000"/>
-              </a:lnSpc>
-              <a:spcBef>
-                <a:spcPts val="600"/>
-              </a:spcBef>
-              <a:spcAft>
-                <a:spcPts val="1200"/>
-              </a:spcAft>
-              <a:buNone/>
-            </a:pPr>
-            <a:r>
-              <a:rPr b="1" lang="en-GB" sz="2300">
-                <a:solidFill>
-                  <a:srgbClr val="111111"/>
-                </a:solidFill>
-              </a:rPr>
-              <a:t>webpack-manifest-plugin</a:t>
-            </a:r>
-            <a:endParaRPr b="1" sz="2300">
-              <a:solidFill>
-                <a:srgbClr val="111111"/>
-              </a:solidFill>
-            </a:endParaRPr>
-          </a:p>
-        </p:txBody>
-      </p:sp>
     </p:spTree>
   </p:cSld>
   <p:clrMapOvr>
@@ -16981,7 +17028,7 @@
   <p:cSld>
     <p:spTree>
       <p:nvGrpSpPr>
-        <p:cNvPr id="328" name="Shape 328"/>
+        <p:cNvPr id="327" name="Shape 327"/>
         <p:cNvGrpSpPr/>
         <p:nvPr/>
       </p:nvGrpSpPr>
@@ -16995,7 +17042,7 @@
       </p:grpSpPr>
       <p:sp>
         <p:nvSpPr>
-          <p:cNvPr id="329" name="Google Shape;329;p35"/>
+          <p:cNvPr id="328" name="Google Shape;328;p35"/>
           <p:cNvSpPr/>
           <p:nvPr/>
         </p:nvSpPr>
@@ -17046,7 +17093,7 @@
       </p:sp>
       <p:sp>
         <p:nvSpPr>
-          <p:cNvPr id="330" name="Google Shape;330;p35"/>
+          <p:cNvPr id="329" name="Google Shape;329;p35"/>
           <p:cNvSpPr txBox="1"/>
           <p:nvPr>
             <p:ph type="title"/>
@@ -17086,7 +17133,7 @@
       </p:sp>
       <p:sp>
         <p:nvSpPr>
-          <p:cNvPr id="331" name="Google Shape;331;p35"/>
+          <p:cNvPr id="330" name="Google Shape;330;p35"/>
           <p:cNvSpPr/>
           <p:nvPr/>
         </p:nvSpPr>
@@ -17139,7 +17186,7 @@
                   <a:schemeClr val="lt1"/>
                 </a:solidFill>
               </a:rPr>
-              <a:t>Main app</a:t>
+              <a:t>Container app</a:t>
             </a:r>
             <a:endParaRPr b="1" sz="900">
               <a:solidFill>
@@ -17151,7 +17198,7 @@
       </p:sp>
       <p:sp>
         <p:nvSpPr>
-          <p:cNvPr id="332" name="Google Shape;332;p35"/>
+          <p:cNvPr id="331" name="Google Shape;331;p35"/>
           <p:cNvSpPr/>
           <p:nvPr/>
         </p:nvSpPr>
@@ -17201,7 +17248,7 @@
       </p:sp>
       <p:sp>
         <p:nvSpPr>
-          <p:cNvPr id="333" name="Google Shape;333;p35"/>
+          <p:cNvPr id="332" name="Google Shape;332;p35"/>
           <p:cNvSpPr/>
           <p:nvPr/>
         </p:nvSpPr>
@@ -17251,7 +17298,7 @@
       </p:sp>
       <p:sp>
         <p:nvSpPr>
-          <p:cNvPr id="334" name="Google Shape;334;p35"/>
+          <p:cNvPr id="333" name="Google Shape;333;p35"/>
           <p:cNvSpPr/>
           <p:nvPr/>
         </p:nvSpPr>
@@ -17301,7 +17348,7 @@
       </p:sp>
       <p:sp>
         <p:nvSpPr>
-          <p:cNvPr id="335" name="Google Shape;335;p35"/>
+          <p:cNvPr id="334" name="Google Shape;334;p35"/>
           <p:cNvSpPr/>
           <p:nvPr/>
         </p:nvSpPr>
@@ -17351,7 +17398,7 @@
       </p:sp>
       <p:sp>
         <p:nvSpPr>
-          <p:cNvPr id="336" name="Google Shape;336;p35"/>
+          <p:cNvPr id="335" name="Google Shape;335;p35"/>
           <p:cNvSpPr txBox="1"/>
           <p:nvPr/>
         </p:nvSpPr>
@@ -17509,7 +17556,7 @@
       </p:sp>
       <p:cxnSp>
         <p:nvCxnSpPr>
-          <p:cNvPr id="337" name="Google Shape;337;p35"/>
+          <p:cNvPr id="336" name="Google Shape;336;p35"/>
           <p:cNvCxnSpPr/>
           <p:nvPr/>
         </p:nvCxnSpPr>
@@ -17535,7 +17582,7 @@
       </p:cxnSp>
       <p:cxnSp>
         <p:nvCxnSpPr>
-          <p:cNvPr id="338" name="Google Shape;338;p35"/>
+          <p:cNvPr id="337" name="Google Shape;337;p35"/>
           <p:cNvCxnSpPr/>
           <p:nvPr/>
         </p:nvCxnSpPr>
@@ -17561,7 +17608,7 @@
       </p:cxnSp>
       <p:sp>
         <p:nvSpPr>
-          <p:cNvPr id="339" name="Google Shape;339;p35"/>
+          <p:cNvPr id="338" name="Google Shape;338;p35"/>
           <p:cNvSpPr txBox="1"/>
           <p:nvPr/>
         </p:nvSpPr>
@@ -17769,7 +17816,7 @@
       </p:sp>
       <p:sp>
         <p:nvSpPr>
-          <p:cNvPr id="340" name="Google Shape;340;p35"/>
+          <p:cNvPr id="339" name="Google Shape;339;p35"/>
           <p:cNvSpPr txBox="1"/>
           <p:nvPr/>
         </p:nvSpPr>
@@ -17832,7 +17879,7 @@
   <p:cSld>
     <p:spTree>
       <p:nvGrpSpPr>
-        <p:cNvPr id="344" name="Shape 344"/>
+        <p:cNvPr id="343" name="Shape 343"/>
         <p:cNvGrpSpPr/>
         <p:nvPr/>
       </p:nvGrpSpPr>
@@ -17846,7 +17893,7 @@
       </p:grpSpPr>
       <p:sp>
         <p:nvSpPr>
-          <p:cNvPr id="345" name="Google Shape;345;p36"/>
+          <p:cNvPr id="344" name="Google Shape;344;p36"/>
           <p:cNvSpPr txBox="1"/>
           <p:nvPr>
             <p:ph type="title"/>
@@ -17854,20 +17901,20 @@
         </p:nvSpPr>
         <p:spPr>
           <a:xfrm>
-            <a:off x="430800" y="1889700"/>
-            <a:ext cx="8282400" cy="1516500"/>
-          </a:xfrm>
-          <a:prstGeom prst="rect">
-            <a:avLst/>
-          </a:prstGeom>
-        </p:spPr>
-        <p:txBody>
-          <a:bodyPr anchorCtr="0" anchor="ctr" bIns="91425" lIns="91425" spcFirstLastPara="1" rIns="91425" wrap="square" tIns="91425">
+            <a:off x="311700" y="372500"/>
+            <a:ext cx="8520600" cy="733500"/>
+          </a:xfrm>
+          <a:prstGeom prst="rect">
+            <a:avLst/>
+          </a:prstGeom>
+        </p:spPr>
+        <p:txBody>
+          <a:bodyPr anchorCtr="0" anchor="b" bIns="91425" lIns="91425" spcFirstLastPara="1" rIns="91425" wrap="square" tIns="91425">
             <a:normAutofit/>
           </a:bodyPr>
           <a:lstStyle/>
           <a:p>
-            <a:pPr indent="0" lvl="0" marL="0" rtl="0" algn="ctr">
+            <a:pPr indent="0" lvl="0" marL="0" rtl="0" algn="l">
               <a:spcBef>
                 <a:spcPts val="0"/>
               </a:spcBef>
@@ -17878,12 +17925,40 @@
             </a:pPr>
             <a:r>
               <a:rPr lang="en-GB"/>
-              <a:t>Vue 2.0</a:t>
+              <a:t>Routing</a:t>
             </a:r>
             <a:endParaRPr/>
           </a:p>
         </p:txBody>
       </p:sp>
+      <p:pic>
+        <p:nvPicPr>
+          <p:cNvPr id="345" name="Google Shape;345;p36"/>
+          <p:cNvPicPr preferRelativeResize="0"/>
+          <p:nvPr/>
+        </p:nvPicPr>
+        <p:blipFill>
+          <a:blip r:embed="rId3">
+            <a:alphaModFix/>
+          </a:blip>
+          <a:stretch>
+            <a:fillRect/>
+          </a:stretch>
+        </p:blipFill>
+        <p:spPr>
+          <a:xfrm>
+            <a:off x="3807200" y="312950"/>
+            <a:ext cx="4616500" cy="4604051"/>
+          </a:xfrm>
+          <a:prstGeom prst="rect">
+            <a:avLst/>
+          </a:prstGeom>
+          <a:noFill/>
+          <a:ln>
+            <a:noFill/>
+          </a:ln>
+        </p:spPr>
+      </p:pic>
     </p:spTree>
   </p:cSld>
   <p:clrMapOvr>
@@ -17919,20 +17994,20 @@
         </p:nvSpPr>
         <p:spPr>
           <a:xfrm>
-            <a:off x="311700" y="372500"/>
-            <a:ext cx="8520600" cy="733500"/>
-          </a:xfrm>
-          <a:prstGeom prst="rect">
-            <a:avLst/>
-          </a:prstGeom>
-        </p:spPr>
-        <p:txBody>
-          <a:bodyPr anchorCtr="0" anchor="b" bIns="91425" lIns="91425" spcFirstLastPara="1" rIns="91425" wrap="square" tIns="91425">
+            <a:off x="430800" y="1889700"/>
+            <a:ext cx="8282400" cy="1516500"/>
+          </a:xfrm>
+          <a:prstGeom prst="rect">
+            <a:avLst/>
+          </a:prstGeom>
+        </p:spPr>
+        <p:txBody>
+          <a:bodyPr anchorCtr="0" anchor="ctr" bIns="91425" lIns="91425" spcFirstLastPara="1" rIns="91425" wrap="square" tIns="91425">
             <a:normAutofit/>
           </a:bodyPr>
           <a:lstStyle/>
           <a:p>
-            <a:pPr indent="0" lvl="0" marL="0" rtl="0" algn="l">
+            <a:pPr indent="0" lvl="0" marL="0" rtl="0" algn="ctr">
               <a:spcBef>
                 <a:spcPts val="0"/>
               </a:spcBef>
@@ -17943,967 +18018,9 @@
             </a:pPr>
             <a:r>
               <a:rPr lang="en-GB"/>
-              <a:t>Vue 2.0 global APIs</a:t>
+              <a:t>Vue 2.0</a:t>
             </a:r>
             <a:endParaRPr/>
-          </a:p>
-        </p:txBody>
-      </p:sp>
-      <p:pic>
-        <p:nvPicPr>
-          <p:cNvPr id="351" name="Google Shape;351;p37"/>
-          <p:cNvPicPr preferRelativeResize="0"/>
-          <p:nvPr/>
-        </p:nvPicPr>
-        <p:blipFill>
-          <a:blip r:embed="rId3">
-            <a:alphaModFix/>
-          </a:blip>
-          <a:stretch>
-            <a:fillRect/>
-          </a:stretch>
-        </p:blipFill>
-        <p:spPr>
-          <a:xfrm>
-            <a:off x="1589002" y="3404341"/>
-            <a:ext cx="1002437" cy="884509"/>
-          </a:xfrm>
-          <a:prstGeom prst="rect">
-            <a:avLst/>
-          </a:prstGeom>
-          <a:noFill/>
-          <a:ln>
-            <a:noFill/>
-          </a:ln>
-        </p:spPr>
-      </p:pic>
-      <p:sp>
-        <p:nvSpPr>
-          <p:cNvPr id="352" name="Google Shape;352;p37"/>
-          <p:cNvSpPr/>
-          <p:nvPr/>
-        </p:nvSpPr>
-        <p:spPr>
-          <a:xfrm>
-            <a:off x="4353002" y="2979070"/>
-            <a:ext cx="293100" cy="232500"/>
-          </a:xfrm>
-          <a:prstGeom prst="rightArrow">
-            <a:avLst>
-              <a:gd fmla="val 50000" name="adj1"/>
-              <a:gd fmla="val 50000" name="adj2"/>
-            </a:avLst>
-          </a:prstGeom>
-          <a:solidFill>
-            <a:schemeClr val="lt2"/>
-          </a:solidFill>
-          <a:ln>
-            <a:noFill/>
-          </a:ln>
-        </p:spPr>
-        <p:txBody>
-          <a:bodyPr anchorCtr="0" anchor="ctr" bIns="91425" lIns="91425" spcFirstLastPara="1" rIns="91425" wrap="square" tIns="91425">
-            <a:noAutofit/>
-          </a:bodyPr>
-          <a:lstStyle/>
-          <a:p>
-            <a:pPr indent="0" lvl="0" marL="0" rtl="0" algn="l">
-              <a:spcBef>
-                <a:spcPts val="0"/>
-              </a:spcBef>
-              <a:spcAft>
-                <a:spcPts val="0"/>
-              </a:spcAft>
-              <a:buNone/>
-            </a:pPr>
-            <a:r>
-              <a:t/>
-            </a:r>
-            <a:endParaRPr sz="900"/>
-          </a:p>
-        </p:txBody>
-      </p:sp>
-      <p:sp>
-        <p:nvSpPr>
-          <p:cNvPr id="353" name="Google Shape;353;p37"/>
-          <p:cNvSpPr/>
-          <p:nvPr/>
-        </p:nvSpPr>
-        <p:spPr>
-          <a:xfrm>
-            <a:off x="311700" y="2062750"/>
-            <a:ext cx="1755600" cy="884700"/>
-          </a:xfrm>
-          <a:prstGeom prst="rect">
-            <a:avLst/>
-          </a:prstGeom>
-          <a:solidFill>
-            <a:srgbClr val="FFFFFF"/>
-          </a:solidFill>
-          <a:ln cap="flat" cmpd="sng" w="9525">
-            <a:solidFill>
-              <a:srgbClr val="000000"/>
-            </a:solidFill>
-            <a:prstDash val="solid"/>
-            <a:round/>
-            <a:headEnd len="sm" w="sm" type="none"/>
-            <a:tailEnd len="sm" w="sm" type="none"/>
-          </a:ln>
-        </p:spPr>
-        <p:txBody>
-          <a:bodyPr anchorCtr="0" anchor="t" bIns="91425" lIns="91425" spcFirstLastPara="1" rIns="91425" wrap="square" tIns="91425">
-            <a:noAutofit/>
-          </a:bodyPr>
-          <a:lstStyle/>
-          <a:p>
-            <a:pPr indent="0" lvl="0" marL="0" rtl="0" algn="ctr">
-              <a:spcBef>
-                <a:spcPts val="0"/>
-              </a:spcBef>
-              <a:spcAft>
-                <a:spcPts val="0"/>
-              </a:spcAft>
-              <a:buNone/>
-            </a:pPr>
-            <a:r>
-              <a:rPr b="1" lang="en-GB" sz="900"/>
-              <a:t>Micro-frontend 1</a:t>
-            </a:r>
-            <a:endParaRPr b="1" sz="900"/>
-          </a:p>
-        </p:txBody>
-      </p:sp>
-      <p:sp>
-        <p:nvSpPr>
-          <p:cNvPr id="354" name="Google Shape;354;p37"/>
-          <p:cNvSpPr txBox="1"/>
-          <p:nvPr/>
-        </p:nvSpPr>
-        <p:spPr>
-          <a:xfrm>
-            <a:off x="376079" y="2345133"/>
-            <a:ext cx="2081400" cy="554100"/>
-          </a:xfrm>
-          <a:prstGeom prst="rect">
-            <a:avLst/>
-          </a:prstGeom>
-          <a:noFill/>
-          <a:ln>
-            <a:noFill/>
-          </a:ln>
-        </p:spPr>
-        <p:txBody>
-          <a:bodyPr anchorCtr="0" anchor="t" bIns="91425" lIns="91425" spcFirstLastPara="1" rIns="91425" wrap="square" tIns="91425">
-            <a:spAutoFit/>
-          </a:bodyPr>
-          <a:lstStyle/>
-          <a:p>
-            <a:pPr indent="0" lvl="0" marL="0" rtl="0" algn="l">
-              <a:spcBef>
-                <a:spcPts val="0"/>
-              </a:spcBef>
-              <a:spcAft>
-                <a:spcPts val="0"/>
-              </a:spcAft>
-              <a:buNone/>
-            </a:pPr>
-            <a:r>
-              <a:rPr lang="en-GB" sz="800">
-                <a:latin typeface="Source Code Pro"/>
-                <a:ea typeface="Source Code Pro"/>
-                <a:cs typeface="Source Code Pro"/>
-                <a:sym typeface="Source Code Pro"/>
-              </a:rPr>
-              <a:t>new Vue(Component);</a:t>
-            </a:r>
-            <a:endParaRPr sz="800">
-              <a:latin typeface="Source Code Pro"/>
-              <a:ea typeface="Source Code Pro"/>
-              <a:cs typeface="Source Code Pro"/>
-              <a:sym typeface="Source Code Pro"/>
-            </a:endParaRPr>
-          </a:p>
-          <a:p>
-            <a:pPr indent="0" lvl="0" marL="0" rtl="0" algn="l">
-              <a:spcBef>
-                <a:spcPts val="0"/>
-              </a:spcBef>
-              <a:spcAft>
-                <a:spcPts val="0"/>
-              </a:spcAft>
-              <a:buNone/>
-            </a:pPr>
-            <a:r>
-              <a:rPr lang="en-GB" sz="800">
-                <a:latin typeface="Source Code Pro"/>
-                <a:ea typeface="Source Code Pro"/>
-                <a:cs typeface="Source Code Pro"/>
-                <a:sym typeface="Source Code Pro"/>
-              </a:rPr>
-              <a:t>Vue.component(Component);</a:t>
-            </a:r>
-            <a:endParaRPr sz="800">
-              <a:latin typeface="Source Code Pro"/>
-              <a:ea typeface="Source Code Pro"/>
-              <a:cs typeface="Source Code Pro"/>
-              <a:sym typeface="Source Code Pro"/>
-            </a:endParaRPr>
-          </a:p>
-          <a:p>
-            <a:pPr indent="0" lvl="0" marL="0" rtl="0" algn="l">
-              <a:spcBef>
-                <a:spcPts val="0"/>
-              </a:spcBef>
-              <a:spcAft>
-                <a:spcPts val="0"/>
-              </a:spcAft>
-              <a:buNone/>
-            </a:pPr>
-            <a:r>
-              <a:rPr lang="en-GB" sz="800">
-                <a:latin typeface="Source Code Pro"/>
-                <a:ea typeface="Source Code Pro"/>
-                <a:cs typeface="Source Code Pro"/>
-                <a:sym typeface="Source Code Pro"/>
-              </a:rPr>
-              <a:t>Vue.mixin(myMixing);</a:t>
-            </a:r>
-            <a:endParaRPr sz="800">
-              <a:latin typeface="Source Code Pro"/>
-              <a:ea typeface="Source Code Pro"/>
-              <a:cs typeface="Source Code Pro"/>
-              <a:sym typeface="Source Code Pro"/>
-            </a:endParaRPr>
-          </a:p>
-        </p:txBody>
-      </p:sp>
-      <p:sp>
-        <p:nvSpPr>
-          <p:cNvPr id="355" name="Google Shape;355;p37"/>
-          <p:cNvSpPr/>
-          <p:nvPr/>
-        </p:nvSpPr>
-        <p:spPr>
-          <a:xfrm>
-            <a:off x="2145870" y="2062750"/>
-            <a:ext cx="1755600" cy="884700"/>
-          </a:xfrm>
-          <a:prstGeom prst="rect">
-            <a:avLst/>
-          </a:prstGeom>
-          <a:solidFill>
-            <a:srgbClr val="FFFFFF"/>
-          </a:solidFill>
-          <a:ln cap="flat" cmpd="sng" w="9525">
-            <a:solidFill>
-              <a:srgbClr val="000000"/>
-            </a:solidFill>
-            <a:prstDash val="solid"/>
-            <a:round/>
-            <a:headEnd len="sm" w="sm" type="none"/>
-            <a:tailEnd len="sm" w="sm" type="none"/>
-          </a:ln>
-        </p:spPr>
-        <p:txBody>
-          <a:bodyPr anchorCtr="0" anchor="t" bIns="91425" lIns="91425" spcFirstLastPara="1" rIns="91425" wrap="square" tIns="91425">
-            <a:noAutofit/>
-          </a:bodyPr>
-          <a:lstStyle/>
-          <a:p>
-            <a:pPr indent="0" lvl="0" marL="0" rtl="0" algn="ctr">
-              <a:spcBef>
-                <a:spcPts val="0"/>
-              </a:spcBef>
-              <a:spcAft>
-                <a:spcPts val="0"/>
-              </a:spcAft>
-              <a:buNone/>
-            </a:pPr>
-            <a:r>
-              <a:rPr b="1" lang="en-GB" sz="900"/>
-              <a:t>Micro-frontend 2</a:t>
-            </a:r>
-            <a:endParaRPr b="1" sz="900"/>
-          </a:p>
-        </p:txBody>
-      </p:sp>
-      <p:sp>
-        <p:nvSpPr>
-          <p:cNvPr id="356" name="Google Shape;356;p37"/>
-          <p:cNvSpPr txBox="1"/>
-          <p:nvPr/>
-        </p:nvSpPr>
-        <p:spPr>
-          <a:xfrm>
-            <a:off x="2210250" y="2345133"/>
-            <a:ext cx="2081400" cy="554100"/>
-          </a:xfrm>
-          <a:prstGeom prst="rect">
-            <a:avLst/>
-          </a:prstGeom>
-          <a:noFill/>
-          <a:ln>
-            <a:noFill/>
-          </a:ln>
-        </p:spPr>
-        <p:txBody>
-          <a:bodyPr anchorCtr="0" anchor="t" bIns="91425" lIns="91425" spcFirstLastPara="1" rIns="91425" wrap="square" tIns="91425">
-            <a:spAutoFit/>
-          </a:bodyPr>
-          <a:lstStyle/>
-          <a:p>
-            <a:pPr indent="0" lvl="0" marL="0" rtl="0" algn="l">
-              <a:spcBef>
-                <a:spcPts val="0"/>
-              </a:spcBef>
-              <a:spcAft>
-                <a:spcPts val="0"/>
-              </a:spcAft>
-              <a:buNone/>
-            </a:pPr>
-            <a:r>
-              <a:rPr lang="en-GB" sz="800">
-                <a:latin typeface="Source Code Pro"/>
-                <a:ea typeface="Source Code Pro"/>
-                <a:cs typeface="Source Code Pro"/>
-                <a:sym typeface="Source Code Pro"/>
-              </a:rPr>
-              <a:t>new Vue(Component);</a:t>
-            </a:r>
-            <a:endParaRPr sz="800">
-              <a:latin typeface="Source Code Pro"/>
-              <a:ea typeface="Source Code Pro"/>
-              <a:cs typeface="Source Code Pro"/>
-              <a:sym typeface="Source Code Pro"/>
-            </a:endParaRPr>
-          </a:p>
-          <a:p>
-            <a:pPr indent="0" lvl="0" marL="0" rtl="0" algn="l">
-              <a:spcBef>
-                <a:spcPts val="0"/>
-              </a:spcBef>
-              <a:spcAft>
-                <a:spcPts val="0"/>
-              </a:spcAft>
-              <a:buNone/>
-            </a:pPr>
-            <a:r>
-              <a:rPr lang="en-GB" sz="800">
-                <a:latin typeface="Source Code Pro"/>
-                <a:ea typeface="Source Code Pro"/>
-                <a:cs typeface="Source Code Pro"/>
-                <a:sym typeface="Source Code Pro"/>
-              </a:rPr>
-              <a:t>Vue.component(Component);</a:t>
-            </a:r>
-            <a:endParaRPr sz="800">
-              <a:latin typeface="Source Code Pro"/>
-              <a:ea typeface="Source Code Pro"/>
-              <a:cs typeface="Source Code Pro"/>
-              <a:sym typeface="Source Code Pro"/>
-            </a:endParaRPr>
-          </a:p>
-          <a:p>
-            <a:pPr indent="0" lvl="0" marL="0" rtl="0" algn="l">
-              <a:spcBef>
-                <a:spcPts val="0"/>
-              </a:spcBef>
-              <a:spcAft>
-                <a:spcPts val="0"/>
-              </a:spcAft>
-              <a:buNone/>
-            </a:pPr>
-            <a:r>
-              <a:rPr lang="en-GB" sz="800">
-                <a:latin typeface="Source Code Pro"/>
-                <a:ea typeface="Source Code Pro"/>
-                <a:cs typeface="Source Code Pro"/>
-                <a:sym typeface="Source Code Pro"/>
-              </a:rPr>
-              <a:t>Vue.mixin(myMixing);</a:t>
-            </a:r>
-            <a:endParaRPr sz="800">
-              <a:latin typeface="Source Code Pro"/>
-              <a:ea typeface="Source Code Pro"/>
-              <a:cs typeface="Source Code Pro"/>
-              <a:sym typeface="Source Code Pro"/>
-            </a:endParaRPr>
-          </a:p>
-        </p:txBody>
-      </p:sp>
-      <p:cxnSp>
-        <p:nvCxnSpPr>
-          <p:cNvPr id="357" name="Google Shape;357;p37"/>
-          <p:cNvCxnSpPr/>
-          <p:nvPr/>
-        </p:nvCxnSpPr>
-        <p:spPr>
-          <a:xfrm>
-            <a:off x="1416747" y="2894167"/>
-            <a:ext cx="214800" cy="362700"/>
-          </a:xfrm>
-          <a:prstGeom prst="straightConnector1">
-            <a:avLst/>
-          </a:prstGeom>
-          <a:noFill/>
-          <a:ln cap="flat" cmpd="sng" w="28575">
-            <a:solidFill>
-              <a:schemeClr val="dk2"/>
-            </a:solidFill>
-            <a:prstDash val="solid"/>
-            <a:round/>
-            <a:headEnd len="med" w="med" type="none"/>
-            <a:tailEnd len="med" w="med" type="triangle"/>
-          </a:ln>
-        </p:spPr>
-      </p:cxnSp>
-      <p:cxnSp>
-        <p:nvCxnSpPr>
-          <p:cNvPr id="358" name="Google Shape;358;p37"/>
-          <p:cNvCxnSpPr/>
-          <p:nvPr/>
-        </p:nvCxnSpPr>
-        <p:spPr>
-          <a:xfrm flipH="1">
-            <a:off x="2421916" y="2894167"/>
-            <a:ext cx="292500" cy="402300"/>
-          </a:xfrm>
-          <a:prstGeom prst="straightConnector1">
-            <a:avLst/>
-          </a:prstGeom>
-          <a:noFill/>
-          <a:ln cap="flat" cmpd="sng" w="28575">
-            <a:solidFill>
-              <a:schemeClr val="dk2"/>
-            </a:solidFill>
-            <a:prstDash val="solid"/>
-            <a:round/>
-            <a:headEnd len="med" w="med" type="none"/>
-            <a:tailEnd len="med" w="med" type="triangle"/>
-          </a:ln>
-        </p:spPr>
-      </p:cxnSp>
-      <p:pic>
-        <p:nvPicPr>
-          <p:cNvPr id="359" name="Google Shape;359;p37"/>
-          <p:cNvPicPr preferRelativeResize="0"/>
-          <p:nvPr/>
-        </p:nvPicPr>
-        <p:blipFill>
-          <a:blip r:embed="rId3">
-            <a:alphaModFix/>
-          </a:blip>
-          <a:stretch>
-            <a:fillRect/>
-          </a:stretch>
-        </p:blipFill>
-        <p:spPr>
-          <a:xfrm>
-            <a:off x="5397238" y="3414437"/>
-            <a:ext cx="1116035" cy="967100"/>
-          </a:xfrm>
-          <a:prstGeom prst="rect">
-            <a:avLst/>
-          </a:prstGeom>
-          <a:noFill/>
-          <a:ln>
-            <a:noFill/>
-          </a:ln>
-        </p:spPr>
-      </p:pic>
-      <p:sp>
-        <p:nvSpPr>
-          <p:cNvPr id="360" name="Google Shape;360;p37"/>
-          <p:cNvSpPr/>
-          <p:nvPr/>
-        </p:nvSpPr>
-        <p:spPr>
-          <a:xfrm>
-            <a:off x="5110400" y="1997013"/>
-            <a:ext cx="1812600" cy="902700"/>
-          </a:xfrm>
-          <a:prstGeom prst="rect">
-            <a:avLst/>
-          </a:prstGeom>
-          <a:solidFill>
-            <a:srgbClr val="FFFFFF"/>
-          </a:solidFill>
-          <a:ln cap="flat" cmpd="sng" w="9525">
-            <a:solidFill>
-              <a:srgbClr val="000000"/>
-            </a:solidFill>
-            <a:prstDash val="solid"/>
-            <a:round/>
-            <a:headEnd len="sm" w="sm" type="none"/>
-            <a:tailEnd len="sm" w="sm" type="none"/>
-          </a:ln>
-        </p:spPr>
-        <p:txBody>
-          <a:bodyPr anchorCtr="0" anchor="t" bIns="91425" lIns="91425" spcFirstLastPara="1" rIns="91425" wrap="square" tIns="91425">
-            <a:noAutofit/>
-          </a:bodyPr>
-          <a:lstStyle/>
-          <a:p>
-            <a:pPr indent="0" lvl="0" marL="0" rtl="0" algn="ctr">
-              <a:spcBef>
-                <a:spcPts val="0"/>
-              </a:spcBef>
-              <a:spcAft>
-                <a:spcPts val="0"/>
-              </a:spcAft>
-              <a:buNone/>
-            </a:pPr>
-            <a:r>
-              <a:rPr b="1" lang="en-GB" sz="900"/>
-              <a:t>Micro-frontend 1</a:t>
-            </a:r>
-            <a:endParaRPr b="1" sz="900"/>
-          </a:p>
-        </p:txBody>
-      </p:sp>
-      <p:sp>
-        <p:nvSpPr>
-          <p:cNvPr id="361" name="Google Shape;361;p37"/>
-          <p:cNvSpPr txBox="1"/>
-          <p:nvPr/>
-        </p:nvSpPr>
-        <p:spPr>
-          <a:xfrm>
-            <a:off x="5176875" y="2285193"/>
-            <a:ext cx="2149200" cy="554100"/>
-          </a:xfrm>
-          <a:prstGeom prst="rect">
-            <a:avLst/>
-          </a:prstGeom>
-          <a:noFill/>
-          <a:ln>
-            <a:noFill/>
-          </a:ln>
-        </p:spPr>
-        <p:txBody>
-          <a:bodyPr anchorCtr="0" anchor="t" bIns="91425" lIns="91425" spcFirstLastPara="1" rIns="91425" wrap="square" tIns="91425">
-            <a:spAutoFit/>
-          </a:bodyPr>
-          <a:lstStyle/>
-          <a:p>
-            <a:pPr indent="0" lvl="0" marL="0" rtl="0" algn="l">
-              <a:spcBef>
-                <a:spcPts val="0"/>
-              </a:spcBef>
-              <a:spcAft>
-                <a:spcPts val="0"/>
-              </a:spcAft>
-              <a:buNone/>
-            </a:pPr>
-            <a:r>
-              <a:rPr lang="en-GB" sz="800">
-                <a:latin typeface="Source Code Pro"/>
-                <a:ea typeface="Source Code Pro"/>
-                <a:cs typeface="Source Code Pro"/>
-                <a:sym typeface="Source Code Pro"/>
-              </a:rPr>
-              <a:t>new Vue(Component);</a:t>
-            </a:r>
-            <a:endParaRPr sz="800">
-              <a:latin typeface="Source Code Pro"/>
-              <a:ea typeface="Source Code Pro"/>
-              <a:cs typeface="Source Code Pro"/>
-              <a:sym typeface="Source Code Pro"/>
-            </a:endParaRPr>
-          </a:p>
-          <a:p>
-            <a:pPr indent="0" lvl="0" marL="0" rtl="0" algn="l">
-              <a:spcBef>
-                <a:spcPts val="0"/>
-              </a:spcBef>
-              <a:spcAft>
-                <a:spcPts val="0"/>
-              </a:spcAft>
-              <a:buNone/>
-            </a:pPr>
-            <a:r>
-              <a:rPr lang="en-GB" sz="800">
-                <a:latin typeface="Source Code Pro"/>
-                <a:ea typeface="Source Code Pro"/>
-                <a:cs typeface="Source Code Pro"/>
-                <a:sym typeface="Source Code Pro"/>
-              </a:rPr>
-              <a:t>Vue.component(Component);</a:t>
-            </a:r>
-            <a:endParaRPr sz="800">
-              <a:latin typeface="Source Code Pro"/>
-              <a:ea typeface="Source Code Pro"/>
-              <a:cs typeface="Source Code Pro"/>
-              <a:sym typeface="Source Code Pro"/>
-            </a:endParaRPr>
-          </a:p>
-          <a:p>
-            <a:pPr indent="0" lvl="0" marL="0" rtl="0" algn="l">
-              <a:spcBef>
-                <a:spcPts val="0"/>
-              </a:spcBef>
-              <a:spcAft>
-                <a:spcPts val="0"/>
-              </a:spcAft>
-              <a:buNone/>
-            </a:pPr>
-            <a:r>
-              <a:rPr lang="en-GB" sz="800">
-                <a:latin typeface="Source Code Pro"/>
-                <a:ea typeface="Source Code Pro"/>
-                <a:cs typeface="Source Code Pro"/>
-                <a:sym typeface="Source Code Pro"/>
-              </a:rPr>
-              <a:t>Vue.mixin(myMixing);</a:t>
-            </a:r>
-            <a:endParaRPr sz="800">
-              <a:latin typeface="Source Code Pro"/>
-              <a:ea typeface="Source Code Pro"/>
-              <a:cs typeface="Source Code Pro"/>
-              <a:sym typeface="Source Code Pro"/>
-            </a:endParaRPr>
-          </a:p>
-        </p:txBody>
-      </p:sp>
-      <p:sp>
-        <p:nvSpPr>
-          <p:cNvPr id="362" name="Google Shape;362;p37"/>
-          <p:cNvSpPr/>
-          <p:nvPr/>
-        </p:nvSpPr>
-        <p:spPr>
-          <a:xfrm>
-            <a:off x="7004282" y="1997013"/>
-            <a:ext cx="1812600" cy="902700"/>
-          </a:xfrm>
-          <a:prstGeom prst="rect">
-            <a:avLst/>
-          </a:prstGeom>
-          <a:solidFill>
-            <a:srgbClr val="FFFFFF"/>
-          </a:solidFill>
-          <a:ln cap="flat" cmpd="sng" w="9525">
-            <a:solidFill>
-              <a:srgbClr val="000000"/>
-            </a:solidFill>
-            <a:prstDash val="solid"/>
-            <a:round/>
-            <a:headEnd len="sm" w="sm" type="none"/>
-            <a:tailEnd len="sm" w="sm" type="none"/>
-          </a:ln>
-        </p:spPr>
-        <p:txBody>
-          <a:bodyPr anchorCtr="0" anchor="t" bIns="91425" lIns="91425" spcFirstLastPara="1" rIns="91425" wrap="square" tIns="91425">
-            <a:noAutofit/>
-          </a:bodyPr>
-          <a:lstStyle/>
-          <a:p>
-            <a:pPr indent="0" lvl="0" marL="0" rtl="0" algn="ctr">
-              <a:spcBef>
-                <a:spcPts val="0"/>
-              </a:spcBef>
-              <a:spcAft>
-                <a:spcPts val="0"/>
-              </a:spcAft>
-              <a:buNone/>
-            </a:pPr>
-            <a:r>
-              <a:rPr b="1" lang="en-GB" sz="900"/>
-              <a:t>Micro-frontend 2</a:t>
-            </a:r>
-            <a:endParaRPr b="1" sz="900"/>
-          </a:p>
-        </p:txBody>
-      </p:sp>
-      <p:sp>
-        <p:nvSpPr>
-          <p:cNvPr id="363" name="Google Shape;363;p37"/>
-          <p:cNvSpPr txBox="1"/>
-          <p:nvPr/>
-        </p:nvSpPr>
-        <p:spPr>
-          <a:xfrm>
-            <a:off x="7070757" y="2285193"/>
-            <a:ext cx="2149200" cy="554100"/>
-          </a:xfrm>
-          <a:prstGeom prst="rect">
-            <a:avLst/>
-          </a:prstGeom>
-          <a:noFill/>
-          <a:ln>
-            <a:noFill/>
-          </a:ln>
-        </p:spPr>
-        <p:txBody>
-          <a:bodyPr anchorCtr="0" anchor="t" bIns="91425" lIns="91425" spcFirstLastPara="1" rIns="91425" wrap="square" tIns="91425">
-            <a:spAutoFit/>
-          </a:bodyPr>
-          <a:lstStyle/>
-          <a:p>
-            <a:pPr indent="0" lvl="0" marL="0" rtl="0" algn="l">
-              <a:spcBef>
-                <a:spcPts val="0"/>
-              </a:spcBef>
-              <a:spcAft>
-                <a:spcPts val="0"/>
-              </a:spcAft>
-              <a:buNone/>
-            </a:pPr>
-            <a:r>
-              <a:rPr lang="en-GB" sz="800">
-                <a:latin typeface="Source Code Pro"/>
-                <a:ea typeface="Source Code Pro"/>
-                <a:cs typeface="Source Code Pro"/>
-                <a:sym typeface="Source Code Pro"/>
-              </a:rPr>
-              <a:t>new Vue(Component);</a:t>
-            </a:r>
-            <a:endParaRPr sz="800">
-              <a:latin typeface="Source Code Pro"/>
-              <a:ea typeface="Source Code Pro"/>
-              <a:cs typeface="Source Code Pro"/>
-              <a:sym typeface="Source Code Pro"/>
-            </a:endParaRPr>
-          </a:p>
-          <a:p>
-            <a:pPr indent="0" lvl="0" marL="0" rtl="0" algn="l">
-              <a:spcBef>
-                <a:spcPts val="0"/>
-              </a:spcBef>
-              <a:spcAft>
-                <a:spcPts val="0"/>
-              </a:spcAft>
-              <a:buNone/>
-            </a:pPr>
-            <a:r>
-              <a:rPr lang="en-GB" sz="800">
-                <a:latin typeface="Source Code Pro"/>
-                <a:ea typeface="Source Code Pro"/>
-                <a:cs typeface="Source Code Pro"/>
-                <a:sym typeface="Source Code Pro"/>
-              </a:rPr>
-              <a:t>Vue.component(Component);</a:t>
-            </a:r>
-            <a:endParaRPr sz="800">
-              <a:latin typeface="Source Code Pro"/>
-              <a:ea typeface="Source Code Pro"/>
-              <a:cs typeface="Source Code Pro"/>
-              <a:sym typeface="Source Code Pro"/>
-            </a:endParaRPr>
-          </a:p>
-          <a:p>
-            <a:pPr indent="0" lvl="0" marL="0" rtl="0" algn="l">
-              <a:spcBef>
-                <a:spcPts val="0"/>
-              </a:spcBef>
-              <a:spcAft>
-                <a:spcPts val="0"/>
-              </a:spcAft>
-              <a:buNone/>
-            </a:pPr>
-            <a:r>
-              <a:rPr lang="en-GB" sz="800">
-                <a:latin typeface="Source Code Pro"/>
-                <a:ea typeface="Source Code Pro"/>
-                <a:cs typeface="Source Code Pro"/>
-                <a:sym typeface="Source Code Pro"/>
-              </a:rPr>
-              <a:t>Vue.mixin(myMixing);</a:t>
-            </a:r>
-            <a:endParaRPr sz="800">
-              <a:latin typeface="Source Code Pro"/>
-              <a:ea typeface="Source Code Pro"/>
-              <a:cs typeface="Source Code Pro"/>
-              <a:sym typeface="Source Code Pro"/>
-            </a:endParaRPr>
-          </a:p>
-        </p:txBody>
-      </p:sp>
-      <p:cxnSp>
-        <p:nvCxnSpPr>
-          <p:cNvPr id="364" name="Google Shape;364;p37"/>
-          <p:cNvCxnSpPr/>
-          <p:nvPr/>
-        </p:nvCxnSpPr>
-        <p:spPr>
-          <a:xfrm flipH="1">
-            <a:off x="6004044" y="2875578"/>
-            <a:ext cx="1800" cy="420900"/>
-          </a:xfrm>
-          <a:prstGeom prst="straightConnector1">
-            <a:avLst/>
-          </a:prstGeom>
-          <a:noFill/>
-          <a:ln cap="flat" cmpd="sng" w="28575">
-            <a:solidFill>
-              <a:schemeClr val="dk2"/>
-            </a:solidFill>
-            <a:prstDash val="solid"/>
-            <a:round/>
-            <a:headEnd len="med" w="med" type="none"/>
-            <a:tailEnd len="med" w="med" type="triangle"/>
-          </a:ln>
-        </p:spPr>
-      </p:cxnSp>
-      <p:pic>
-        <p:nvPicPr>
-          <p:cNvPr id="365" name="Google Shape;365;p37"/>
-          <p:cNvPicPr preferRelativeResize="0"/>
-          <p:nvPr/>
-        </p:nvPicPr>
-        <p:blipFill>
-          <a:blip r:embed="rId3">
-            <a:alphaModFix/>
-          </a:blip>
-          <a:stretch>
-            <a:fillRect/>
-          </a:stretch>
-        </p:blipFill>
-        <p:spPr>
-          <a:xfrm>
-            <a:off x="7275625" y="3391562"/>
-            <a:ext cx="1116035" cy="967100"/>
-          </a:xfrm>
-          <a:prstGeom prst="rect">
-            <a:avLst/>
-          </a:prstGeom>
-          <a:noFill/>
-          <a:ln>
-            <a:noFill/>
-          </a:ln>
-        </p:spPr>
-      </p:pic>
-      <p:cxnSp>
-        <p:nvCxnSpPr>
-          <p:cNvPr id="366" name="Google Shape;366;p37"/>
-          <p:cNvCxnSpPr/>
-          <p:nvPr/>
-        </p:nvCxnSpPr>
-        <p:spPr>
-          <a:xfrm flipH="1">
-            <a:off x="7757892" y="2875578"/>
-            <a:ext cx="1800" cy="420900"/>
-          </a:xfrm>
-          <a:prstGeom prst="straightConnector1">
-            <a:avLst/>
-          </a:prstGeom>
-          <a:noFill/>
-          <a:ln cap="flat" cmpd="sng" w="28575">
-            <a:solidFill>
-              <a:schemeClr val="dk2"/>
-            </a:solidFill>
-            <a:prstDash val="solid"/>
-            <a:round/>
-            <a:headEnd len="med" w="med" type="none"/>
-            <a:tailEnd len="med" w="med" type="triangle"/>
-          </a:ln>
-        </p:spPr>
-      </p:cxnSp>
-      <p:sp>
-        <p:nvSpPr>
-          <p:cNvPr id="367" name="Google Shape;367;p37"/>
-          <p:cNvSpPr txBox="1"/>
-          <p:nvPr/>
-        </p:nvSpPr>
-        <p:spPr>
-          <a:xfrm>
-            <a:off x="505400" y="4396725"/>
-            <a:ext cx="7254300" cy="700200"/>
-          </a:xfrm>
-          <a:prstGeom prst="rect">
-            <a:avLst/>
-          </a:prstGeom>
-          <a:noFill/>
-          <a:ln>
-            <a:noFill/>
-          </a:ln>
-        </p:spPr>
-        <p:txBody>
-          <a:bodyPr anchorCtr="0" anchor="t" bIns="91425" lIns="91425" spcFirstLastPara="1" rIns="91425" wrap="square" tIns="91425">
-            <a:spAutoFit/>
-          </a:bodyPr>
-          <a:lstStyle/>
-          <a:p>
-            <a:pPr indent="0" lvl="0" marL="0" rtl="0" algn="l">
-              <a:lnSpc>
-                <a:spcPct val="150000"/>
-              </a:lnSpc>
-              <a:spcBef>
-                <a:spcPts val="0"/>
-              </a:spcBef>
-              <a:spcAft>
-                <a:spcPts val="0"/>
-              </a:spcAft>
-              <a:buNone/>
-            </a:pPr>
-            <a:r>
-              <a:rPr lang="en-GB" sz="1300">
-                <a:highlight>
-                  <a:srgbClr val="D9D9D9"/>
-                </a:highlight>
-                <a:latin typeface="Source Code Pro"/>
-                <a:ea typeface="Source Code Pro"/>
-                <a:cs typeface="Source Code Pro"/>
-                <a:sym typeface="Source Code Pro"/>
-              </a:rPr>
-              <a:t>vue-cli-service build --target lib </a:t>
-            </a:r>
-            <a:r>
-              <a:rPr lang="en-GB" sz="1300">
-                <a:highlight>
-                  <a:srgbClr val="FF0000"/>
-                </a:highlight>
-                <a:latin typeface="Source Code Pro"/>
-                <a:ea typeface="Source Code Pro"/>
-                <a:cs typeface="Source Code Pro"/>
-                <a:sym typeface="Source Code Pro"/>
-              </a:rPr>
-              <a:t>--inline-vue</a:t>
-            </a:r>
-            <a:r>
-              <a:rPr lang="en-GB" sz="1300">
-                <a:highlight>
-                  <a:srgbClr val="D9D9D9"/>
-                </a:highlight>
-                <a:latin typeface="Source Code Pro"/>
-                <a:ea typeface="Source Code Pro"/>
-                <a:cs typeface="Source Code Pro"/>
-                <a:sym typeface="Source Code Pro"/>
-              </a:rPr>
-              <a:t> './src/main.js'</a:t>
-            </a:r>
-            <a:endParaRPr sz="1300">
-              <a:highlight>
-                <a:srgbClr val="D9D9D9"/>
-              </a:highlight>
-              <a:latin typeface="Source Code Pro"/>
-              <a:ea typeface="Source Code Pro"/>
-              <a:cs typeface="Source Code Pro"/>
-              <a:sym typeface="Source Code Pro"/>
-            </a:endParaRPr>
-          </a:p>
-          <a:p>
-            <a:pPr indent="0" lvl="0" marL="0" rtl="0" algn="l">
-              <a:spcBef>
-                <a:spcPts val="0"/>
-              </a:spcBef>
-              <a:spcAft>
-                <a:spcPts val="0"/>
-              </a:spcAft>
-              <a:buNone/>
-            </a:pPr>
-            <a:r>
-              <a:t/>
-            </a:r>
-            <a:endParaRPr>
-              <a:highlight>
-                <a:srgbClr val="EFEFEF"/>
-              </a:highlight>
-              <a:latin typeface="Source Code Pro"/>
-              <a:ea typeface="Source Code Pro"/>
-              <a:cs typeface="Source Code Pro"/>
-              <a:sym typeface="Source Code Pro"/>
-            </a:endParaRPr>
           </a:p>
         </p:txBody>
       </p:sp>
@@ -18920,7 +18037,7 @@
   <p:cSld>
     <p:spTree>
       <p:nvGrpSpPr>
-        <p:cNvPr id="371" name="Shape 371"/>
+        <p:cNvPr id="354" name="Shape 354"/>
         <p:cNvGrpSpPr/>
         <p:nvPr/>
       </p:nvGrpSpPr>
@@ -18934,7 +18051,7 @@
       </p:grpSpPr>
       <p:sp>
         <p:nvSpPr>
-          <p:cNvPr id="372" name="Google Shape;372;p38"/>
+          <p:cNvPr id="355" name="Google Shape;355;p38"/>
           <p:cNvSpPr txBox="1"/>
           <p:nvPr>
             <p:ph type="title"/>
@@ -18966,62 +18083,871 @@
             </a:pPr>
             <a:r>
               <a:rPr lang="en-GB"/>
-              <a:t>Vue-cli</a:t>
+              <a:t>Vue 2.0 global APIs</a:t>
             </a:r>
             <a:endParaRPr/>
           </a:p>
         </p:txBody>
       </p:sp>
-      <p:sp>
-        <p:nvSpPr>
-          <p:cNvPr id="373" name="Google Shape;373;p38"/>
-          <p:cNvSpPr txBox="1"/>
-          <p:nvPr>
-            <p:ph idx="1" type="body"/>
-          </p:nvPr>
-        </p:nvSpPr>
-        <p:spPr>
-          <a:xfrm>
-            <a:off x="311700" y="1468825"/>
-            <a:ext cx="8520600" cy="3099900"/>
-          </a:xfrm>
-          <a:prstGeom prst="rect">
-            <a:avLst/>
-          </a:prstGeom>
+      <p:pic>
+        <p:nvPicPr>
+          <p:cNvPr id="356" name="Google Shape;356;p38"/>
+          <p:cNvPicPr preferRelativeResize="0"/>
+          <p:nvPr/>
+        </p:nvPicPr>
+        <p:blipFill>
+          <a:blip r:embed="rId3">
+            <a:alphaModFix/>
+          </a:blip>
+          <a:stretch>
+            <a:fillRect/>
+          </a:stretch>
+        </p:blipFill>
+        <p:spPr>
+          <a:xfrm>
+            <a:off x="1589002" y="3404341"/>
+            <a:ext cx="1002437" cy="884509"/>
+          </a:xfrm>
+          <a:prstGeom prst="rect">
+            <a:avLst/>
+          </a:prstGeom>
+          <a:noFill/>
+          <a:ln>
+            <a:noFill/>
+          </a:ln>
+        </p:spPr>
+      </p:pic>
+      <p:sp>
+        <p:nvSpPr>
+          <p:cNvPr id="357" name="Google Shape;357;p38"/>
+          <p:cNvSpPr/>
+          <p:nvPr/>
+        </p:nvSpPr>
+        <p:spPr>
+          <a:xfrm>
+            <a:off x="4353002" y="2979070"/>
+            <a:ext cx="293100" cy="232500"/>
+          </a:xfrm>
+          <a:prstGeom prst="rightArrow">
+            <a:avLst>
+              <a:gd fmla="val 50000" name="adj1"/>
+              <a:gd fmla="val 50000" name="adj2"/>
+            </a:avLst>
+          </a:prstGeom>
+          <a:solidFill>
+            <a:schemeClr val="lt2"/>
+          </a:solidFill>
+          <a:ln>
+            <a:noFill/>
+          </a:ln>
+        </p:spPr>
+        <p:txBody>
+          <a:bodyPr anchorCtr="0" anchor="ctr" bIns="91425" lIns="91425" spcFirstLastPara="1" rIns="91425" wrap="square" tIns="91425">
+            <a:noAutofit/>
+          </a:bodyPr>
+          <a:lstStyle/>
+          <a:p>
+            <a:pPr indent="0" lvl="0" marL="0" rtl="0" algn="l">
+              <a:spcBef>
+                <a:spcPts val="0"/>
+              </a:spcBef>
+              <a:spcAft>
+                <a:spcPts val="0"/>
+              </a:spcAft>
+              <a:buNone/>
+            </a:pPr>
+            <a:r>
+              <a:t/>
+            </a:r>
+            <a:endParaRPr sz="900"/>
+          </a:p>
+        </p:txBody>
+      </p:sp>
+      <p:sp>
+        <p:nvSpPr>
+          <p:cNvPr id="358" name="Google Shape;358;p38"/>
+          <p:cNvSpPr/>
+          <p:nvPr/>
+        </p:nvSpPr>
+        <p:spPr>
+          <a:xfrm>
+            <a:off x="311700" y="2062750"/>
+            <a:ext cx="1755600" cy="884700"/>
+          </a:xfrm>
+          <a:prstGeom prst="rect">
+            <a:avLst/>
+          </a:prstGeom>
+          <a:solidFill>
+            <a:srgbClr val="FFFFFF"/>
+          </a:solidFill>
+          <a:ln cap="flat" cmpd="sng" w="9525">
+            <a:solidFill>
+              <a:srgbClr val="000000"/>
+            </a:solidFill>
+            <a:prstDash val="solid"/>
+            <a:round/>
+            <a:headEnd len="sm" w="sm" type="none"/>
+            <a:tailEnd len="sm" w="sm" type="none"/>
+          </a:ln>
         </p:spPr>
         <p:txBody>
           <a:bodyPr anchorCtr="0" anchor="t" bIns="91425" lIns="91425" spcFirstLastPara="1" rIns="91425" wrap="square" tIns="91425">
-            <a:normAutofit/>
+            <a:noAutofit/>
           </a:bodyPr>
           <a:lstStyle/>
           <a:p>
-            <a:pPr indent="-342900" lvl="0" marL="457200" rtl="0" algn="l">
-              <a:spcBef>
-                <a:spcPts val="0"/>
-              </a:spcBef>
-              <a:spcAft>
-                <a:spcPts val="0"/>
-              </a:spcAft>
-              <a:buSzPts val="1800"/>
-              <a:buChar char="●"/>
-            </a:pPr>
-            <a:r>
-              <a:rPr lang="en-GB"/>
-              <a:t>Leverage vue-cli to automatically generate the custom-element definition for us</a:t>
-            </a:r>
-            <a:endParaRPr/>
-          </a:p>
-        </p:txBody>
-      </p:sp>
-      <p:sp>
-        <p:nvSpPr>
-          <p:cNvPr id="374" name="Google Shape;374;p38"/>
+            <a:pPr indent="0" lvl="0" marL="0" rtl="0" algn="ctr">
+              <a:spcBef>
+                <a:spcPts val="0"/>
+              </a:spcBef>
+              <a:spcAft>
+                <a:spcPts val="0"/>
+              </a:spcAft>
+              <a:buNone/>
+            </a:pPr>
+            <a:r>
+              <a:rPr b="1" lang="en-GB" sz="900"/>
+              <a:t>Micro-frontend 1</a:t>
+            </a:r>
+            <a:endParaRPr b="1" sz="900"/>
+          </a:p>
+        </p:txBody>
+      </p:sp>
+      <p:sp>
+        <p:nvSpPr>
+          <p:cNvPr id="359" name="Google Shape;359;p38"/>
           <p:cNvSpPr txBox="1"/>
           <p:nvPr/>
         </p:nvSpPr>
         <p:spPr>
           <a:xfrm>
-            <a:off x="1016925" y="2767000"/>
+            <a:off x="376079" y="2345133"/>
+            <a:ext cx="2081400" cy="554100"/>
+          </a:xfrm>
+          <a:prstGeom prst="rect">
+            <a:avLst/>
+          </a:prstGeom>
+          <a:noFill/>
+          <a:ln>
+            <a:noFill/>
+          </a:ln>
+        </p:spPr>
+        <p:txBody>
+          <a:bodyPr anchorCtr="0" anchor="t" bIns="91425" lIns="91425" spcFirstLastPara="1" rIns="91425" wrap="square" tIns="91425">
+            <a:spAutoFit/>
+          </a:bodyPr>
+          <a:lstStyle/>
+          <a:p>
+            <a:pPr indent="0" lvl="0" marL="0" rtl="0" algn="l">
+              <a:spcBef>
+                <a:spcPts val="0"/>
+              </a:spcBef>
+              <a:spcAft>
+                <a:spcPts val="0"/>
+              </a:spcAft>
+              <a:buNone/>
+            </a:pPr>
+            <a:r>
+              <a:rPr lang="en-GB" sz="800">
+                <a:latin typeface="Source Code Pro"/>
+                <a:ea typeface="Source Code Pro"/>
+                <a:cs typeface="Source Code Pro"/>
+                <a:sym typeface="Source Code Pro"/>
+              </a:rPr>
+              <a:t>new Vue(Component);</a:t>
+            </a:r>
+            <a:endParaRPr sz="800">
+              <a:latin typeface="Source Code Pro"/>
+              <a:ea typeface="Source Code Pro"/>
+              <a:cs typeface="Source Code Pro"/>
+              <a:sym typeface="Source Code Pro"/>
+            </a:endParaRPr>
+          </a:p>
+          <a:p>
+            <a:pPr indent="0" lvl="0" marL="0" rtl="0" algn="l">
+              <a:spcBef>
+                <a:spcPts val="0"/>
+              </a:spcBef>
+              <a:spcAft>
+                <a:spcPts val="0"/>
+              </a:spcAft>
+              <a:buNone/>
+            </a:pPr>
+            <a:r>
+              <a:rPr lang="en-GB" sz="800">
+                <a:latin typeface="Source Code Pro"/>
+                <a:ea typeface="Source Code Pro"/>
+                <a:cs typeface="Source Code Pro"/>
+                <a:sym typeface="Source Code Pro"/>
+              </a:rPr>
+              <a:t>Vue.component(Component);</a:t>
+            </a:r>
+            <a:endParaRPr sz="800">
+              <a:latin typeface="Source Code Pro"/>
+              <a:ea typeface="Source Code Pro"/>
+              <a:cs typeface="Source Code Pro"/>
+              <a:sym typeface="Source Code Pro"/>
+            </a:endParaRPr>
+          </a:p>
+          <a:p>
+            <a:pPr indent="0" lvl="0" marL="0" rtl="0" algn="l">
+              <a:spcBef>
+                <a:spcPts val="0"/>
+              </a:spcBef>
+              <a:spcAft>
+                <a:spcPts val="0"/>
+              </a:spcAft>
+              <a:buNone/>
+            </a:pPr>
+            <a:r>
+              <a:rPr lang="en-GB" sz="800">
+                <a:latin typeface="Source Code Pro"/>
+                <a:ea typeface="Source Code Pro"/>
+                <a:cs typeface="Source Code Pro"/>
+                <a:sym typeface="Source Code Pro"/>
+              </a:rPr>
+              <a:t>Vue.mixin(myMixing);</a:t>
+            </a:r>
+            <a:endParaRPr sz="800">
+              <a:latin typeface="Source Code Pro"/>
+              <a:ea typeface="Source Code Pro"/>
+              <a:cs typeface="Source Code Pro"/>
+              <a:sym typeface="Source Code Pro"/>
+            </a:endParaRPr>
+          </a:p>
+        </p:txBody>
+      </p:sp>
+      <p:sp>
+        <p:nvSpPr>
+          <p:cNvPr id="360" name="Google Shape;360;p38"/>
+          <p:cNvSpPr/>
+          <p:nvPr/>
+        </p:nvSpPr>
+        <p:spPr>
+          <a:xfrm>
+            <a:off x="2145870" y="2062750"/>
+            <a:ext cx="1755600" cy="884700"/>
+          </a:xfrm>
+          <a:prstGeom prst="rect">
+            <a:avLst/>
+          </a:prstGeom>
+          <a:solidFill>
+            <a:srgbClr val="FFFFFF"/>
+          </a:solidFill>
+          <a:ln cap="flat" cmpd="sng" w="9525">
+            <a:solidFill>
+              <a:srgbClr val="000000"/>
+            </a:solidFill>
+            <a:prstDash val="solid"/>
+            <a:round/>
+            <a:headEnd len="sm" w="sm" type="none"/>
+            <a:tailEnd len="sm" w="sm" type="none"/>
+          </a:ln>
+        </p:spPr>
+        <p:txBody>
+          <a:bodyPr anchorCtr="0" anchor="t" bIns="91425" lIns="91425" spcFirstLastPara="1" rIns="91425" wrap="square" tIns="91425">
+            <a:noAutofit/>
+          </a:bodyPr>
+          <a:lstStyle/>
+          <a:p>
+            <a:pPr indent="0" lvl="0" marL="0" rtl="0" algn="ctr">
+              <a:spcBef>
+                <a:spcPts val="0"/>
+              </a:spcBef>
+              <a:spcAft>
+                <a:spcPts val="0"/>
+              </a:spcAft>
+              <a:buNone/>
+            </a:pPr>
+            <a:r>
+              <a:rPr b="1" lang="en-GB" sz="900"/>
+              <a:t>Micro-frontend 2</a:t>
+            </a:r>
+            <a:endParaRPr b="1" sz="900"/>
+          </a:p>
+        </p:txBody>
+      </p:sp>
+      <p:sp>
+        <p:nvSpPr>
+          <p:cNvPr id="361" name="Google Shape;361;p38"/>
+          <p:cNvSpPr txBox="1"/>
+          <p:nvPr/>
+        </p:nvSpPr>
+        <p:spPr>
+          <a:xfrm>
+            <a:off x="2210250" y="2345133"/>
+            <a:ext cx="2081400" cy="554100"/>
+          </a:xfrm>
+          <a:prstGeom prst="rect">
+            <a:avLst/>
+          </a:prstGeom>
+          <a:noFill/>
+          <a:ln>
+            <a:noFill/>
+          </a:ln>
+        </p:spPr>
+        <p:txBody>
+          <a:bodyPr anchorCtr="0" anchor="t" bIns="91425" lIns="91425" spcFirstLastPara="1" rIns="91425" wrap="square" tIns="91425">
+            <a:spAutoFit/>
+          </a:bodyPr>
+          <a:lstStyle/>
+          <a:p>
+            <a:pPr indent="0" lvl="0" marL="0" rtl="0" algn="l">
+              <a:spcBef>
+                <a:spcPts val="0"/>
+              </a:spcBef>
+              <a:spcAft>
+                <a:spcPts val="0"/>
+              </a:spcAft>
+              <a:buNone/>
+            </a:pPr>
+            <a:r>
+              <a:rPr lang="en-GB" sz="800">
+                <a:latin typeface="Source Code Pro"/>
+                <a:ea typeface="Source Code Pro"/>
+                <a:cs typeface="Source Code Pro"/>
+                <a:sym typeface="Source Code Pro"/>
+              </a:rPr>
+              <a:t>new Vue(Component);</a:t>
+            </a:r>
+            <a:endParaRPr sz="800">
+              <a:latin typeface="Source Code Pro"/>
+              <a:ea typeface="Source Code Pro"/>
+              <a:cs typeface="Source Code Pro"/>
+              <a:sym typeface="Source Code Pro"/>
+            </a:endParaRPr>
+          </a:p>
+          <a:p>
+            <a:pPr indent="0" lvl="0" marL="0" rtl="0" algn="l">
+              <a:spcBef>
+                <a:spcPts val="0"/>
+              </a:spcBef>
+              <a:spcAft>
+                <a:spcPts val="0"/>
+              </a:spcAft>
+              <a:buNone/>
+            </a:pPr>
+            <a:r>
+              <a:rPr lang="en-GB" sz="800">
+                <a:latin typeface="Source Code Pro"/>
+                <a:ea typeface="Source Code Pro"/>
+                <a:cs typeface="Source Code Pro"/>
+                <a:sym typeface="Source Code Pro"/>
+              </a:rPr>
+              <a:t>Vue.component(Component);</a:t>
+            </a:r>
+            <a:endParaRPr sz="800">
+              <a:latin typeface="Source Code Pro"/>
+              <a:ea typeface="Source Code Pro"/>
+              <a:cs typeface="Source Code Pro"/>
+              <a:sym typeface="Source Code Pro"/>
+            </a:endParaRPr>
+          </a:p>
+          <a:p>
+            <a:pPr indent="0" lvl="0" marL="0" rtl="0" algn="l">
+              <a:spcBef>
+                <a:spcPts val="0"/>
+              </a:spcBef>
+              <a:spcAft>
+                <a:spcPts val="0"/>
+              </a:spcAft>
+              <a:buNone/>
+            </a:pPr>
+            <a:r>
+              <a:rPr lang="en-GB" sz="800">
+                <a:latin typeface="Source Code Pro"/>
+                <a:ea typeface="Source Code Pro"/>
+                <a:cs typeface="Source Code Pro"/>
+                <a:sym typeface="Source Code Pro"/>
+              </a:rPr>
+              <a:t>Vue.mixin(myMixing);</a:t>
+            </a:r>
+            <a:endParaRPr sz="800">
+              <a:latin typeface="Source Code Pro"/>
+              <a:ea typeface="Source Code Pro"/>
+              <a:cs typeface="Source Code Pro"/>
+              <a:sym typeface="Source Code Pro"/>
+            </a:endParaRPr>
+          </a:p>
+        </p:txBody>
+      </p:sp>
+      <p:cxnSp>
+        <p:nvCxnSpPr>
+          <p:cNvPr id="362" name="Google Shape;362;p38"/>
+          <p:cNvCxnSpPr/>
+          <p:nvPr/>
+        </p:nvCxnSpPr>
+        <p:spPr>
+          <a:xfrm>
+            <a:off x="1416747" y="2894167"/>
+            <a:ext cx="214800" cy="362700"/>
+          </a:xfrm>
+          <a:prstGeom prst="straightConnector1">
+            <a:avLst/>
+          </a:prstGeom>
+          <a:noFill/>
+          <a:ln cap="flat" cmpd="sng" w="28575">
+            <a:solidFill>
+              <a:schemeClr val="dk2"/>
+            </a:solidFill>
+            <a:prstDash val="solid"/>
+            <a:round/>
+            <a:headEnd len="med" w="med" type="none"/>
+            <a:tailEnd len="med" w="med" type="triangle"/>
+          </a:ln>
+        </p:spPr>
+      </p:cxnSp>
+      <p:cxnSp>
+        <p:nvCxnSpPr>
+          <p:cNvPr id="363" name="Google Shape;363;p38"/>
+          <p:cNvCxnSpPr/>
+          <p:nvPr/>
+        </p:nvCxnSpPr>
+        <p:spPr>
+          <a:xfrm flipH="1">
+            <a:off x="2421916" y="2894167"/>
+            <a:ext cx="292500" cy="402300"/>
+          </a:xfrm>
+          <a:prstGeom prst="straightConnector1">
+            <a:avLst/>
+          </a:prstGeom>
+          <a:noFill/>
+          <a:ln cap="flat" cmpd="sng" w="28575">
+            <a:solidFill>
+              <a:schemeClr val="dk2"/>
+            </a:solidFill>
+            <a:prstDash val="solid"/>
+            <a:round/>
+            <a:headEnd len="med" w="med" type="none"/>
+            <a:tailEnd len="med" w="med" type="triangle"/>
+          </a:ln>
+        </p:spPr>
+      </p:cxnSp>
+      <p:pic>
+        <p:nvPicPr>
+          <p:cNvPr id="364" name="Google Shape;364;p38"/>
+          <p:cNvPicPr preferRelativeResize="0"/>
+          <p:nvPr/>
+        </p:nvPicPr>
+        <p:blipFill>
+          <a:blip r:embed="rId3">
+            <a:alphaModFix/>
+          </a:blip>
+          <a:stretch>
+            <a:fillRect/>
+          </a:stretch>
+        </p:blipFill>
+        <p:spPr>
+          <a:xfrm>
+            <a:off x="5397238" y="3414437"/>
+            <a:ext cx="1116035" cy="967100"/>
+          </a:xfrm>
+          <a:prstGeom prst="rect">
+            <a:avLst/>
+          </a:prstGeom>
+          <a:noFill/>
+          <a:ln>
+            <a:noFill/>
+          </a:ln>
+        </p:spPr>
+      </p:pic>
+      <p:sp>
+        <p:nvSpPr>
+          <p:cNvPr id="365" name="Google Shape;365;p38"/>
+          <p:cNvSpPr/>
+          <p:nvPr/>
+        </p:nvSpPr>
+        <p:spPr>
+          <a:xfrm>
+            <a:off x="5110400" y="1997013"/>
+            <a:ext cx="1812600" cy="902700"/>
+          </a:xfrm>
+          <a:prstGeom prst="rect">
+            <a:avLst/>
+          </a:prstGeom>
+          <a:solidFill>
+            <a:srgbClr val="FFFFFF"/>
+          </a:solidFill>
+          <a:ln cap="flat" cmpd="sng" w="9525">
+            <a:solidFill>
+              <a:srgbClr val="000000"/>
+            </a:solidFill>
+            <a:prstDash val="solid"/>
+            <a:round/>
+            <a:headEnd len="sm" w="sm" type="none"/>
+            <a:tailEnd len="sm" w="sm" type="none"/>
+          </a:ln>
+        </p:spPr>
+        <p:txBody>
+          <a:bodyPr anchorCtr="0" anchor="t" bIns="91425" lIns="91425" spcFirstLastPara="1" rIns="91425" wrap="square" tIns="91425">
+            <a:noAutofit/>
+          </a:bodyPr>
+          <a:lstStyle/>
+          <a:p>
+            <a:pPr indent="0" lvl="0" marL="0" rtl="0" algn="ctr">
+              <a:spcBef>
+                <a:spcPts val="0"/>
+              </a:spcBef>
+              <a:spcAft>
+                <a:spcPts val="0"/>
+              </a:spcAft>
+              <a:buNone/>
+            </a:pPr>
+            <a:r>
+              <a:rPr b="1" lang="en-GB" sz="900"/>
+              <a:t>Micro-frontend 1</a:t>
+            </a:r>
+            <a:endParaRPr b="1" sz="900"/>
+          </a:p>
+        </p:txBody>
+      </p:sp>
+      <p:sp>
+        <p:nvSpPr>
+          <p:cNvPr id="366" name="Google Shape;366;p38"/>
+          <p:cNvSpPr txBox="1"/>
+          <p:nvPr/>
+        </p:nvSpPr>
+        <p:spPr>
+          <a:xfrm>
+            <a:off x="5176875" y="2285193"/>
+            <a:ext cx="2149200" cy="554100"/>
+          </a:xfrm>
+          <a:prstGeom prst="rect">
+            <a:avLst/>
+          </a:prstGeom>
+          <a:noFill/>
+          <a:ln>
+            <a:noFill/>
+          </a:ln>
+        </p:spPr>
+        <p:txBody>
+          <a:bodyPr anchorCtr="0" anchor="t" bIns="91425" lIns="91425" spcFirstLastPara="1" rIns="91425" wrap="square" tIns="91425">
+            <a:spAutoFit/>
+          </a:bodyPr>
+          <a:lstStyle/>
+          <a:p>
+            <a:pPr indent="0" lvl="0" marL="0" rtl="0" algn="l">
+              <a:spcBef>
+                <a:spcPts val="0"/>
+              </a:spcBef>
+              <a:spcAft>
+                <a:spcPts val="0"/>
+              </a:spcAft>
+              <a:buNone/>
+            </a:pPr>
+            <a:r>
+              <a:rPr lang="en-GB" sz="800">
+                <a:latin typeface="Source Code Pro"/>
+                <a:ea typeface="Source Code Pro"/>
+                <a:cs typeface="Source Code Pro"/>
+                <a:sym typeface="Source Code Pro"/>
+              </a:rPr>
+              <a:t>new Vue(Component);</a:t>
+            </a:r>
+            <a:endParaRPr sz="800">
+              <a:latin typeface="Source Code Pro"/>
+              <a:ea typeface="Source Code Pro"/>
+              <a:cs typeface="Source Code Pro"/>
+              <a:sym typeface="Source Code Pro"/>
+            </a:endParaRPr>
+          </a:p>
+          <a:p>
+            <a:pPr indent="0" lvl="0" marL="0" rtl="0" algn="l">
+              <a:spcBef>
+                <a:spcPts val="0"/>
+              </a:spcBef>
+              <a:spcAft>
+                <a:spcPts val="0"/>
+              </a:spcAft>
+              <a:buNone/>
+            </a:pPr>
+            <a:r>
+              <a:rPr lang="en-GB" sz="800">
+                <a:latin typeface="Source Code Pro"/>
+                <a:ea typeface="Source Code Pro"/>
+                <a:cs typeface="Source Code Pro"/>
+                <a:sym typeface="Source Code Pro"/>
+              </a:rPr>
+              <a:t>Vue.component(Component);</a:t>
+            </a:r>
+            <a:endParaRPr sz="800">
+              <a:latin typeface="Source Code Pro"/>
+              <a:ea typeface="Source Code Pro"/>
+              <a:cs typeface="Source Code Pro"/>
+              <a:sym typeface="Source Code Pro"/>
+            </a:endParaRPr>
+          </a:p>
+          <a:p>
+            <a:pPr indent="0" lvl="0" marL="0" rtl="0" algn="l">
+              <a:spcBef>
+                <a:spcPts val="0"/>
+              </a:spcBef>
+              <a:spcAft>
+                <a:spcPts val="0"/>
+              </a:spcAft>
+              <a:buNone/>
+            </a:pPr>
+            <a:r>
+              <a:rPr lang="en-GB" sz="800">
+                <a:latin typeface="Source Code Pro"/>
+                <a:ea typeface="Source Code Pro"/>
+                <a:cs typeface="Source Code Pro"/>
+                <a:sym typeface="Source Code Pro"/>
+              </a:rPr>
+              <a:t>Vue.mixin(myMixing);</a:t>
+            </a:r>
+            <a:endParaRPr sz="800">
+              <a:latin typeface="Source Code Pro"/>
+              <a:ea typeface="Source Code Pro"/>
+              <a:cs typeface="Source Code Pro"/>
+              <a:sym typeface="Source Code Pro"/>
+            </a:endParaRPr>
+          </a:p>
+        </p:txBody>
+      </p:sp>
+      <p:sp>
+        <p:nvSpPr>
+          <p:cNvPr id="367" name="Google Shape;367;p38"/>
+          <p:cNvSpPr/>
+          <p:nvPr/>
+        </p:nvSpPr>
+        <p:spPr>
+          <a:xfrm>
+            <a:off x="7004282" y="1997013"/>
+            <a:ext cx="1812600" cy="902700"/>
+          </a:xfrm>
+          <a:prstGeom prst="rect">
+            <a:avLst/>
+          </a:prstGeom>
+          <a:solidFill>
+            <a:srgbClr val="FFFFFF"/>
+          </a:solidFill>
+          <a:ln cap="flat" cmpd="sng" w="9525">
+            <a:solidFill>
+              <a:srgbClr val="000000"/>
+            </a:solidFill>
+            <a:prstDash val="solid"/>
+            <a:round/>
+            <a:headEnd len="sm" w="sm" type="none"/>
+            <a:tailEnd len="sm" w="sm" type="none"/>
+          </a:ln>
+        </p:spPr>
+        <p:txBody>
+          <a:bodyPr anchorCtr="0" anchor="t" bIns="91425" lIns="91425" spcFirstLastPara="1" rIns="91425" wrap="square" tIns="91425">
+            <a:noAutofit/>
+          </a:bodyPr>
+          <a:lstStyle/>
+          <a:p>
+            <a:pPr indent="0" lvl="0" marL="0" rtl="0" algn="ctr">
+              <a:spcBef>
+                <a:spcPts val="0"/>
+              </a:spcBef>
+              <a:spcAft>
+                <a:spcPts val="0"/>
+              </a:spcAft>
+              <a:buNone/>
+            </a:pPr>
+            <a:r>
+              <a:rPr b="1" lang="en-GB" sz="900"/>
+              <a:t>Micro-frontend 2</a:t>
+            </a:r>
+            <a:endParaRPr b="1" sz="900"/>
+          </a:p>
+        </p:txBody>
+      </p:sp>
+      <p:sp>
+        <p:nvSpPr>
+          <p:cNvPr id="368" name="Google Shape;368;p38"/>
+          <p:cNvSpPr txBox="1"/>
+          <p:nvPr/>
+        </p:nvSpPr>
+        <p:spPr>
+          <a:xfrm>
+            <a:off x="7070757" y="2285193"/>
+            <a:ext cx="2149200" cy="554100"/>
+          </a:xfrm>
+          <a:prstGeom prst="rect">
+            <a:avLst/>
+          </a:prstGeom>
+          <a:noFill/>
+          <a:ln>
+            <a:noFill/>
+          </a:ln>
+        </p:spPr>
+        <p:txBody>
+          <a:bodyPr anchorCtr="0" anchor="t" bIns="91425" lIns="91425" spcFirstLastPara="1" rIns="91425" wrap="square" tIns="91425">
+            <a:spAutoFit/>
+          </a:bodyPr>
+          <a:lstStyle/>
+          <a:p>
+            <a:pPr indent="0" lvl="0" marL="0" rtl="0" algn="l">
+              <a:spcBef>
+                <a:spcPts val="0"/>
+              </a:spcBef>
+              <a:spcAft>
+                <a:spcPts val="0"/>
+              </a:spcAft>
+              <a:buNone/>
+            </a:pPr>
+            <a:r>
+              <a:rPr lang="en-GB" sz="800">
+                <a:latin typeface="Source Code Pro"/>
+                <a:ea typeface="Source Code Pro"/>
+                <a:cs typeface="Source Code Pro"/>
+                <a:sym typeface="Source Code Pro"/>
+              </a:rPr>
+              <a:t>new Vue(Component);</a:t>
+            </a:r>
+            <a:endParaRPr sz="800">
+              <a:latin typeface="Source Code Pro"/>
+              <a:ea typeface="Source Code Pro"/>
+              <a:cs typeface="Source Code Pro"/>
+              <a:sym typeface="Source Code Pro"/>
+            </a:endParaRPr>
+          </a:p>
+          <a:p>
+            <a:pPr indent="0" lvl="0" marL="0" rtl="0" algn="l">
+              <a:spcBef>
+                <a:spcPts val="0"/>
+              </a:spcBef>
+              <a:spcAft>
+                <a:spcPts val="0"/>
+              </a:spcAft>
+              <a:buNone/>
+            </a:pPr>
+            <a:r>
+              <a:rPr lang="en-GB" sz="800">
+                <a:latin typeface="Source Code Pro"/>
+                <a:ea typeface="Source Code Pro"/>
+                <a:cs typeface="Source Code Pro"/>
+                <a:sym typeface="Source Code Pro"/>
+              </a:rPr>
+              <a:t>Vue.component(Component);</a:t>
+            </a:r>
+            <a:endParaRPr sz="800">
+              <a:latin typeface="Source Code Pro"/>
+              <a:ea typeface="Source Code Pro"/>
+              <a:cs typeface="Source Code Pro"/>
+              <a:sym typeface="Source Code Pro"/>
+            </a:endParaRPr>
+          </a:p>
+          <a:p>
+            <a:pPr indent="0" lvl="0" marL="0" rtl="0" algn="l">
+              <a:spcBef>
+                <a:spcPts val="0"/>
+              </a:spcBef>
+              <a:spcAft>
+                <a:spcPts val="0"/>
+              </a:spcAft>
+              <a:buNone/>
+            </a:pPr>
+            <a:r>
+              <a:rPr lang="en-GB" sz="800">
+                <a:latin typeface="Source Code Pro"/>
+                <a:ea typeface="Source Code Pro"/>
+                <a:cs typeface="Source Code Pro"/>
+                <a:sym typeface="Source Code Pro"/>
+              </a:rPr>
+              <a:t>Vue.mixin(myMixing);</a:t>
+            </a:r>
+            <a:endParaRPr sz="800">
+              <a:latin typeface="Source Code Pro"/>
+              <a:ea typeface="Source Code Pro"/>
+              <a:cs typeface="Source Code Pro"/>
+              <a:sym typeface="Source Code Pro"/>
+            </a:endParaRPr>
+          </a:p>
+        </p:txBody>
+      </p:sp>
+      <p:cxnSp>
+        <p:nvCxnSpPr>
+          <p:cNvPr id="369" name="Google Shape;369;p38"/>
+          <p:cNvCxnSpPr/>
+          <p:nvPr/>
+        </p:nvCxnSpPr>
+        <p:spPr>
+          <a:xfrm flipH="1">
+            <a:off x="6004044" y="2875578"/>
+            <a:ext cx="1800" cy="420900"/>
+          </a:xfrm>
+          <a:prstGeom prst="straightConnector1">
+            <a:avLst/>
+          </a:prstGeom>
+          <a:noFill/>
+          <a:ln cap="flat" cmpd="sng" w="28575">
+            <a:solidFill>
+              <a:schemeClr val="dk2"/>
+            </a:solidFill>
+            <a:prstDash val="solid"/>
+            <a:round/>
+            <a:headEnd len="med" w="med" type="none"/>
+            <a:tailEnd len="med" w="med" type="triangle"/>
+          </a:ln>
+        </p:spPr>
+      </p:cxnSp>
+      <p:pic>
+        <p:nvPicPr>
+          <p:cNvPr id="370" name="Google Shape;370;p38"/>
+          <p:cNvPicPr preferRelativeResize="0"/>
+          <p:nvPr/>
+        </p:nvPicPr>
+        <p:blipFill>
+          <a:blip r:embed="rId3">
+            <a:alphaModFix/>
+          </a:blip>
+          <a:stretch>
+            <a:fillRect/>
+          </a:stretch>
+        </p:blipFill>
+        <p:spPr>
+          <a:xfrm>
+            <a:off x="7275625" y="3391562"/>
+            <a:ext cx="1116035" cy="967100"/>
+          </a:xfrm>
+          <a:prstGeom prst="rect">
+            <a:avLst/>
+          </a:prstGeom>
+          <a:noFill/>
+          <a:ln>
+            <a:noFill/>
+          </a:ln>
+        </p:spPr>
+      </p:pic>
+      <p:cxnSp>
+        <p:nvCxnSpPr>
+          <p:cNvPr id="371" name="Google Shape;371;p38"/>
+          <p:cNvCxnSpPr/>
+          <p:nvPr/>
+        </p:nvCxnSpPr>
+        <p:spPr>
+          <a:xfrm flipH="1">
+            <a:off x="7757892" y="2875578"/>
+            <a:ext cx="1800" cy="420900"/>
+          </a:xfrm>
+          <a:prstGeom prst="straightConnector1">
+            <a:avLst/>
+          </a:prstGeom>
+          <a:noFill/>
+          <a:ln cap="flat" cmpd="sng" w="28575">
+            <a:solidFill>
+              <a:schemeClr val="dk2"/>
+            </a:solidFill>
+            <a:prstDash val="solid"/>
+            <a:round/>
+            <a:headEnd len="med" w="med" type="none"/>
+            <a:tailEnd len="med" w="med" type="triangle"/>
+          </a:ln>
+        </p:spPr>
+      </p:cxnSp>
+      <p:sp>
+        <p:nvSpPr>
+          <p:cNvPr id="372" name="Google Shape;372;p38"/>
+          <p:cNvSpPr txBox="1"/>
+          <p:nvPr/>
+        </p:nvSpPr>
+        <p:spPr>
+          <a:xfrm>
+            <a:off x="505400" y="4396725"/>
             <a:ext cx="7254300" cy="700200"/>
           </a:xfrm>
           <a:prstGeom prst="rect">
@@ -19060,7 +18986,31 @@
                 <a:cs typeface="Source Code Pro"/>
                 <a:sym typeface="Source Code Pro"/>
               </a:rPr>
-              <a:t>vue-cli-service build --target wc --inline-vue './src/Hello-World.vue'</a:t>
+              <a:t>vue-cli-service build --target lib </a:t>
+            </a:r>
+            <a:r>
+              <a:rPr lang="en-GB" sz="1300">
+                <a:highlight>
+                  <a:srgbClr val="FF0000"/>
+                </a:highlight>
+                <a:latin typeface="Source Code Pro"/>
+                <a:ea typeface="Source Code Pro"/>
+                <a:cs typeface="Source Code Pro"/>
+                <a:sym typeface="Source Code Pro"/>
+              </a:rPr>
+              <a:t>--inline-vue</a:t>
+            </a:r>
+            <a:r>
+              <a:rPr lang="en-GB" sz="1300">
+                <a:highlight>
+                  <a:srgbClr val="D9D9D9"/>
+                </a:highlight>
+                <a:latin typeface="Source Code Pro"/>
+                <a:ea typeface="Source Code Pro"/>
+                <a:cs typeface="Source Code Pro"/>
+                <a:sym typeface="Source Code Pro"/>
+              </a:rPr>
+              <a:t> './src/main.js'</a:t>
             </a:r>
             <a:endParaRPr sz="1300">
               <a:highlight>
@@ -19089,113 +19039,6 @@
               <a:highlight>
                 <a:srgbClr val="EFEFEF"/>
               </a:highlight>
-              <a:latin typeface="Source Code Pro"/>
-              <a:ea typeface="Source Code Pro"/>
-              <a:cs typeface="Source Code Pro"/>
-              <a:sym typeface="Source Code Pro"/>
-            </a:endParaRPr>
-          </a:p>
-        </p:txBody>
-      </p:sp>
-      <p:sp>
-        <p:nvSpPr>
-          <p:cNvPr id="375" name="Google Shape;375;p38"/>
-          <p:cNvSpPr/>
-          <p:nvPr/>
-        </p:nvSpPr>
-        <p:spPr>
-          <a:xfrm>
-            <a:off x="570487" y="2843018"/>
-            <a:ext cx="326400" cy="254400"/>
-          </a:xfrm>
-          <a:prstGeom prst="rightArrow">
-            <a:avLst>
-              <a:gd fmla="val 50000" name="adj1"/>
-              <a:gd fmla="val 50000" name="adj2"/>
-            </a:avLst>
-          </a:prstGeom>
-          <a:solidFill>
-            <a:schemeClr val="lt2"/>
-          </a:solidFill>
-          <a:ln>
-            <a:noFill/>
-          </a:ln>
-        </p:spPr>
-        <p:txBody>
-          <a:bodyPr anchorCtr="0" anchor="ctr" bIns="91425" lIns="91425" spcFirstLastPara="1" rIns="91425" wrap="square" tIns="91425">
-            <a:noAutofit/>
-          </a:bodyPr>
-          <a:lstStyle/>
-          <a:p>
-            <a:pPr indent="0" lvl="0" marL="0" rtl="0" algn="l">
-              <a:spcBef>
-                <a:spcPts val="0"/>
-              </a:spcBef>
-              <a:spcAft>
-                <a:spcPts val="0"/>
-              </a:spcAft>
-              <a:buNone/>
-            </a:pPr>
-            <a:r>
-              <a:t/>
-            </a:r>
-            <a:endParaRPr sz="900"/>
-          </a:p>
-        </p:txBody>
-      </p:sp>
-      <p:sp>
-        <p:nvSpPr>
-          <p:cNvPr id="376" name="Google Shape;376;p38"/>
-          <p:cNvSpPr txBox="1"/>
-          <p:nvPr/>
-        </p:nvSpPr>
-        <p:spPr>
-          <a:xfrm>
-            <a:off x="311700" y="4515375"/>
-            <a:ext cx="5595000" cy="492600"/>
-          </a:xfrm>
-          <a:prstGeom prst="rect">
-            <a:avLst/>
-          </a:prstGeom>
-          <a:noFill/>
-          <a:ln>
-            <a:noFill/>
-          </a:ln>
-        </p:spPr>
-        <p:txBody>
-          <a:bodyPr anchorCtr="0" anchor="t" bIns="91425" lIns="91425" spcFirstLastPara="1" rIns="91425" wrap="square" tIns="91425">
-            <a:spAutoFit/>
-          </a:bodyPr>
-          <a:lstStyle/>
-          <a:p>
-            <a:pPr indent="0" lvl="0" marL="0" rtl="0" algn="l">
-              <a:spcBef>
-                <a:spcPts val="0"/>
-              </a:spcBef>
-              <a:spcAft>
-                <a:spcPts val="0"/>
-              </a:spcAft>
-              <a:buNone/>
-            </a:pPr>
-            <a:r>
-              <a:rPr lang="en-GB" sz="1000">
-                <a:latin typeface="Source Code Pro"/>
-                <a:ea typeface="Source Code Pro"/>
-                <a:cs typeface="Source Code Pro"/>
-                <a:sym typeface="Source Code Pro"/>
-              </a:rPr>
-              <a:t>FYI, there is also a utility that does the same: </a:t>
-            </a:r>
-            <a:r>
-              <a:rPr lang="en-GB" sz="1000">
-                <a:latin typeface="Source Code Pro"/>
-                <a:ea typeface="Source Code Pro"/>
-                <a:cs typeface="Source Code Pro"/>
-                <a:sym typeface="Source Code Pro"/>
-              </a:rPr>
-              <a:t>https://www.npmjs.com/package/@vue/web-component-wrapper</a:t>
-            </a:r>
-            <a:endParaRPr sz="1300">
               <a:latin typeface="Source Code Pro"/>
               <a:ea typeface="Source Code Pro"/>
               <a:cs typeface="Source Code Pro"/>
@@ -19217,7 +19060,7 @@
   <p:cSld>
     <p:spTree>
       <p:nvGrpSpPr>
-        <p:cNvPr id="380" name="Shape 380"/>
+        <p:cNvPr id="376" name="Shape 376"/>
         <p:cNvGrpSpPr/>
         <p:nvPr/>
       </p:nvGrpSpPr>
@@ -19231,7 +19074,7 @@
       </p:grpSpPr>
       <p:sp>
         <p:nvSpPr>
-          <p:cNvPr id="381" name="Google Shape;381;p39"/>
+          <p:cNvPr id="377" name="Google Shape;377;p39"/>
           <p:cNvSpPr txBox="1"/>
           <p:nvPr>
             <p:ph type="title"/>
@@ -19239,33 +19082,265 @@
         </p:nvSpPr>
         <p:spPr>
           <a:xfrm>
-            <a:off x="430800" y="1889700"/>
-            <a:ext cx="8282400" cy="1516500"/>
-          </a:xfrm>
-          <a:prstGeom prst="rect">
-            <a:avLst/>
-          </a:prstGeom>
+            <a:off x="311700" y="372500"/>
+            <a:ext cx="8520600" cy="733500"/>
+          </a:xfrm>
+          <a:prstGeom prst="rect">
+            <a:avLst/>
+          </a:prstGeom>
+        </p:spPr>
+        <p:txBody>
+          <a:bodyPr anchorCtr="0" anchor="b" bIns="91425" lIns="91425" spcFirstLastPara="1" rIns="91425" wrap="square" tIns="91425">
+            <a:normAutofit/>
+          </a:bodyPr>
+          <a:lstStyle/>
+          <a:p>
+            <a:pPr indent="0" lvl="0" marL="0" rtl="0" algn="l">
+              <a:spcBef>
+                <a:spcPts val="0"/>
+              </a:spcBef>
+              <a:spcAft>
+                <a:spcPts val="0"/>
+              </a:spcAft>
+              <a:buNone/>
+            </a:pPr>
+            <a:r>
+              <a:rPr lang="en-GB"/>
+              <a:t>Vue-cli</a:t>
+            </a:r>
+            <a:endParaRPr/>
+          </a:p>
+        </p:txBody>
+      </p:sp>
+      <p:sp>
+        <p:nvSpPr>
+          <p:cNvPr id="378" name="Google Shape;378;p39"/>
+          <p:cNvSpPr txBox="1"/>
+          <p:nvPr>
+            <p:ph idx="1" type="body"/>
+          </p:nvPr>
+        </p:nvSpPr>
+        <p:spPr>
+          <a:xfrm>
+            <a:off x="311700" y="1468825"/>
+            <a:ext cx="8520600" cy="3099900"/>
+          </a:xfrm>
+          <a:prstGeom prst="rect">
+            <a:avLst/>
+          </a:prstGeom>
+        </p:spPr>
+        <p:txBody>
+          <a:bodyPr anchorCtr="0" anchor="t" bIns="91425" lIns="91425" spcFirstLastPara="1" rIns="91425" wrap="square" tIns="91425">
+            <a:normAutofit/>
+          </a:bodyPr>
+          <a:lstStyle/>
+          <a:p>
+            <a:pPr indent="-342900" lvl="0" marL="457200" rtl="0" algn="l">
+              <a:spcBef>
+                <a:spcPts val="0"/>
+              </a:spcBef>
+              <a:spcAft>
+                <a:spcPts val="0"/>
+              </a:spcAft>
+              <a:buSzPts val="1800"/>
+              <a:buChar char="●"/>
+            </a:pPr>
+            <a:r>
+              <a:rPr lang="en-GB"/>
+              <a:t>Leverage vue-cli to automatically generate the custom-element definition for us</a:t>
+            </a:r>
+            <a:endParaRPr/>
+          </a:p>
+        </p:txBody>
+      </p:sp>
+      <p:sp>
+        <p:nvSpPr>
+          <p:cNvPr id="379" name="Google Shape;379;p39"/>
+          <p:cNvSpPr txBox="1"/>
+          <p:nvPr/>
+        </p:nvSpPr>
+        <p:spPr>
+          <a:xfrm>
+            <a:off x="1016925" y="2767000"/>
+            <a:ext cx="7254300" cy="700200"/>
+          </a:xfrm>
+          <a:prstGeom prst="rect">
+            <a:avLst/>
+          </a:prstGeom>
+          <a:noFill/>
+          <a:ln>
+            <a:noFill/>
+          </a:ln>
+        </p:spPr>
+        <p:txBody>
+          <a:bodyPr anchorCtr="0" anchor="t" bIns="91425" lIns="91425" spcFirstLastPara="1" rIns="91425" wrap="square" tIns="91425">
+            <a:spAutoFit/>
+          </a:bodyPr>
+          <a:lstStyle/>
+          <a:p>
+            <a:pPr indent="0" lvl="0" marL="0" rtl="0" algn="l">
+              <a:lnSpc>
+                <a:spcPct val="150000"/>
+              </a:lnSpc>
+              <a:spcBef>
+                <a:spcPts val="0"/>
+              </a:spcBef>
+              <a:spcAft>
+                <a:spcPts val="0"/>
+              </a:spcAft>
+              <a:buNone/>
+            </a:pPr>
+            <a:r>
+              <a:rPr lang="en-GB" sz="1300">
+                <a:highlight>
+                  <a:srgbClr val="D9D9D9"/>
+                </a:highlight>
+                <a:latin typeface="Source Code Pro"/>
+                <a:ea typeface="Source Code Pro"/>
+                <a:cs typeface="Source Code Pro"/>
+                <a:sym typeface="Source Code Pro"/>
+              </a:rPr>
+              <a:t>vue-cli-service build --target wc --inline-vue './src/Hello-World.vue'</a:t>
+            </a:r>
+            <a:endParaRPr sz="1300">
+              <a:highlight>
+                <a:srgbClr val="D9D9D9"/>
+              </a:highlight>
+              <a:latin typeface="Source Code Pro"/>
+              <a:ea typeface="Source Code Pro"/>
+              <a:cs typeface="Source Code Pro"/>
+              <a:sym typeface="Source Code Pro"/>
+            </a:endParaRPr>
+          </a:p>
+          <a:p>
+            <a:pPr indent="0" lvl="0" marL="0" rtl="0" algn="l">
+              <a:spcBef>
+                <a:spcPts val="0"/>
+              </a:spcBef>
+              <a:spcAft>
+                <a:spcPts val="0"/>
+              </a:spcAft>
+              <a:buNone/>
+            </a:pPr>
+            <a:r>
+              <a:t/>
+            </a:r>
+            <a:endParaRPr>
+              <a:highlight>
+                <a:srgbClr val="EFEFEF"/>
+              </a:highlight>
+              <a:latin typeface="Source Code Pro"/>
+              <a:ea typeface="Source Code Pro"/>
+              <a:cs typeface="Source Code Pro"/>
+              <a:sym typeface="Source Code Pro"/>
+            </a:endParaRPr>
+          </a:p>
+        </p:txBody>
+      </p:sp>
+      <p:sp>
+        <p:nvSpPr>
+          <p:cNvPr id="380" name="Google Shape;380;p39"/>
+          <p:cNvSpPr/>
+          <p:nvPr/>
+        </p:nvSpPr>
+        <p:spPr>
+          <a:xfrm>
+            <a:off x="570487" y="2843018"/>
+            <a:ext cx="326400" cy="254400"/>
+          </a:xfrm>
+          <a:prstGeom prst="rightArrow">
+            <a:avLst>
+              <a:gd fmla="val 50000" name="adj1"/>
+              <a:gd fmla="val 50000" name="adj2"/>
+            </a:avLst>
+          </a:prstGeom>
+          <a:solidFill>
+            <a:schemeClr val="lt2"/>
+          </a:solidFill>
+          <a:ln>
+            <a:noFill/>
+          </a:ln>
         </p:spPr>
         <p:txBody>
           <a:bodyPr anchorCtr="0" anchor="ctr" bIns="91425" lIns="91425" spcFirstLastPara="1" rIns="91425" wrap="square" tIns="91425">
-            <a:normAutofit/>
+            <a:noAutofit/>
           </a:bodyPr>
           <a:lstStyle/>
           <a:p>
-            <a:pPr indent="0" lvl="0" marL="0" rtl="0" algn="ctr">
-              <a:spcBef>
-                <a:spcPts val="0"/>
-              </a:spcBef>
-              <a:spcAft>
-                <a:spcPts val="0"/>
-              </a:spcAft>
-              <a:buNone/>
-            </a:pPr>
-            <a:r>
-              <a:rPr lang="en-GB"/>
-              <a:t>Coming soon...</a:t>
-            </a:r>
-            <a:endParaRPr/>
+            <a:pPr indent="0" lvl="0" marL="0" rtl="0" algn="l">
+              <a:spcBef>
+                <a:spcPts val="0"/>
+              </a:spcBef>
+              <a:spcAft>
+                <a:spcPts val="0"/>
+              </a:spcAft>
+              <a:buNone/>
+            </a:pPr>
+            <a:r>
+              <a:t/>
+            </a:r>
+            <a:endParaRPr sz="900"/>
+          </a:p>
+        </p:txBody>
+      </p:sp>
+      <p:sp>
+        <p:nvSpPr>
+          <p:cNvPr id="381" name="Google Shape;381;p39"/>
+          <p:cNvSpPr txBox="1"/>
+          <p:nvPr/>
+        </p:nvSpPr>
+        <p:spPr>
+          <a:xfrm>
+            <a:off x="311700" y="4515375"/>
+            <a:ext cx="5595000" cy="492600"/>
+          </a:xfrm>
+          <a:prstGeom prst="rect">
+            <a:avLst/>
+          </a:prstGeom>
+          <a:noFill/>
+          <a:ln>
+            <a:noFill/>
+          </a:ln>
+        </p:spPr>
+        <p:txBody>
+          <a:bodyPr anchorCtr="0" anchor="t" bIns="91425" lIns="91425" spcFirstLastPara="1" rIns="91425" wrap="square" tIns="91425">
+            <a:spAutoFit/>
+          </a:bodyPr>
+          <a:lstStyle/>
+          <a:p>
+            <a:pPr indent="0" lvl="0" marL="0" rtl="0" algn="l">
+              <a:spcBef>
+                <a:spcPts val="0"/>
+              </a:spcBef>
+              <a:spcAft>
+                <a:spcPts val="0"/>
+              </a:spcAft>
+              <a:buNone/>
+            </a:pPr>
+            <a:r>
+              <a:rPr lang="en-GB" sz="1000">
+                <a:latin typeface="Source Code Pro"/>
+                <a:ea typeface="Source Code Pro"/>
+                <a:cs typeface="Source Code Pro"/>
+                <a:sym typeface="Source Code Pro"/>
+              </a:rPr>
+              <a:t>FYI, there is also a utility that does the same: </a:t>
+            </a:r>
+            <a:r>
+              <a:rPr lang="en-GB" sz="1000">
+                <a:latin typeface="Source Code Pro"/>
+                <a:ea typeface="Source Code Pro"/>
+                <a:cs typeface="Source Code Pro"/>
+                <a:sym typeface="Source Code Pro"/>
+              </a:rPr>
+              <a:t>https://www.npmjs.com/package/@vue/web-component-wrapper</a:t>
+            </a:r>
+            <a:endParaRPr sz="1300">
+              <a:latin typeface="Source Code Pro"/>
+              <a:ea typeface="Source Code Pro"/>
+              <a:cs typeface="Source Code Pro"/>
+              <a:sym typeface="Source Code Pro"/>
+            </a:endParaRPr>
           </a:p>
         </p:txBody>
       </p:sp>
@@ -19297,57 +19372,6 @@
       <p:sp>
         <p:nvSpPr>
           <p:cNvPr id="386" name="Google Shape;386;p40"/>
-          <p:cNvSpPr/>
-          <p:nvPr/>
-        </p:nvSpPr>
-        <p:spPr>
-          <a:xfrm>
-            <a:off x="1103525" y="3438575"/>
-            <a:ext cx="3349200" cy="1416000"/>
-          </a:xfrm>
-          <a:prstGeom prst="foldedCorner">
-            <a:avLst>
-              <a:gd fmla="val 16667" name="adj"/>
-            </a:avLst>
-          </a:prstGeom>
-          <a:solidFill>
-            <a:srgbClr val="FFFFFF"/>
-          </a:solidFill>
-          <a:ln cap="flat" cmpd="sng" w="9525">
-            <a:solidFill>
-              <a:srgbClr val="000000"/>
-            </a:solidFill>
-            <a:prstDash val="solid"/>
-            <a:round/>
-            <a:headEnd len="sm" w="sm" type="none"/>
-            <a:tailEnd len="sm" w="sm" type="none"/>
-          </a:ln>
-        </p:spPr>
-        <p:txBody>
-          <a:bodyPr anchorCtr="0" anchor="ctr" bIns="91425" lIns="91425" spcFirstLastPara="1" rIns="91425" wrap="square" tIns="91425">
-            <a:noAutofit/>
-          </a:bodyPr>
-          <a:lstStyle/>
-          <a:p>
-            <a:pPr indent="0" lvl="0" marL="0" rtl="0" algn="l">
-              <a:spcBef>
-                <a:spcPts val="0"/>
-              </a:spcBef>
-              <a:spcAft>
-                <a:spcPts val="0"/>
-              </a:spcAft>
-              <a:buNone/>
-            </a:pPr>
-            <a:r>
-              <a:t/>
-            </a:r>
-            <a:endParaRPr/>
-          </a:p>
-        </p:txBody>
-      </p:sp>
-      <p:sp>
-        <p:nvSpPr>
-          <p:cNvPr id="387" name="Google Shape;387;p40"/>
           <p:cNvSpPr txBox="1"/>
           <p:nvPr>
             <p:ph type="title"/>
@@ -19355,20 +19379,20 @@
         </p:nvSpPr>
         <p:spPr>
           <a:xfrm>
-            <a:off x="311700" y="372500"/>
-            <a:ext cx="8520600" cy="733500"/>
-          </a:xfrm>
-          <a:prstGeom prst="rect">
-            <a:avLst/>
-          </a:prstGeom>
-        </p:spPr>
-        <p:txBody>
-          <a:bodyPr anchorCtr="0" anchor="b" bIns="91425" lIns="91425" spcFirstLastPara="1" rIns="91425" wrap="square" tIns="91425">
+            <a:off x="430800" y="1889700"/>
+            <a:ext cx="8282400" cy="1516500"/>
+          </a:xfrm>
+          <a:prstGeom prst="rect">
+            <a:avLst/>
+          </a:prstGeom>
+        </p:spPr>
+        <p:txBody>
+          <a:bodyPr anchorCtr="0" anchor="ctr" bIns="91425" lIns="91425" spcFirstLastPara="1" rIns="91425" wrap="square" tIns="91425">
             <a:normAutofit/>
           </a:bodyPr>
           <a:lstStyle/>
           <a:p>
-            <a:pPr indent="0" lvl="0" marL="0" rtl="0" algn="l">
+            <a:pPr indent="0" lvl="0" marL="0" rtl="0" algn="ctr">
               <a:spcBef>
                 <a:spcPts val="0"/>
               </a:spcBef>
@@ -19379,422 +19403,9 @@
             </a:pPr>
             <a:r>
               <a:rPr lang="en-GB"/>
-              <a:t>Webpack 5 </a:t>
+              <a:t>Coming soon...</a:t>
             </a:r>
             <a:endParaRPr/>
-          </a:p>
-        </p:txBody>
-      </p:sp>
-      <p:sp>
-        <p:nvSpPr>
-          <p:cNvPr id="388" name="Google Shape;388;p40"/>
-          <p:cNvSpPr txBox="1"/>
-          <p:nvPr>
-            <p:ph idx="1" type="body"/>
-          </p:nvPr>
-        </p:nvSpPr>
-        <p:spPr>
-          <a:xfrm>
-            <a:off x="311700" y="1468825"/>
-            <a:ext cx="8520600" cy="1831200"/>
-          </a:xfrm>
-          <a:prstGeom prst="rect">
-            <a:avLst/>
-          </a:prstGeom>
-        </p:spPr>
-        <p:txBody>
-          <a:bodyPr anchorCtr="0" anchor="t" bIns="91425" lIns="91425" spcFirstLastPara="1" rIns="91425" wrap="square" tIns="91425">
-            <a:normAutofit/>
-          </a:bodyPr>
-          <a:lstStyle/>
-          <a:p>
-            <a:pPr indent="-342900" lvl="0" marL="457200" rtl="0" algn="l">
-              <a:spcBef>
-                <a:spcPts val="0"/>
-              </a:spcBef>
-              <a:spcAft>
-                <a:spcPts val="0"/>
-              </a:spcAft>
-              <a:buSzPts val="1800"/>
-              <a:buChar char="●"/>
-            </a:pPr>
-            <a:r>
-              <a:rPr lang="en-GB"/>
-              <a:t>Webpack 5 adds module federation to allow easy build of distributed frontends applications</a:t>
-            </a:r>
-            <a:endParaRPr/>
-          </a:p>
-          <a:p>
-            <a:pPr indent="-342900" lvl="0" marL="457200" rtl="0" algn="l">
-              <a:spcBef>
-                <a:spcPts val="0"/>
-              </a:spcBef>
-              <a:spcAft>
-                <a:spcPts val="0"/>
-              </a:spcAft>
-              <a:buSzPts val="1800"/>
-              <a:buChar char="●"/>
-            </a:pPr>
-            <a:r>
-              <a:rPr lang="en-GB"/>
-              <a:t>Vue-cli has not yet officially released version 5.0 (which includes webpack 5)</a:t>
-            </a:r>
-            <a:endParaRPr/>
-          </a:p>
-          <a:p>
-            <a:pPr indent="-342900" lvl="0" marL="457200" rtl="0" algn="l">
-              <a:spcBef>
-                <a:spcPts val="0"/>
-              </a:spcBef>
-              <a:spcAft>
-                <a:spcPts val="0"/>
-              </a:spcAft>
-              <a:buSzPts val="1800"/>
-              <a:buChar char="●"/>
-            </a:pPr>
-            <a:r>
-              <a:rPr lang="en-GB"/>
-              <a:t>You can however use the alpha/beta version of it</a:t>
-            </a:r>
-            <a:endParaRPr/>
-          </a:p>
-        </p:txBody>
-      </p:sp>
-      <p:sp>
-        <p:nvSpPr>
-          <p:cNvPr id="389" name="Google Shape;389;p40"/>
-          <p:cNvSpPr txBox="1"/>
-          <p:nvPr/>
-        </p:nvSpPr>
-        <p:spPr>
-          <a:xfrm>
-            <a:off x="1103525" y="3486750"/>
-            <a:ext cx="3529500" cy="1416000"/>
-          </a:xfrm>
-          <a:prstGeom prst="rect">
-            <a:avLst/>
-          </a:prstGeom>
-          <a:noFill/>
-          <a:ln>
-            <a:noFill/>
-          </a:ln>
-        </p:spPr>
-        <p:txBody>
-          <a:bodyPr anchorCtr="0" anchor="t" bIns="91425" lIns="91425" spcFirstLastPara="1" rIns="91425" wrap="square" tIns="91425">
-            <a:spAutoFit/>
-          </a:bodyPr>
-          <a:lstStyle/>
-          <a:p>
-            <a:pPr indent="0" lvl="0" marL="0" rtl="0" algn="l">
-              <a:spcBef>
-                <a:spcPts val="0"/>
-              </a:spcBef>
-              <a:spcAft>
-                <a:spcPts val="0"/>
-              </a:spcAft>
-              <a:buNone/>
-            </a:pPr>
-            <a:r>
-              <a:rPr lang="en-GB" sz="800">
-                <a:latin typeface="Source Code Pro"/>
-                <a:ea typeface="Source Code Pro"/>
-                <a:cs typeface="Source Code Pro"/>
-                <a:sym typeface="Source Code Pro"/>
-              </a:rPr>
-              <a:t>"devDependencies": {</a:t>
-            </a:r>
-            <a:endParaRPr sz="800">
-              <a:latin typeface="Source Code Pro"/>
-              <a:ea typeface="Source Code Pro"/>
-              <a:cs typeface="Source Code Pro"/>
-              <a:sym typeface="Source Code Pro"/>
-            </a:endParaRPr>
-          </a:p>
-          <a:p>
-            <a:pPr indent="0" lvl="0" marL="0" rtl="0" algn="l">
-              <a:spcBef>
-                <a:spcPts val="0"/>
-              </a:spcBef>
-              <a:spcAft>
-                <a:spcPts val="0"/>
-              </a:spcAft>
-              <a:buNone/>
-            </a:pPr>
-            <a:r>
-              <a:rPr lang="en-GB" sz="800">
-                <a:latin typeface="Source Code Pro"/>
-                <a:ea typeface="Source Code Pro"/>
-                <a:cs typeface="Source Code Pro"/>
-                <a:sym typeface="Source Code Pro"/>
-              </a:rPr>
-              <a:t>    "@vue/cli": "^5.0.0-alpha.8",</a:t>
-            </a:r>
-            <a:endParaRPr sz="800">
-              <a:latin typeface="Source Code Pro"/>
-              <a:ea typeface="Source Code Pro"/>
-              <a:cs typeface="Source Code Pro"/>
-              <a:sym typeface="Source Code Pro"/>
-            </a:endParaRPr>
-          </a:p>
-          <a:p>
-            <a:pPr indent="0" lvl="0" marL="0" rtl="0" algn="l">
-              <a:spcBef>
-                <a:spcPts val="0"/>
-              </a:spcBef>
-              <a:spcAft>
-                <a:spcPts val="0"/>
-              </a:spcAft>
-              <a:buNone/>
-            </a:pPr>
-            <a:r>
-              <a:rPr lang="en-GB" sz="800">
-                <a:latin typeface="Source Code Pro"/>
-                <a:ea typeface="Source Code Pro"/>
-                <a:cs typeface="Source Code Pro"/>
-                <a:sym typeface="Source Code Pro"/>
-              </a:rPr>
-              <a:t>    "@vue/cli-plugin-babel": "^5.0.0-alpha.8",</a:t>
-            </a:r>
-            <a:endParaRPr sz="800">
-              <a:latin typeface="Source Code Pro"/>
-              <a:ea typeface="Source Code Pro"/>
-              <a:cs typeface="Source Code Pro"/>
-              <a:sym typeface="Source Code Pro"/>
-            </a:endParaRPr>
-          </a:p>
-          <a:p>
-            <a:pPr indent="0" lvl="0" marL="0" rtl="0" algn="l">
-              <a:spcBef>
-                <a:spcPts val="0"/>
-              </a:spcBef>
-              <a:spcAft>
-                <a:spcPts val="0"/>
-              </a:spcAft>
-              <a:buNone/>
-            </a:pPr>
-            <a:r>
-              <a:rPr lang="en-GB" sz="800">
-                <a:latin typeface="Source Code Pro"/>
-                <a:ea typeface="Source Code Pro"/>
-                <a:cs typeface="Source Code Pro"/>
-                <a:sym typeface="Source Code Pro"/>
-              </a:rPr>
-              <a:t>    "@vue/cli-plugin-eslint": "^5.0.0-alpha.8",</a:t>
-            </a:r>
-            <a:endParaRPr sz="800">
-              <a:latin typeface="Source Code Pro"/>
-              <a:ea typeface="Source Code Pro"/>
-              <a:cs typeface="Source Code Pro"/>
-              <a:sym typeface="Source Code Pro"/>
-            </a:endParaRPr>
-          </a:p>
-          <a:p>
-            <a:pPr indent="0" lvl="0" marL="0" rtl="0" algn="l">
-              <a:spcBef>
-                <a:spcPts val="0"/>
-              </a:spcBef>
-              <a:spcAft>
-                <a:spcPts val="0"/>
-              </a:spcAft>
-              <a:buNone/>
-            </a:pPr>
-            <a:r>
-              <a:rPr lang="en-GB" sz="800">
-                <a:latin typeface="Source Code Pro"/>
-                <a:ea typeface="Source Code Pro"/>
-                <a:cs typeface="Source Code Pro"/>
-                <a:sym typeface="Source Code Pro"/>
-              </a:rPr>
-              <a:t>    "@vue/cli-service": "^5.0.0-alpha.8",</a:t>
-            </a:r>
-            <a:endParaRPr sz="800">
-              <a:latin typeface="Source Code Pro"/>
-              <a:ea typeface="Source Code Pro"/>
-              <a:cs typeface="Source Code Pro"/>
-              <a:sym typeface="Source Code Pro"/>
-            </a:endParaRPr>
-          </a:p>
-          <a:p>
-            <a:pPr indent="0" lvl="0" marL="0" rtl="0" algn="l">
-              <a:spcBef>
-                <a:spcPts val="0"/>
-              </a:spcBef>
-              <a:spcAft>
-                <a:spcPts val="0"/>
-              </a:spcAft>
-              <a:buNone/>
-            </a:pPr>
-            <a:r>
-              <a:rPr lang="en-GB" sz="800">
-                <a:latin typeface="Source Code Pro"/>
-                <a:ea typeface="Source Code Pro"/>
-                <a:cs typeface="Source Code Pro"/>
-                <a:sym typeface="Source Code Pro"/>
-              </a:rPr>
-              <a:t>    "@vue/compiler-sfc": "^3.0.0",</a:t>
-            </a:r>
-            <a:endParaRPr sz="800">
-              <a:latin typeface="Source Code Pro"/>
-              <a:ea typeface="Source Code Pro"/>
-              <a:cs typeface="Source Code Pro"/>
-              <a:sym typeface="Source Code Pro"/>
-            </a:endParaRPr>
-          </a:p>
-          <a:p>
-            <a:pPr indent="0" lvl="0" marL="0" rtl="0" algn="l">
-              <a:spcBef>
-                <a:spcPts val="0"/>
-              </a:spcBef>
-              <a:spcAft>
-                <a:spcPts val="0"/>
-              </a:spcAft>
-              <a:buNone/>
-            </a:pPr>
-            <a:r>
-              <a:rPr lang="en-GB" sz="800">
-                <a:latin typeface="Source Code Pro"/>
-                <a:ea typeface="Source Code Pro"/>
-                <a:cs typeface="Source Code Pro"/>
-                <a:sym typeface="Source Code Pro"/>
-              </a:rPr>
-              <a:t>    "babel-eslint": "^10.1.0",</a:t>
-            </a:r>
-            <a:endParaRPr sz="800">
-              <a:latin typeface="Source Code Pro"/>
-              <a:ea typeface="Source Code Pro"/>
-              <a:cs typeface="Source Code Pro"/>
-              <a:sym typeface="Source Code Pro"/>
-            </a:endParaRPr>
-          </a:p>
-          <a:p>
-            <a:pPr indent="0" lvl="0" marL="0" rtl="0" algn="l">
-              <a:spcBef>
-                <a:spcPts val="0"/>
-              </a:spcBef>
-              <a:spcAft>
-                <a:spcPts val="0"/>
-              </a:spcAft>
-              <a:buNone/>
-            </a:pPr>
-            <a:r>
-              <a:rPr lang="en-GB" sz="800">
-                <a:latin typeface="Source Code Pro"/>
-                <a:ea typeface="Source Code Pro"/>
-                <a:cs typeface="Source Code Pro"/>
-                <a:sym typeface="Source Code Pro"/>
-              </a:rPr>
-              <a:t>    "eslint": "^7.23.0",</a:t>
-            </a:r>
-            <a:endParaRPr sz="800">
-              <a:latin typeface="Source Code Pro"/>
-              <a:ea typeface="Source Code Pro"/>
-              <a:cs typeface="Source Code Pro"/>
-              <a:sym typeface="Source Code Pro"/>
-            </a:endParaRPr>
-          </a:p>
-          <a:p>
-            <a:pPr indent="0" lvl="0" marL="0" rtl="0" algn="l">
-              <a:spcBef>
-                <a:spcPts val="0"/>
-              </a:spcBef>
-              <a:spcAft>
-                <a:spcPts val="0"/>
-              </a:spcAft>
-              <a:buNone/>
-            </a:pPr>
-            <a:r>
-              <a:rPr lang="en-GB" sz="800">
-                <a:latin typeface="Source Code Pro"/>
-                <a:ea typeface="Source Code Pro"/>
-                <a:cs typeface="Source Code Pro"/>
-                <a:sym typeface="Source Code Pro"/>
-              </a:rPr>
-              <a:t>    "eslint-plugin-vue": "^7.0.0"</a:t>
-            </a:r>
-            <a:endParaRPr sz="800">
-              <a:latin typeface="Source Code Pro"/>
-              <a:ea typeface="Source Code Pro"/>
-              <a:cs typeface="Source Code Pro"/>
-              <a:sym typeface="Source Code Pro"/>
-            </a:endParaRPr>
-          </a:p>
-          <a:p>
-            <a:pPr indent="0" lvl="0" marL="0" rtl="0" algn="l">
-              <a:spcBef>
-                <a:spcPts val="0"/>
-              </a:spcBef>
-              <a:spcAft>
-                <a:spcPts val="0"/>
-              </a:spcAft>
-              <a:buNone/>
-            </a:pPr>
-            <a:r>
-              <a:rPr lang="en-GB" sz="800">
-                <a:latin typeface="Source Code Pro"/>
-                <a:ea typeface="Source Code Pro"/>
-                <a:cs typeface="Source Code Pro"/>
-                <a:sym typeface="Source Code Pro"/>
-              </a:rPr>
-              <a:t>  },</a:t>
-            </a:r>
-            <a:endParaRPr sz="800">
-              <a:latin typeface="Source Code Pro"/>
-              <a:ea typeface="Source Code Pro"/>
-              <a:cs typeface="Source Code Pro"/>
-              <a:sym typeface="Source Code Pro"/>
-            </a:endParaRPr>
-          </a:p>
-        </p:txBody>
-      </p:sp>
-      <p:sp>
-        <p:nvSpPr>
-          <p:cNvPr id="390" name="Google Shape;390;p40"/>
-          <p:cNvSpPr txBox="1"/>
-          <p:nvPr/>
-        </p:nvSpPr>
-        <p:spPr>
-          <a:xfrm>
-            <a:off x="4633025" y="3438575"/>
-            <a:ext cx="3000000" cy="400200"/>
-          </a:xfrm>
-          <a:prstGeom prst="rect">
-            <a:avLst/>
-          </a:prstGeom>
-          <a:noFill/>
-          <a:ln>
-            <a:noFill/>
-          </a:ln>
-        </p:spPr>
-        <p:txBody>
-          <a:bodyPr anchorCtr="0" anchor="t" bIns="91425" lIns="91425" spcFirstLastPara="1" rIns="91425" wrap="square" tIns="91425">
-            <a:spAutoFit/>
-          </a:bodyPr>
-          <a:lstStyle/>
-          <a:p>
-            <a:pPr indent="0" lvl="0" marL="0" rtl="0" algn="l">
-              <a:spcBef>
-                <a:spcPts val="0"/>
-              </a:spcBef>
-              <a:spcAft>
-                <a:spcPts val="0"/>
-              </a:spcAft>
-              <a:buNone/>
-            </a:pPr>
-            <a:r>
-              <a:rPr lang="en-GB">
-                <a:latin typeface="Source Code Pro"/>
-                <a:ea typeface="Source Code Pro"/>
-                <a:cs typeface="Source Code Pro"/>
-                <a:sym typeface="Source Code Pro"/>
-              </a:rPr>
-              <a:t>hello-world/package.json</a:t>
-            </a:r>
-            <a:endParaRPr>
-              <a:latin typeface="Source Code Pro"/>
-              <a:ea typeface="Source Code Pro"/>
-              <a:cs typeface="Source Code Pro"/>
-              <a:sym typeface="Source Code Pro"/>
-            </a:endParaRPr>
           </a:p>
         </p:txBody>
       </p:sp>
@@ -19811,7 +19422,7 @@
   <p:cSld>
     <p:spTree>
       <p:nvGrpSpPr>
-        <p:cNvPr id="394" name="Shape 394"/>
+        <p:cNvPr id="390" name="Shape 390"/>
         <p:cNvGrpSpPr/>
         <p:nvPr/>
       </p:nvGrpSpPr>
@@ -19825,14 +19436,14 @@
       </p:grpSpPr>
       <p:sp>
         <p:nvSpPr>
-          <p:cNvPr id="395" name="Google Shape;395;p41"/>
+          <p:cNvPr id="391" name="Google Shape;391;p41"/>
           <p:cNvSpPr/>
           <p:nvPr/>
         </p:nvSpPr>
         <p:spPr>
           <a:xfrm>
-            <a:off x="193725" y="1805500"/>
-            <a:ext cx="4476000" cy="3243000"/>
+            <a:off x="1103525" y="3438575"/>
+            <a:ext cx="3349200" cy="1416000"/>
           </a:xfrm>
           <a:prstGeom prst="foldedCorner">
             <a:avLst>
@@ -19876,7 +19487,7 @@
       </p:sp>
       <p:sp>
         <p:nvSpPr>
-          <p:cNvPr id="396" name="Google Shape;396;p41"/>
+          <p:cNvPr id="392" name="Google Shape;392;p41"/>
           <p:cNvSpPr txBox="1"/>
           <p:nvPr>
             <p:ph type="title"/>
@@ -19908,7 +19519,7 @@
             </a:pPr>
             <a:r>
               <a:rPr lang="en-GB"/>
-              <a:t>Webpack 5 - build config </a:t>
+              <a:t>Webpack 5 </a:t>
             </a:r>
             <a:endParaRPr/>
           </a:p>
@@ -19916,13 +19527,374 @@
       </p:sp>
       <p:sp>
         <p:nvSpPr>
-          <p:cNvPr id="397" name="Google Shape;397;p41"/>
+          <p:cNvPr id="393" name="Google Shape;393;p41"/>
+          <p:cNvSpPr txBox="1"/>
+          <p:nvPr>
+            <p:ph idx="1" type="body"/>
+          </p:nvPr>
+        </p:nvSpPr>
+        <p:spPr>
+          <a:xfrm>
+            <a:off x="311700" y="1468825"/>
+            <a:ext cx="8520600" cy="1831200"/>
+          </a:xfrm>
+          <a:prstGeom prst="rect">
+            <a:avLst/>
+          </a:prstGeom>
+        </p:spPr>
+        <p:txBody>
+          <a:bodyPr anchorCtr="0" anchor="t" bIns="91425" lIns="91425" spcFirstLastPara="1" rIns="91425" wrap="square" tIns="91425">
+            <a:normAutofit/>
+          </a:bodyPr>
+          <a:lstStyle/>
+          <a:p>
+            <a:pPr indent="-342900" lvl="0" marL="457200" rtl="0" algn="l">
+              <a:spcBef>
+                <a:spcPts val="0"/>
+              </a:spcBef>
+              <a:spcAft>
+                <a:spcPts val="0"/>
+              </a:spcAft>
+              <a:buSzPts val="1800"/>
+              <a:buChar char="●"/>
+            </a:pPr>
+            <a:r>
+              <a:rPr lang="en-GB"/>
+              <a:t>Webpack 5 adds module federation to allow easy build of distributed frontends applications</a:t>
+            </a:r>
+            <a:endParaRPr/>
+          </a:p>
+          <a:p>
+            <a:pPr indent="-342900" lvl="0" marL="457200" rtl="0" algn="l">
+              <a:spcBef>
+                <a:spcPts val="0"/>
+              </a:spcBef>
+              <a:spcAft>
+                <a:spcPts val="0"/>
+              </a:spcAft>
+              <a:buSzPts val="1800"/>
+              <a:buChar char="●"/>
+            </a:pPr>
+            <a:r>
+              <a:rPr lang="en-GB"/>
+              <a:t>Vue-cli has not yet officially released version 5.0 (which includes webpack 5)</a:t>
+            </a:r>
+            <a:endParaRPr/>
+          </a:p>
+          <a:p>
+            <a:pPr indent="-342900" lvl="0" marL="457200" rtl="0" algn="l">
+              <a:spcBef>
+                <a:spcPts val="0"/>
+              </a:spcBef>
+              <a:spcAft>
+                <a:spcPts val="0"/>
+              </a:spcAft>
+              <a:buSzPts val="1800"/>
+              <a:buChar char="●"/>
+            </a:pPr>
+            <a:r>
+              <a:rPr lang="en-GB"/>
+              <a:t>You can however use the alpha/beta version of it</a:t>
+            </a:r>
+            <a:endParaRPr/>
+          </a:p>
+        </p:txBody>
+      </p:sp>
+      <p:sp>
+        <p:nvSpPr>
+          <p:cNvPr id="394" name="Google Shape;394;p41"/>
           <p:cNvSpPr txBox="1"/>
           <p:nvPr/>
         </p:nvSpPr>
         <p:spPr>
           <a:xfrm>
-            <a:off x="193725" y="1405300"/>
+            <a:off x="1103525" y="3486750"/>
+            <a:ext cx="3529500" cy="1416000"/>
+          </a:xfrm>
+          <a:prstGeom prst="rect">
+            <a:avLst/>
+          </a:prstGeom>
+          <a:noFill/>
+          <a:ln>
+            <a:noFill/>
+          </a:ln>
+        </p:spPr>
+        <p:txBody>
+          <a:bodyPr anchorCtr="0" anchor="t" bIns="91425" lIns="91425" spcFirstLastPara="1" rIns="91425" wrap="square" tIns="91425">
+            <a:spAutoFit/>
+          </a:bodyPr>
+          <a:lstStyle/>
+          <a:p>
+            <a:pPr indent="0" lvl="0" marL="0" rtl="0" algn="l">
+              <a:spcBef>
+                <a:spcPts val="0"/>
+              </a:spcBef>
+              <a:spcAft>
+                <a:spcPts val="0"/>
+              </a:spcAft>
+              <a:buNone/>
+            </a:pPr>
+            <a:r>
+              <a:rPr lang="en-GB" sz="800">
+                <a:latin typeface="Source Code Pro"/>
+                <a:ea typeface="Source Code Pro"/>
+                <a:cs typeface="Source Code Pro"/>
+                <a:sym typeface="Source Code Pro"/>
+              </a:rPr>
+              <a:t>"devDependencies": {</a:t>
+            </a:r>
+            <a:endParaRPr sz="800">
+              <a:latin typeface="Source Code Pro"/>
+              <a:ea typeface="Source Code Pro"/>
+              <a:cs typeface="Source Code Pro"/>
+              <a:sym typeface="Source Code Pro"/>
+            </a:endParaRPr>
+          </a:p>
+          <a:p>
+            <a:pPr indent="0" lvl="0" marL="0" rtl="0" algn="l">
+              <a:spcBef>
+                <a:spcPts val="0"/>
+              </a:spcBef>
+              <a:spcAft>
+                <a:spcPts val="0"/>
+              </a:spcAft>
+              <a:buNone/>
+            </a:pPr>
+            <a:r>
+              <a:rPr lang="en-GB" sz="800">
+                <a:latin typeface="Source Code Pro"/>
+                <a:ea typeface="Source Code Pro"/>
+                <a:cs typeface="Source Code Pro"/>
+                <a:sym typeface="Source Code Pro"/>
+              </a:rPr>
+              <a:t>    "@vue/cli": "^5.0.0-alpha.8",</a:t>
+            </a:r>
+            <a:endParaRPr sz="800">
+              <a:latin typeface="Source Code Pro"/>
+              <a:ea typeface="Source Code Pro"/>
+              <a:cs typeface="Source Code Pro"/>
+              <a:sym typeface="Source Code Pro"/>
+            </a:endParaRPr>
+          </a:p>
+          <a:p>
+            <a:pPr indent="0" lvl="0" marL="0" rtl="0" algn="l">
+              <a:spcBef>
+                <a:spcPts val="0"/>
+              </a:spcBef>
+              <a:spcAft>
+                <a:spcPts val="0"/>
+              </a:spcAft>
+              <a:buNone/>
+            </a:pPr>
+            <a:r>
+              <a:rPr lang="en-GB" sz="800">
+                <a:latin typeface="Source Code Pro"/>
+                <a:ea typeface="Source Code Pro"/>
+                <a:cs typeface="Source Code Pro"/>
+                <a:sym typeface="Source Code Pro"/>
+              </a:rPr>
+              <a:t>    "@vue/cli-plugin-babel": "^5.0.0-alpha.8",</a:t>
+            </a:r>
+            <a:endParaRPr sz="800">
+              <a:latin typeface="Source Code Pro"/>
+              <a:ea typeface="Source Code Pro"/>
+              <a:cs typeface="Source Code Pro"/>
+              <a:sym typeface="Source Code Pro"/>
+            </a:endParaRPr>
+          </a:p>
+          <a:p>
+            <a:pPr indent="0" lvl="0" marL="0" rtl="0" algn="l">
+              <a:spcBef>
+                <a:spcPts val="0"/>
+              </a:spcBef>
+              <a:spcAft>
+                <a:spcPts val="0"/>
+              </a:spcAft>
+              <a:buNone/>
+            </a:pPr>
+            <a:r>
+              <a:rPr lang="en-GB" sz="800">
+                <a:latin typeface="Source Code Pro"/>
+                <a:ea typeface="Source Code Pro"/>
+                <a:cs typeface="Source Code Pro"/>
+                <a:sym typeface="Source Code Pro"/>
+              </a:rPr>
+              <a:t>    "@vue/cli-plugin-eslint": "^5.0.0-alpha.8",</a:t>
+            </a:r>
+            <a:endParaRPr sz="800">
+              <a:latin typeface="Source Code Pro"/>
+              <a:ea typeface="Source Code Pro"/>
+              <a:cs typeface="Source Code Pro"/>
+              <a:sym typeface="Source Code Pro"/>
+            </a:endParaRPr>
+          </a:p>
+          <a:p>
+            <a:pPr indent="0" lvl="0" marL="0" rtl="0" algn="l">
+              <a:spcBef>
+                <a:spcPts val="0"/>
+              </a:spcBef>
+              <a:spcAft>
+                <a:spcPts val="0"/>
+              </a:spcAft>
+              <a:buNone/>
+            </a:pPr>
+            <a:r>
+              <a:rPr lang="en-GB" sz="800">
+                <a:latin typeface="Source Code Pro"/>
+                <a:ea typeface="Source Code Pro"/>
+                <a:cs typeface="Source Code Pro"/>
+                <a:sym typeface="Source Code Pro"/>
+              </a:rPr>
+              <a:t>    "@vue/cli-service": "^5.0.0-alpha.8",</a:t>
+            </a:r>
+            <a:endParaRPr sz="800">
+              <a:latin typeface="Source Code Pro"/>
+              <a:ea typeface="Source Code Pro"/>
+              <a:cs typeface="Source Code Pro"/>
+              <a:sym typeface="Source Code Pro"/>
+            </a:endParaRPr>
+          </a:p>
+          <a:p>
+            <a:pPr indent="0" lvl="0" marL="0" rtl="0" algn="l">
+              <a:spcBef>
+                <a:spcPts val="0"/>
+              </a:spcBef>
+              <a:spcAft>
+                <a:spcPts val="0"/>
+              </a:spcAft>
+              <a:buNone/>
+            </a:pPr>
+            <a:r>
+              <a:rPr lang="en-GB" sz="800">
+                <a:latin typeface="Source Code Pro"/>
+                <a:ea typeface="Source Code Pro"/>
+                <a:cs typeface="Source Code Pro"/>
+                <a:sym typeface="Source Code Pro"/>
+              </a:rPr>
+              <a:t>    "@vue/compiler-sfc": "^3.0.0",</a:t>
+            </a:r>
+            <a:endParaRPr sz="800">
+              <a:latin typeface="Source Code Pro"/>
+              <a:ea typeface="Source Code Pro"/>
+              <a:cs typeface="Source Code Pro"/>
+              <a:sym typeface="Source Code Pro"/>
+            </a:endParaRPr>
+          </a:p>
+          <a:p>
+            <a:pPr indent="0" lvl="0" marL="0" rtl="0" algn="l">
+              <a:spcBef>
+                <a:spcPts val="0"/>
+              </a:spcBef>
+              <a:spcAft>
+                <a:spcPts val="0"/>
+              </a:spcAft>
+              <a:buNone/>
+            </a:pPr>
+            <a:r>
+              <a:rPr lang="en-GB" sz="800">
+                <a:latin typeface="Source Code Pro"/>
+                <a:ea typeface="Source Code Pro"/>
+                <a:cs typeface="Source Code Pro"/>
+                <a:sym typeface="Source Code Pro"/>
+              </a:rPr>
+              <a:t>    "babel-eslint": "^10.1.0",</a:t>
+            </a:r>
+            <a:endParaRPr sz="800">
+              <a:latin typeface="Source Code Pro"/>
+              <a:ea typeface="Source Code Pro"/>
+              <a:cs typeface="Source Code Pro"/>
+              <a:sym typeface="Source Code Pro"/>
+            </a:endParaRPr>
+          </a:p>
+          <a:p>
+            <a:pPr indent="0" lvl="0" marL="0" rtl="0" algn="l">
+              <a:spcBef>
+                <a:spcPts val="0"/>
+              </a:spcBef>
+              <a:spcAft>
+                <a:spcPts val="0"/>
+              </a:spcAft>
+              <a:buNone/>
+            </a:pPr>
+            <a:r>
+              <a:rPr lang="en-GB" sz="800">
+                <a:latin typeface="Source Code Pro"/>
+                <a:ea typeface="Source Code Pro"/>
+                <a:cs typeface="Source Code Pro"/>
+                <a:sym typeface="Source Code Pro"/>
+              </a:rPr>
+              <a:t>    "eslint": "^7.23.0",</a:t>
+            </a:r>
+            <a:endParaRPr sz="800">
+              <a:latin typeface="Source Code Pro"/>
+              <a:ea typeface="Source Code Pro"/>
+              <a:cs typeface="Source Code Pro"/>
+              <a:sym typeface="Source Code Pro"/>
+            </a:endParaRPr>
+          </a:p>
+          <a:p>
+            <a:pPr indent="0" lvl="0" marL="0" rtl="0" algn="l">
+              <a:spcBef>
+                <a:spcPts val="0"/>
+              </a:spcBef>
+              <a:spcAft>
+                <a:spcPts val="0"/>
+              </a:spcAft>
+              <a:buNone/>
+            </a:pPr>
+            <a:r>
+              <a:rPr lang="en-GB" sz="800">
+                <a:latin typeface="Source Code Pro"/>
+                <a:ea typeface="Source Code Pro"/>
+                <a:cs typeface="Source Code Pro"/>
+                <a:sym typeface="Source Code Pro"/>
+              </a:rPr>
+              <a:t>    "eslint-plugin-vue": "^7.0.0"</a:t>
+            </a:r>
+            <a:endParaRPr sz="800">
+              <a:latin typeface="Source Code Pro"/>
+              <a:ea typeface="Source Code Pro"/>
+              <a:cs typeface="Source Code Pro"/>
+              <a:sym typeface="Source Code Pro"/>
+            </a:endParaRPr>
+          </a:p>
+          <a:p>
+            <a:pPr indent="0" lvl="0" marL="0" rtl="0" algn="l">
+              <a:spcBef>
+                <a:spcPts val="0"/>
+              </a:spcBef>
+              <a:spcAft>
+                <a:spcPts val="0"/>
+              </a:spcAft>
+              <a:buNone/>
+            </a:pPr>
+            <a:r>
+              <a:rPr lang="en-GB" sz="800">
+                <a:latin typeface="Source Code Pro"/>
+                <a:ea typeface="Source Code Pro"/>
+                <a:cs typeface="Source Code Pro"/>
+                <a:sym typeface="Source Code Pro"/>
+              </a:rPr>
+              <a:t>  },</a:t>
+            </a:r>
+            <a:endParaRPr sz="800">
+              <a:latin typeface="Source Code Pro"/>
+              <a:ea typeface="Source Code Pro"/>
+              <a:cs typeface="Source Code Pro"/>
+              <a:sym typeface="Source Code Pro"/>
+            </a:endParaRPr>
+          </a:p>
+        </p:txBody>
+      </p:sp>
+      <p:sp>
+        <p:nvSpPr>
+          <p:cNvPr id="395" name="Google Shape;395;p41"/>
+          <p:cNvSpPr txBox="1"/>
+          <p:nvPr/>
+        </p:nvSpPr>
+        <p:spPr>
+          <a:xfrm>
+            <a:off x="4633025" y="3438575"/>
             <a:ext cx="3000000" cy="400200"/>
           </a:xfrm>
           <a:prstGeom prst="rect">
@@ -19955,272 +19927,9 @@
                 <a:cs typeface="Source Code Pro"/>
                 <a:sym typeface="Source Code Pro"/>
               </a:rPr>
-              <a:t>hello-world/vue.config.js</a:t>
+              <a:t>hello-world/package.json</a:t>
             </a:r>
             <a:endParaRPr>
-              <a:latin typeface="Source Code Pro"/>
-              <a:ea typeface="Source Code Pro"/>
-              <a:cs typeface="Source Code Pro"/>
-              <a:sym typeface="Source Code Pro"/>
-            </a:endParaRPr>
-          </a:p>
-        </p:txBody>
-      </p:sp>
-      <p:sp>
-        <p:nvSpPr>
-          <p:cNvPr id="398" name="Google Shape;398;p41"/>
-          <p:cNvSpPr/>
-          <p:nvPr/>
-        </p:nvSpPr>
-        <p:spPr>
-          <a:xfrm>
-            <a:off x="4776625" y="1805500"/>
-            <a:ext cx="4251600" cy="3243000"/>
-          </a:xfrm>
-          <a:prstGeom prst="foldedCorner">
-            <a:avLst>
-              <a:gd fmla="val 16667" name="adj"/>
-            </a:avLst>
-          </a:prstGeom>
-          <a:solidFill>
-            <a:srgbClr val="FFFFFF"/>
-          </a:solidFill>
-          <a:ln cap="flat" cmpd="sng" w="9525">
-            <a:solidFill>
-              <a:srgbClr val="000000"/>
-            </a:solidFill>
-            <a:prstDash val="solid"/>
-            <a:round/>
-            <a:headEnd len="sm" w="sm" type="none"/>
-            <a:tailEnd len="sm" w="sm" type="none"/>
-          </a:ln>
-        </p:spPr>
-        <p:txBody>
-          <a:bodyPr anchorCtr="0" anchor="ctr" bIns="91425" lIns="91425" spcFirstLastPara="1" rIns="91425" wrap="square" tIns="91425">
-            <a:noAutofit/>
-          </a:bodyPr>
-          <a:lstStyle/>
-          <a:p>
-            <a:pPr indent="0" lvl="0" marL="0" rtl="0" algn="l">
-              <a:spcBef>
-                <a:spcPts val="0"/>
-              </a:spcBef>
-              <a:spcAft>
-                <a:spcPts val="0"/>
-              </a:spcAft>
-              <a:buNone/>
-            </a:pPr>
-            <a:r>
-              <a:t/>
-            </a:r>
-            <a:endParaRPr/>
-          </a:p>
-        </p:txBody>
-      </p:sp>
-      <p:sp>
-        <p:nvSpPr>
-          <p:cNvPr id="399" name="Google Shape;399;p41"/>
-          <p:cNvSpPr txBox="1"/>
-          <p:nvPr/>
-        </p:nvSpPr>
-        <p:spPr>
-          <a:xfrm>
-            <a:off x="5032675" y="1405300"/>
-            <a:ext cx="3000000" cy="400200"/>
-          </a:xfrm>
-          <a:prstGeom prst="rect">
-            <a:avLst/>
-          </a:prstGeom>
-          <a:noFill/>
-          <a:ln>
-            <a:noFill/>
-          </a:ln>
-        </p:spPr>
-        <p:txBody>
-          <a:bodyPr anchorCtr="0" anchor="t" bIns="91425" lIns="91425" spcFirstLastPara="1" rIns="91425" wrap="square" tIns="91425">
-            <a:spAutoFit/>
-          </a:bodyPr>
-          <a:lstStyle/>
-          <a:p>
-            <a:pPr indent="0" lvl="0" marL="0" rtl="0" algn="l">
-              <a:spcBef>
-                <a:spcPts val="0"/>
-              </a:spcBef>
-              <a:spcAft>
-                <a:spcPts val="0"/>
-              </a:spcAft>
-              <a:buNone/>
-            </a:pPr>
-            <a:r>
-              <a:rPr lang="en-GB">
-                <a:latin typeface="Source Code Pro"/>
-                <a:ea typeface="Source Code Pro"/>
-                <a:cs typeface="Source Code Pro"/>
-                <a:sym typeface="Source Code Pro"/>
-              </a:rPr>
-              <a:t>main-app/webpack.config.js</a:t>
-            </a:r>
-            <a:endParaRPr>
-              <a:latin typeface="Source Code Pro"/>
-              <a:ea typeface="Source Code Pro"/>
-              <a:cs typeface="Source Code Pro"/>
-              <a:sym typeface="Source Code Pro"/>
-            </a:endParaRPr>
-          </a:p>
-        </p:txBody>
-      </p:sp>
-      <p:pic>
-        <p:nvPicPr>
-          <p:cNvPr id="400" name="Google Shape;400;p41"/>
-          <p:cNvPicPr preferRelativeResize="0"/>
-          <p:nvPr/>
-        </p:nvPicPr>
-        <p:blipFill>
-          <a:blip r:embed="rId3">
-            <a:alphaModFix/>
-          </a:blip>
-          <a:stretch>
-            <a:fillRect/>
-          </a:stretch>
-        </p:blipFill>
-        <p:spPr>
-          <a:xfrm>
-            <a:off x="311700" y="1895475"/>
-            <a:ext cx="3671675" cy="2939050"/>
-          </a:xfrm>
-          <a:prstGeom prst="rect">
-            <a:avLst/>
-          </a:prstGeom>
-          <a:noFill/>
-          <a:ln>
-            <a:noFill/>
-          </a:ln>
-        </p:spPr>
-      </p:pic>
-      <p:pic>
-        <p:nvPicPr>
-          <p:cNvPr id="401" name="Google Shape;401;p41"/>
-          <p:cNvPicPr preferRelativeResize="0"/>
-          <p:nvPr/>
-        </p:nvPicPr>
-        <p:blipFill>
-          <a:blip r:embed="rId4">
-            <a:alphaModFix/>
-          </a:blip>
-          <a:stretch>
-            <a:fillRect/>
-          </a:stretch>
-        </p:blipFill>
-        <p:spPr>
-          <a:xfrm>
-            <a:off x="4854650" y="2062025"/>
-            <a:ext cx="4095550" cy="1894000"/>
-          </a:xfrm>
-          <a:prstGeom prst="rect">
-            <a:avLst/>
-          </a:prstGeom>
-          <a:noFill/>
-          <a:ln>
-            <a:noFill/>
-          </a:ln>
-        </p:spPr>
-      </p:pic>
-      <p:sp>
-        <p:nvSpPr>
-          <p:cNvPr id="402" name="Google Shape;402;p41"/>
-          <p:cNvSpPr txBox="1"/>
-          <p:nvPr/>
-        </p:nvSpPr>
-        <p:spPr>
-          <a:xfrm>
-            <a:off x="4852825" y="1754225"/>
-            <a:ext cx="4797000" cy="307800"/>
-          </a:xfrm>
-          <a:prstGeom prst="rect">
-            <a:avLst/>
-          </a:prstGeom>
-          <a:noFill/>
-          <a:ln>
-            <a:noFill/>
-          </a:ln>
-        </p:spPr>
-        <p:txBody>
-          <a:bodyPr anchorCtr="0" anchor="t" bIns="91425" lIns="91425" spcFirstLastPara="1" rIns="91425" wrap="square" tIns="91425">
-            <a:spAutoFit/>
-          </a:bodyPr>
-          <a:lstStyle/>
-          <a:p>
-            <a:pPr indent="0" lvl="0" marL="0" rtl="0" algn="l">
-              <a:spcBef>
-                <a:spcPts val="0"/>
-              </a:spcBef>
-              <a:spcAft>
-                <a:spcPts val="0"/>
-              </a:spcAft>
-              <a:buNone/>
-            </a:pPr>
-            <a:r>
-              <a:rPr lang="en-GB" sz="800">
-                <a:latin typeface="Source Code Pro"/>
-                <a:ea typeface="Source Code Pro"/>
-                <a:cs typeface="Source Code Pro"/>
-                <a:sym typeface="Source Code Pro"/>
-              </a:rPr>
-              <a:t>...</a:t>
-            </a:r>
-            <a:endParaRPr sz="800">
-              <a:latin typeface="Source Code Pro"/>
-              <a:ea typeface="Source Code Pro"/>
-              <a:cs typeface="Source Code Pro"/>
-              <a:sym typeface="Source Code Pro"/>
-            </a:endParaRPr>
-          </a:p>
-        </p:txBody>
-      </p:sp>
-      <p:sp>
-        <p:nvSpPr>
-          <p:cNvPr id="403" name="Google Shape;403;p41"/>
-          <p:cNvSpPr txBox="1"/>
-          <p:nvPr/>
-        </p:nvSpPr>
-        <p:spPr>
-          <a:xfrm>
-            <a:off x="4905300" y="3894475"/>
-            <a:ext cx="4797000" cy="307800"/>
-          </a:xfrm>
-          <a:prstGeom prst="rect">
-            <a:avLst/>
-          </a:prstGeom>
-          <a:noFill/>
-          <a:ln>
-            <a:noFill/>
-          </a:ln>
-        </p:spPr>
-        <p:txBody>
-          <a:bodyPr anchorCtr="0" anchor="t" bIns="91425" lIns="91425" spcFirstLastPara="1" rIns="91425" wrap="square" tIns="91425">
-            <a:spAutoFit/>
-          </a:bodyPr>
-          <a:lstStyle/>
-          <a:p>
-            <a:pPr indent="0" lvl="0" marL="0" rtl="0" algn="l">
-              <a:spcBef>
-                <a:spcPts val="0"/>
-              </a:spcBef>
-              <a:spcAft>
-                <a:spcPts val="0"/>
-              </a:spcAft>
-              <a:buNone/>
-            </a:pPr>
-            <a:r>
-              <a:rPr lang="en-GB" sz="800">
-                <a:latin typeface="Source Code Pro"/>
-                <a:ea typeface="Source Code Pro"/>
-                <a:cs typeface="Source Code Pro"/>
-                <a:sym typeface="Source Code Pro"/>
-              </a:rPr>
-              <a:t>...</a:t>
-            </a:r>
-            <a:endParaRPr sz="800">
               <a:latin typeface="Source Code Pro"/>
               <a:ea typeface="Source Code Pro"/>
               <a:cs typeface="Source Code Pro"/>
@@ -20307,7 +20016,7 @@
   <p:cSld>
     <p:spTree>
       <p:nvGrpSpPr>
-        <p:cNvPr id="407" name="Shape 407"/>
+        <p:cNvPr id="399" name="Shape 399"/>
         <p:cNvGrpSpPr/>
         <p:nvPr/>
       </p:nvGrpSpPr>
@@ -20321,54 +20030,14 @@
       </p:grpSpPr>
       <p:sp>
         <p:nvSpPr>
-          <p:cNvPr id="408" name="Google Shape;408;p42"/>
-          <p:cNvSpPr txBox="1"/>
-          <p:nvPr>
-            <p:ph type="title"/>
-          </p:nvPr>
-        </p:nvSpPr>
-        <p:spPr>
-          <a:xfrm>
-            <a:off x="311700" y="372500"/>
-            <a:ext cx="8520600" cy="733500"/>
-          </a:xfrm>
-          <a:prstGeom prst="rect">
-            <a:avLst/>
-          </a:prstGeom>
-        </p:spPr>
-        <p:txBody>
-          <a:bodyPr anchorCtr="0" anchor="b" bIns="91425" lIns="91425" spcFirstLastPara="1" rIns="91425" wrap="square" tIns="91425">
-            <a:normAutofit/>
-          </a:bodyPr>
-          <a:lstStyle/>
-          <a:p>
-            <a:pPr indent="0" lvl="0" marL="0" rtl="0" algn="l">
-              <a:spcBef>
-                <a:spcPts val="0"/>
-              </a:spcBef>
-              <a:spcAft>
-                <a:spcPts val="0"/>
-              </a:spcAft>
-              <a:buNone/>
-            </a:pPr>
-            <a:r>
-              <a:rPr lang="en-GB"/>
-              <a:t>Webpack 5 - main app config</a:t>
-            </a:r>
-            <a:endParaRPr/>
-          </a:p>
-        </p:txBody>
-      </p:sp>
-      <p:sp>
-        <p:nvSpPr>
-          <p:cNvPr id="409" name="Google Shape;409;p42"/>
+          <p:cNvPr id="400" name="Google Shape;400;p42"/>
           <p:cNvSpPr/>
           <p:nvPr/>
         </p:nvSpPr>
         <p:spPr>
           <a:xfrm>
-            <a:off x="311700" y="1929600"/>
-            <a:ext cx="3512100" cy="2277600"/>
+            <a:off x="193725" y="1805500"/>
+            <a:ext cx="4476000" cy="3243000"/>
           </a:xfrm>
           <a:prstGeom prst="foldedCorner">
             <a:avLst>
@@ -20412,14 +20081,54 @@
       </p:sp>
       <p:sp>
         <p:nvSpPr>
-          <p:cNvPr id="410" name="Google Shape;410;p42"/>
+          <p:cNvPr id="401" name="Google Shape;401;p42"/>
+          <p:cNvSpPr txBox="1"/>
+          <p:nvPr>
+            <p:ph type="title"/>
+          </p:nvPr>
+        </p:nvSpPr>
+        <p:spPr>
+          <a:xfrm>
+            <a:off x="311700" y="372500"/>
+            <a:ext cx="8520600" cy="733500"/>
+          </a:xfrm>
+          <a:prstGeom prst="rect">
+            <a:avLst/>
+          </a:prstGeom>
+        </p:spPr>
+        <p:txBody>
+          <a:bodyPr anchorCtr="0" anchor="b" bIns="91425" lIns="91425" spcFirstLastPara="1" rIns="91425" wrap="square" tIns="91425">
+            <a:normAutofit/>
+          </a:bodyPr>
+          <a:lstStyle/>
+          <a:p>
+            <a:pPr indent="0" lvl="0" marL="0" rtl="0" algn="l">
+              <a:spcBef>
+                <a:spcPts val="0"/>
+              </a:spcBef>
+              <a:spcAft>
+                <a:spcPts val="0"/>
+              </a:spcAft>
+              <a:buNone/>
+            </a:pPr>
+            <a:r>
+              <a:rPr lang="en-GB"/>
+              <a:t>Webpack 5 - build config </a:t>
+            </a:r>
+            <a:endParaRPr/>
+          </a:p>
+        </p:txBody>
+      </p:sp>
+      <p:sp>
+        <p:nvSpPr>
+          <p:cNvPr id="402" name="Google Shape;402;p42"/>
           <p:cNvSpPr txBox="1"/>
           <p:nvPr/>
         </p:nvSpPr>
         <p:spPr>
           <a:xfrm>
-            <a:off x="390550" y="2012625"/>
-            <a:ext cx="3000000" cy="608100"/>
+            <a:off x="193725" y="1405300"/>
+            <a:ext cx="3000000" cy="400200"/>
           </a:xfrm>
           <a:prstGeom prst="rect">
             <a:avLst/>
@@ -20436,93 +20145,22 @@
           <a:lstStyle/>
           <a:p>
             <a:pPr indent="0" lvl="0" marL="0" rtl="0" algn="l">
-              <a:lnSpc>
-                <a:spcPct val="150000"/>
-              </a:lnSpc>
-              <a:spcBef>
-                <a:spcPts val="0"/>
-              </a:spcBef>
-              <a:spcAft>
-                <a:spcPts val="0"/>
-              </a:spcAft>
-              <a:buNone/>
-            </a:pPr>
-            <a:r>
-              <a:rPr lang="en-GB" sz="900">
-                <a:solidFill>
-                  <a:srgbClr val="0000FF"/>
-                </a:solidFill>
-                <a:highlight>
-                  <a:srgbClr val="FFFFFF"/>
-                </a:highlight>
-                <a:latin typeface="Courier New"/>
-                <a:ea typeface="Courier New"/>
-                <a:cs typeface="Courier New"/>
-                <a:sym typeface="Courier New"/>
+              <a:spcBef>
+                <a:spcPts val="0"/>
+              </a:spcBef>
+              <a:spcAft>
+                <a:spcPts val="0"/>
+              </a:spcAft>
+              <a:buNone/>
+            </a:pPr>
+            <a:r>
+              <a:rPr lang="en-GB">
+                <a:latin typeface="Source Code Pro"/>
+                <a:ea typeface="Source Code Pro"/>
+                <a:cs typeface="Source Code Pro"/>
+                <a:sym typeface="Source Code Pro"/>
               </a:rPr>
-              <a:t>import</a:t>
-            </a:r>
-            <a:r>
-              <a:rPr lang="en-GB" sz="900">
-                <a:highlight>
-                  <a:srgbClr val="FFFFFF"/>
-                </a:highlight>
-                <a:latin typeface="Courier New"/>
-                <a:ea typeface="Courier New"/>
-                <a:cs typeface="Courier New"/>
-                <a:sym typeface="Courier New"/>
-              </a:rPr>
-              <a:t>(</a:t>
-            </a:r>
-            <a:r>
-              <a:rPr lang="en-GB" sz="900">
-                <a:solidFill>
-                  <a:srgbClr val="A31515"/>
-                </a:solidFill>
-                <a:highlight>
-                  <a:srgbClr val="FFFFFF"/>
-                </a:highlight>
-                <a:latin typeface="Courier New"/>
-                <a:ea typeface="Courier New"/>
-                <a:cs typeface="Courier New"/>
-                <a:sym typeface="Courier New"/>
-              </a:rPr>
-              <a:t>"helloWorld/main"</a:t>
-            </a:r>
-            <a:r>
-              <a:rPr lang="en-GB" sz="900">
-                <a:highlight>
-                  <a:srgbClr val="FFFFFF"/>
-                </a:highlight>
-                <a:latin typeface="Courier New"/>
-                <a:ea typeface="Courier New"/>
-                <a:cs typeface="Courier New"/>
-                <a:sym typeface="Courier New"/>
-              </a:rPr>
-              <a:t>);</a:t>
-            </a:r>
-            <a:endParaRPr sz="900">
-              <a:highlight>
-                <a:srgbClr val="FFFFFF"/>
-              </a:highlight>
-              <a:latin typeface="Courier New"/>
-              <a:ea typeface="Courier New"/>
-              <a:cs typeface="Courier New"/>
-              <a:sym typeface="Courier New"/>
-            </a:endParaRPr>
-          </a:p>
-          <a:p>
-            <a:pPr indent="0" lvl="0" marL="0" rtl="0" algn="l">
-              <a:spcBef>
-                <a:spcPts val="0"/>
-              </a:spcBef>
-              <a:spcAft>
-                <a:spcPts val="0"/>
-              </a:spcAft>
-              <a:buNone/>
-            </a:pPr>
-            <a:r>
-              <a:t/>
+              <a:t>hello-world/vue.config.js</a:t>
             </a:r>
             <a:endParaRPr>
               <a:latin typeface="Source Code Pro"/>
@@ -20535,13 +20173,64 @@
       </p:sp>
       <p:sp>
         <p:nvSpPr>
-          <p:cNvPr id="411" name="Google Shape;411;p42"/>
+          <p:cNvPr id="403" name="Google Shape;403;p42"/>
+          <p:cNvSpPr/>
+          <p:nvPr/>
+        </p:nvSpPr>
+        <p:spPr>
+          <a:xfrm>
+            <a:off x="4776625" y="1805500"/>
+            <a:ext cx="4251600" cy="3243000"/>
+          </a:xfrm>
+          <a:prstGeom prst="foldedCorner">
+            <a:avLst>
+              <a:gd fmla="val 16667" name="adj"/>
+            </a:avLst>
+          </a:prstGeom>
+          <a:solidFill>
+            <a:srgbClr val="FFFFFF"/>
+          </a:solidFill>
+          <a:ln cap="flat" cmpd="sng" w="9525">
+            <a:solidFill>
+              <a:srgbClr val="000000"/>
+            </a:solidFill>
+            <a:prstDash val="solid"/>
+            <a:round/>
+            <a:headEnd len="sm" w="sm" type="none"/>
+            <a:tailEnd len="sm" w="sm" type="none"/>
+          </a:ln>
+        </p:spPr>
+        <p:txBody>
+          <a:bodyPr anchorCtr="0" anchor="ctr" bIns="91425" lIns="91425" spcFirstLastPara="1" rIns="91425" wrap="square" tIns="91425">
+            <a:noAutofit/>
+          </a:bodyPr>
+          <a:lstStyle/>
+          <a:p>
+            <a:pPr indent="0" lvl="0" marL="0" rtl="0" algn="l">
+              <a:spcBef>
+                <a:spcPts val="0"/>
+              </a:spcBef>
+              <a:spcAft>
+                <a:spcPts val="0"/>
+              </a:spcAft>
+              <a:buNone/>
+            </a:pPr>
+            <a:r>
+              <a:t/>
+            </a:r>
+            <a:endParaRPr/>
+          </a:p>
+        </p:txBody>
+      </p:sp>
+      <p:sp>
+        <p:nvSpPr>
+          <p:cNvPr id="404" name="Google Shape;404;p42"/>
           <p:cNvSpPr txBox="1"/>
           <p:nvPr/>
         </p:nvSpPr>
         <p:spPr>
           <a:xfrm>
-            <a:off x="311700" y="1480475"/>
+            <a:off x="5032675" y="1405300"/>
             <a:ext cx="3000000" cy="400200"/>
           </a:xfrm>
           <a:prstGeom prst="rect">
@@ -20574,9 +20263,169 @@
                 <a:cs typeface="Source Code Pro"/>
                 <a:sym typeface="Source Code Pro"/>
               </a:rPr>
-              <a:t>main-app/src/index.js</a:t>
+              <a:t>main-app/webpack.config.js</a:t>
             </a:r>
             <a:endParaRPr>
+              <a:latin typeface="Source Code Pro"/>
+              <a:ea typeface="Source Code Pro"/>
+              <a:cs typeface="Source Code Pro"/>
+              <a:sym typeface="Source Code Pro"/>
+            </a:endParaRPr>
+          </a:p>
+        </p:txBody>
+      </p:sp>
+      <p:pic>
+        <p:nvPicPr>
+          <p:cNvPr id="405" name="Google Shape;405;p42"/>
+          <p:cNvPicPr preferRelativeResize="0"/>
+          <p:nvPr/>
+        </p:nvPicPr>
+        <p:blipFill>
+          <a:blip r:embed="rId3">
+            <a:alphaModFix/>
+          </a:blip>
+          <a:stretch>
+            <a:fillRect/>
+          </a:stretch>
+        </p:blipFill>
+        <p:spPr>
+          <a:xfrm>
+            <a:off x="311700" y="1895475"/>
+            <a:ext cx="3671675" cy="2939050"/>
+          </a:xfrm>
+          <a:prstGeom prst="rect">
+            <a:avLst/>
+          </a:prstGeom>
+          <a:noFill/>
+          <a:ln>
+            <a:noFill/>
+          </a:ln>
+        </p:spPr>
+      </p:pic>
+      <p:pic>
+        <p:nvPicPr>
+          <p:cNvPr id="406" name="Google Shape;406;p42"/>
+          <p:cNvPicPr preferRelativeResize="0"/>
+          <p:nvPr/>
+        </p:nvPicPr>
+        <p:blipFill>
+          <a:blip r:embed="rId4">
+            <a:alphaModFix/>
+          </a:blip>
+          <a:stretch>
+            <a:fillRect/>
+          </a:stretch>
+        </p:blipFill>
+        <p:spPr>
+          <a:xfrm>
+            <a:off x="4854650" y="2062025"/>
+            <a:ext cx="4095550" cy="1894000"/>
+          </a:xfrm>
+          <a:prstGeom prst="rect">
+            <a:avLst/>
+          </a:prstGeom>
+          <a:noFill/>
+          <a:ln>
+            <a:noFill/>
+          </a:ln>
+        </p:spPr>
+      </p:pic>
+      <p:sp>
+        <p:nvSpPr>
+          <p:cNvPr id="407" name="Google Shape;407;p42"/>
+          <p:cNvSpPr txBox="1"/>
+          <p:nvPr/>
+        </p:nvSpPr>
+        <p:spPr>
+          <a:xfrm>
+            <a:off x="4852825" y="1754225"/>
+            <a:ext cx="4797000" cy="307800"/>
+          </a:xfrm>
+          <a:prstGeom prst="rect">
+            <a:avLst/>
+          </a:prstGeom>
+          <a:noFill/>
+          <a:ln>
+            <a:noFill/>
+          </a:ln>
+        </p:spPr>
+        <p:txBody>
+          <a:bodyPr anchorCtr="0" anchor="t" bIns="91425" lIns="91425" spcFirstLastPara="1" rIns="91425" wrap="square" tIns="91425">
+            <a:spAutoFit/>
+          </a:bodyPr>
+          <a:lstStyle/>
+          <a:p>
+            <a:pPr indent="0" lvl="0" marL="0" rtl="0" algn="l">
+              <a:spcBef>
+                <a:spcPts val="0"/>
+              </a:spcBef>
+              <a:spcAft>
+                <a:spcPts val="0"/>
+              </a:spcAft>
+              <a:buNone/>
+            </a:pPr>
+            <a:r>
+              <a:rPr lang="en-GB" sz="800">
+                <a:latin typeface="Source Code Pro"/>
+                <a:ea typeface="Source Code Pro"/>
+                <a:cs typeface="Source Code Pro"/>
+                <a:sym typeface="Source Code Pro"/>
+              </a:rPr>
+              <a:t>...</a:t>
+            </a:r>
+            <a:endParaRPr sz="800">
+              <a:latin typeface="Source Code Pro"/>
+              <a:ea typeface="Source Code Pro"/>
+              <a:cs typeface="Source Code Pro"/>
+              <a:sym typeface="Source Code Pro"/>
+            </a:endParaRPr>
+          </a:p>
+        </p:txBody>
+      </p:sp>
+      <p:sp>
+        <p:nvSpPr>
+          <p:cNvPr id="408" name="Google Shape;408;p42"/>
+          <p:cNvSpPr txBox="1"/>
+          <p:nvPr/>
+        </p:nvSpPr>
+        <p:spPr>
+          <a:xfrm>
+            <a:off x="4905300" y="3894475"/>
+            <a:ext cx="4797000" cy="307800"/>
+          </a:xfrm>
+          <a:prstGeom prst="rect">
+            <a:avLst/>
+          </a:prstGeom>
+          <a:noFill/>
+          <a:ln>
+            <a:noFill/>
+          </a:ln>
+        </p:spPr>
+        <p:txBody>
+          <a:bodyPr anchorCtr="0" anchor="t" bIns="91425" lIns="91425" spcFirstLastPara="1" rIns="91425" wrap="square" tIns="91425">
+            <a:spAutoFit/>
+          </a:bodyPr>
+          <a:lstStyle/>
+          <a:p>
+            <a:pPr indent="0" lvl="0" marL="0" rtl="0" algn="l">
+              <a:spcBef>
+                <a:spcPts val="0"/>
+              </a:spcBef>
+              <a:spcAft>
+                <a:spcPts val="0"/>
+              </a:spcAft>
+              <a:buNone/>
+            </a:pPr>
+            <a:r>
+              <a:rPr lang="en-GB" sz="800">
+                <a:latin typeface="Source Code Pro"/>
+                <a:ea typeface="Source Code Pro"/>
+                <a:cs typeface="Source Code Pro"/>
+                <a:sym typeface="Source Code Pro"/>
+              </a:rPr>
+              <a:t>...</a:t>
+            </a:r>
+            <a:endParaRPr sz="800">
               <a:latin typeface="Source Code Pro"/>
               <a:ea typeface="Source Code Pro"/>
               <a:cs typeface="Source Code Pro"/>
@@ -20598,7 +20447,7 @@
   <p:cSld>
     <p:spTree>
       <p:nvGrpSpPr>
-        <p:cNvPr id="415" name="Shape 415"/>
+        <p:cNvPr id="412" name="Shape 412"/>
         <p:cNvGrpSpPr/>
         <p:nvPr/>
       </p:nvGrpSpPr>
@@ -20612,7 +20461,7 @@
       </p:grpSpPr>
       <p:sp>
         <p:nvSpPr>
-          <p:cNvPr id="416" name="Google Shape;416;p43"/>
+          <p:cNvPr id="413" name="Google Shape;413;p43"/>
           <p:cNvSpPr txBox="1"/>
           <p:nvPr>
             <p:ph type="title"/>
@@ -20620,33 +20469,259 @@
         </p:nvSpPr>
         <p:spPr>
           <a:xfrm>
-            <a:off x="430800" y="1889700"/>
-            <a:ext cx="8282400" cy="1516500"/>
-          </a:xfrm>
-          <a:prstGeom prst="rect">
-            <a:avLst/>
-          </a:prstGeom>
+            <a:off x="311700" y="372500"/>
+            <a:ext cx="8520600" cy="733500"/>
+          </a:xfrm>
+          <a:prstGeom prst="rect">
+            <a:avLst/>
+          </a:prstGeom>
+        </p:spPr>
+        <p:txBody>
+          <a:bodyPr anchorCtr="0" anchor="b" bIns="91425" lIns="91425" spcFirstLastPara="1" rIns="91425" wrap="square" tIns="91425">
+            <a:normAutofit/>
+          </a:bodyPr>
+          <a:lstStyle/>
+          <a:p>
+            <a:pPr indent="0" lvl="0" marL="0" rtl="0" algn="l">
+              <a:spcBef>
+                <a:spcPts val="0"/>
+              </a:spcBef>
+              <a:spcAft>
+                <a:spcPts val="0"/>
+              </a:spcAft>
+              <a:buNone/>
+            </a:pPr>
+            <a:r>
+              <a:rPr lang="en-GB"/>
+              <a:t>Webpack 5 - main app config</a:t>
+            </a:r>
+            <a:endParaRPr/>
+          </a:p>
+        </p:txBody>
+      </p:sp>
+      <p:sp>
+        <p:nvSpPr>
+          <p:cNvPr id="414" name="Google Shape;414;p43"/>
+          <p:cNvSpPr/>
+          <p:nvPr/>
+        </p:nvSpPr>
+        <p:spPr>
+          <a:xfrm>
+            <a:off x="311700" y="1929600"/>
+            <a:ext cx="3512100" cy="2277600"/>
+          </a:xfrm>
+          <a:prstGeom prst="foldedCorner">
+            <a:avLst>
+              <a:gd fmla="val 16667" name="adj"/>
+            </a:avLst>
+          </a:prstGeom>
+          <a:solidFill>
+            <a:srgbClr val="FFFFFF"/>
+          </a:solidFill>
+          <a:ln cap="flat" cmpd="sng" w="9525">
+            <a:solidFill>
+              <a:srgbClr val="000000"/>
+            </a:solidFill>
+            <a:prstDash val="solid"/>
+            <a:round/>
+            <a:headEnd len="sm" w="sm" type="none"/>
+            <a:tailEnd len="sm" w="sm" type="none"/>
+          </a:ln>
         </p:spPr>
         <p:txBody>
           <a:bodyPr anchorCtr="0" anchor="ctr" bIns="91425" lIns="91425" spcFirstLastPara="1" rIns="91425" wrap="square" tIns="91425">
-            <a:normAutofit/>
+            <a:noAutofit/>
           </a:bodyPr>
           <a:lstStyle/>
           <a:p>
-            <a:pPr indent="0" lvl="0" marL="0" rtl="0" algn="ctr">
-              <a:spcBef>
-                <a:spcPts val="0"/>
-              </a:spcBef>
-              <a:spcAft>
-                <a:spcPts val="0"/>
-              </a:spcAft>
-              <a:buNone/>
-            </a:pPr>
-            <a:r>
-              <a:rPr lang="en-GB"/>
-              <a:t>Thank you very much!</a:t>
+            <a:pPr indent="0" lvl="0" marL="0" rtl="0" algn="l">
+              <a:spcBef>
+                <a:spcPts val="0"/>
+              </a:spcBef>
+              <a:spcAft>
+                <a:spcPts val="0"/>
+              </a:spcAft>
+              <a:buNone/>
+            </a:pPr>
+            <a:r>
+              <a:t/>
             </a:r>
             <a:endParaRPr/>
+          </a:p>
+        </p:txBody>
+      </p:sp>
+      <p:sp>
+        <p:nvSpPr>
+          <p:cNvPr id="415" name="Google Shape;415;p43"/>
+          <p:cNvSpPr txBox="1"/>
+          <p:nvPr/>
+        </p:nvSpPr>
+        <p:spPr>
+          <a:xfrm>
+            <a:off x="390550" y="2012625"/>
+            <a:ext cx="3000000" cy="608100"/>
+          </a:xfrm>
+          <a:prstGeom prst="rect">
+            <a:avLst/>
+          </a:prstGeom>
+          <a:noFill/>
+          <a:ln>
+            <a:noFill/>
+          </a:ln>
+        </p:spPr>
+        <p:txBody>
+          <a:bodyPr anchorCtr="0" anchor="t" bIns="91425" lIns="91425" spcFirstLastPara="1" rIns="91425" wrap="square" tIns="91425">
+            <a:spAutoFit/>
+          </a:bodyPr>
+          <a:lstStyle/>
+          <a:p>
+            <a:pPr indent="0" lvl="0" marL="0" rtl="0" algn="l">
+              <a:lnSpc>
+                <a:spcPct val="150000"/>
+              </a:lnSpc>
+              <a:spcBef>
+                <a:spcPts val="0"/>
+              </a:spcBef>
+              <a:spcAft>
+                <a:spcPts val="0"/>
+              </a:spcAft>
+              <a:buNone/>
+            </a:pPr>
+            <a:r>
+              <a:rPr b="1" lang="en-GB" sz="900">
+                <a:solidFill>
+                  <a:srgbClr val="0000FF"/>
+                </a:solidFill>
+                <a:highlight>
+                  <a:srgbClr val="FFFFFF"/>
+                </a:highlight>
+                <a:latin typeface="Courier New"/>
+                <a:ea typeface="Courier New"/>
+                <a:cs typeface="Courier New"/>
+                <a:sym typeface="Courier New"/>
+              </a:rPr>
+              <a:t>import</a:t>
+            </a:r>
+            <a:r>
+              <a:rPr b="1" lang="en-GB" sz="900">
+                <a:highlight>
+                  <a:srgbClr val="FFFFFF"/>
+                </a:highlight>
+                <a:latin typeface="Courier New"/>
+                <a:ea typeface="Courier New"/>
+                <a:cs typeface="Courier New"/>
+                <a:sym typeface="Courier New"/>
+              </a:rPr>
+              <a:t>(</a:t>
+            </a:r>
+            <a:r>
+              <a:rPr b="1" lang="en-GB" sz="900">
+                <a:solidFill>
+                  <a:srgbClr val="A31515"/>
+                </a:solidFill>
+                <a:highlight>
+                  <a:srgbClr val="FFFFFF"/>
+                </a:highlight>
+                <a:latin typeface="Courier New"/>
+                <a:ea typeface="Courier New"/>
+                <a:cs typeface="Courier New"/>
+                <a:sym typeface="Courier New"/>
+              </a:rPr>
+              <a:t>"helloWorld/main"</a:t>
+            </a:r>
+            <a:r>
+              <a:rPr b="1" lang="en-GB" sz="900">
+                <a:highlight>
+                  <a:srgbClr val="FFFFFF"/>
+                </a:highlight>
+                <a:latin typeface="Courier New"/>
+                <a:ea typeface="Courier New"/>
+                <a:cs typeface="Courier New"/>
+                <a:sym typeface="Courier New"/>
+              </a:rPr>
+              <a:t>);</a:t>
+            </a:r>
+            <a:endParaRPr b="1" sz="900">
+              <a:highlight>
+                <a:srgbClr val="FFFFFF"/>
+              </a:highlight>
+              <a:latin typeface="Courier New"/>
+              <a:ea typeface="Courier New"/>
+              <a:cs typeface="Courier New"/>
+              <a:sym typeface="Courier New"/>
+            </a:endParaRPr>
+          </a:p>
+          <a:p>
+            <a:pPr indent="0" lvl="0" marL="0" rtl="0" algn="l">
+              <a:spcBef>
+                <a:spcPts val="0"/>
+              </a:spcBef>
+              <a:spcAft>
+                <a:spcPts val="0"/>
+              </a:spcAft>
+              <a:buNone/>
+            </a:pPr>
+            <a:r>
+              <a:t/>
+            </a:r>
+            <a:endParaRPr>
+              <a:latin typeface="Source Code Pro"/>
+              <a:ea typeface="Source Code Pro"/>
+              <a:cs typeface="Source Code Pro"/>
+              <a:sym typeface="Source Code Pro"/>
+            </a:endParaRPr>
+          </a:p>
+        </p:txBody>
+      </p:sp>
+      <p:sp>
+        <p:nvSpPr>
+          <p:cNvPr id="416" name="Google Shape;416;p43"/>
+          <p:cNvSpPr txBox="1"/>
+          <p:nvPr/>
+        </p:nvSpPr>
+        <p:spPr>
+          <a:xfrm>
+            <a:off x="311700" y="1480475"/>
+            <a:ext cx="3000000" cy="400200"/>
+          </a:xfrm>
+          <a:prstGeom prst="rect">
+            <a:avLst/>
+          </a:prstGeom>
+          <a:noFill/>
+          <a:ln>
+            <a:noFill/>
+          </a:ln>
+        </p:spPr>
+        <p:txBody>
+          <a:bodyPr anchorCtr="0" anchor="t" bIns="91425" lIns="91425" spcFirstLastPara="1" rIns="91425" wrap="square" tIns="91425">
+            <a:spAutoFit/>
+          </a:bodyPr>
+          <a:lstStyle/>
+          <a:p>
+            <a:pPr indent="0" lvl="0" marL="0" rtl="0" algn="l">
+              <a:spcBef>
+                <a:spcPts val="0"/>
+              </a:spcBef>
+              <a:spcAft>
+                <a:spcPts val="0"/>
+              </a:spcAft>
+              <a:buNone/>
+            </a:pPr>
+            <a:r>
+              <a:rPr lang="en-GB">
+                <a:latin typeface="Source Code Pro"/>
+                <a:ea typeface="Source Code Pro"/>
+                <a:cs typeface="Source Code Pro"/>
+                <a:sym typeface="Source Code Pro"/>
+              </a:rPr>
+              <a:t>main-app/src/index.js</a:t>
+            </a:r>
+            <a:endParaRPr>
+              <a:latin typeface="Source Code Pro"/>
+              <a:ea typeface="Source Code Pro"/>
+              <a:cs typeface="Source Code Pro"/>
+              <a:sym typeface="Source Code Pro"/>
+            </a:endParaRPr>
           </a:p>
         </p:txBody>
       </p:sp>
@@ -20709,9 +20784,87 @@
             </a:pPr>
             <a:r>
               <a:rPr lang="en-GB"/>
-              <a:t>Additional Tips</a:t>
+              <a:t>Thank you very much!</a:t>
             </a:r>
             <a:endParaRPr/>
+          </a:p>
+        </p:txBody>
+      </p:sp>
+      <p:sp>
+        <p:nvSpPr>
+          <p:cNvPr id="422" name="Google Shape;422;p44"/>
+          <p:cNvSpPr txBox="1"/>
+          <p:nvPr/>
+        </p:nvSpPr>
+        <p:spPr>
+          <a:xfrm>
+            <a:off x="158225" y="4502875"/>
+            <a:ext cx="4646100" cy="492600"/>
+          </a:xfrm>
+          <a:prstGeom prst="rect">
+            <a:avLst/>
+          </a:prstGeom>
+          <a:noFill/>
+          <a:ln>
+            <a:noFill/>
+          </a:ln>
+        </p:spPr>
+        <p:txBody>
+          <a:bodyPr anchorCtr="0" anchor="t" bIns="91425" lIns="91425" spcFirstLastPara="1" rIns="91425" wrap="square" tIns="91425">
+            <a:spAutoFit/>
+          </a:bodyPr>
+          <a:lstStyle/>
+          <a:p>
+            <a:pPr indent="0" lvl="0" marL="0" rtl="0" algn="l">
+              <a:spcBef>
+                <a:spcPts val="0"/>
+              </a:spcBef>
+              <a:spcAft>
+                <a:spcPts val="0"/>
+              </a:spcAft>
+              <a:buNone/>
+            </a:pPr>
+            <a:r>
+              <a:rPr lang="en-GB" sz="1000">
+                <a:latin typeface="Source Code Pro"/>
+                <a:ea typeface="Source Code Pro"/>
+                <a:cs typeface="Source Code Pro"/>
+                <a:sym typeface="Source Code Pro"/>
+              </a:rPr>
+              <a:t>Github:</a:t>
+            </a:r>
+            <a:endParaRPr sz="1000">
+              <a:latin typeface="Source Code Pro"/>
+              <a:ea typeface="Source Code Pro"/>
+              <a:cs typeface="Source Code Pro"/>
+              <a:sym typeface="Source Code Pro"/>
+            </a:endParaRPr>
+          </a:p>
+          <a:p>
+            <a:pPr indent="0" lvl="0" marL="0" rtl="0" algn="l">
+              <a:spcBef>
+                <a:spcPts val="0"/>
+              </a:spcBef>
+              <a:spcAft>
+                <a:spcPts val="0"/>
+              </a:spcAft>
+              <a:buNone/>
+            </a:pPr>
+            <a:r>
+              <a:rPr lang="en-GB" sz="1000">
+                <a:latin typeface="Source Code Pro"/>
+                <a:ea typeface="Source Code Pro"/>
+                <a:cs typeface="Source Code Pro"/>
+                <a:sym typeface="Source Code Pro"/>
+              </a:rPr>
+              <a:t>https://github.com/justadev1/geekle-vuejs</a:t>
+            </a:r>
+            <a:endParaRPr sz="1000">
+              <a:latin typeface="Source Code Pro"/>
+              <a:ea typeface="Source Code Pro"/>
+              <a:cs typeface="Source Code Pro"/>
+              <a:sym typeface="Source Code Pro"/>
+            </a:endParaRPr>
           </a:p>
         </p:txBody>
       </p:sp>
@@ -20728,7 +20881,7 @@
   <p:cSld>
     <p:spTree>
       <p:nvGrpSpPr>
-        <p:cNvPr id="425" name="Shape 425"/>
+        <p:cNvPr id="426" name="Shape 426"/>
         <p:cNvGrpSpPr/>
         <p:nvPr/>
       </p:nvGrpSpPr>
@@ -20742,7 +20895,7 @@
       </p:grpSpPr>
       <p:sp>
         <p:nvSpPr>
-          <p:cNvPr id="426" name="Google Shape;426;p45"/>
+          <p:cNvPr id="427" name="Google Shape;427;p45"/>
           <p:cNvSpPr txBox="1"/>
           <p:nvPr>
             <p:ph type="title"/>
@@ -20750,20 +20903,20 @@
         </p:nvSpPr>
         <p:spPr>
           <a:xfrm>
-            <a:off x="311700" y="372500"/>
-            <a:ext cx="8520600" cy="733500"/>
-          </a:xfrm>
-          <a:prstGeom prst="rect">
-            <a:avLst/>
-          </a:prstGeom>
-        </p:spPr>
-        <p:txBody>
-          <a:bodyPr anchorCtr="0" anchor="b" bIns="91425" lIns="91425" spcFirstLastPara="1" rIns="91425" wrap="square" tIns="91425">
+            <a:off x="430800" y="1889700"/>
+            <a:ext cx="8282400" cy="1516500"/>
+          </a:xfrm>
+          <a:prstGeom prst="rect">
+            <a:avLst/>
+          </a:prstGeom>
+        </p:spPr>
+        <p:txBody>
+          <a:bodyPr anchorCtr="0" anchor="ctr" bIns="91425" lIns="91425" spcFirstLastPara="1" rIns="91425" wrap="square" tIns="91425">
             <a:normAutofit/>
           </a:bodyPr>
           <a:lstStyle/>
           <a:p>
-            <a:pPr indent="0" lvl="0" marL="0" rtl="0" algn="l">
+            <a:pPr indent="0" lvl="0" marL="0" rtl="0" algn="ctr">
               <a:spcBef>
                 <a:spcPts val="0"/>
               </a:spcBef>
@@ -20774,134 +20927,7 @@
             </a:pPr>
             <a:r>
               <a:rPr lang="en-GB"/>
-              <a:t>Few tips...</a:t>
-            </a:r>
-            <a:endParaRPr/>
-          </a:p>
-        </p:txBody>
-      </p:sp>
-      <p:sp>
-        <p:nvSpPr>
-          <p:cNvPr id="427" name="Google Shape;427;p45"/>
-          <p:cNvSpPr txBox="1"/>
-          <p:nvPr>
-            <p:ph idx="1" type="body"/>
-          </p:nvPr>
-        </p:nvSpPr>
-        <p:spPr>
-          <a:xfrm>
-            <a:off x="311700" y="1468825"/>
-            <a:ext cx="8520600" cy="3099900"/>
-          </a:xfrm>
-          <a:prstGeom prst="rect">
-            <a:avLst/>
-          </a:prstGeom>
-        </p:spPr>
-        <p:txBody>
-          <a:bodyPr anchorCtr="0" anchor="t" bIns="91425" lIns="91425" spcFirstLastPara="1" rIns="91425" wrap="square" tIns="91425">
-            <a:normAutofit/>
-          </a:bodyPr>
-          <a:lstStyle/>
-          <a:p>
-            <a:pPr indent="-342900" lvl="0" marL="457200" rtl="0" algn="l">
-              <a:spcBef>
-                <a:spcPts val="0"/>
-              </a:spcBef>
-              <a:spcAft>
-                <a:spcPts val="0"/>
-              </a:spcAft>
-              <a:buSzPts val="1800"/>
-              <a:buChar char="●"/>
-            </a:pPr>
-            <a:r>
-              <a:rPr lang="en-GB"/>
-              <a:t>Use </a:t>
-            </a:r>
-            <a:r>
-              <a:rPr lang="en-GB">
-                <a:highlight>
-                  <a:srgbClr val="D9D9D9"/>
-                </a:highlight>
-              </a:rPr>
-              <a:t> npm link [mfe_name] </a:t>
-            </a:r>
-            <a:r>
-              <a:rPr lang="en-GB"/>
-              <a:t> command to make your local dependencies available to the CDN</a:t>
-            </a:r>
-            <a:endParaRPr/>
-          </a:p>
-          <a:p>
-            <a:pPr indent="-342900" lvl="0" marL="457200" rtl="0" algn="l">
-              <a:spcBef>
-                <a:spcPts val="0"/>
-              </a:spcBef>
-              <a:spcAft>
-                <a:spcPts val="0"/>
-              </a:spcAft>
-              <a:buSzPts val="1800"/>
-              <a:buChar char="●"/>
-            </a:pPr>
-            <a:r>
-              <a:rPr lang="en-GB"/>
-              <a:t>Use </a:t>
-            </a:r>
-            <a:r>
-              <a:rPr lang="en-GB">
-                <a:highlight>
-                  <a:srgbClr val="D9D9D9"/>
-                </a:highlight>
-              </a:rPr>
-              <a:t> concurrently [command_1] [command2] </a:t>
-            </a:r>
-            <a:r>
-              <a:rPr lang="en-GB"/>
-              <a:t> to simultaneously run </a:t>
-            </a:r>
-            <a:r>
-              <a:rPr lang="en-GB"/>
-              <a:t>multiple</a:t>
-            </a:r>
-            <a:r>
-              <a:rPr lang="en-GB"/>
-              <a:t> webpack processes/node servers at the same time</a:t>
-            </a:r>
-            <a:endParaRPr/>
-          </a:p>
-          <a:p>
-            <a:pPr indent="-342900" lvl="0" marL="457200" rtl="0" algn="l">
-              <a:spcBef>
-                <a:spcPts val="0"/>
-              </a:spcBef>
-              <a:spcAft>
-                <a:spcPts val="0"/>
-              </a:spcAft>
-              <a:buSzPts val="1800"/>
-              <a:buChar char="●"/>
-            </a:pPr>
-            <a:r>
-              <a:rPr lang="en-GB"/>
-              <a:t>Use </a:t>
-            </a:r>
-            <a:r>
-              <a:rPr lang="en-GB">
-                <a:highlight>
-                  <a:srgbClr val="D9D9D9"/>
-                </a:highlight>
-              </a:rPr>
-              <a:t> n</a:t>
-            </a:r>
-            <a:r>
-              <a:rPr lang="en-GB">
-                <a:highlight>
-                  <a:srgbClr val="D9D9D9"/>
-                </a:highlight>
-              </a:rPr>
-              <a:t>odemon [command] </a:t>
-            </a:r>
-            <a:r>
-              <a:rPr lang="en-GB"/>
-              <a:t> to recompile your library on file chance</a:t>
+              <a:t>Additional Tips</a:t>
             </a:r>
             <a:endParaRPr/>
           </a:p>
@@ -20935,6 +20961,198 @@
       <p:sp>
         <p:nvSpPr>
           <p:cNvPr id="432" name="Google Shape;432;p46"/>
+          <p:cNvSpPr txBox="1"/>
+          <p:nvPr>
+            <p:ph type="title"/>
+          </p:nvPr>
+        </p:nvSpPr>
+        <p:spPr>
+          <a:xfrm>
+            <a:off x="311700" y="372500"/>
+            <a:ext cx="8520600" cy="733500"/>
+          </a:xfrm>
+          <a:prstGeom prst="rect">
+            <a:avLst/>
+          </a:prstGeom>
+        </p:spPr>
+        <p:txBody>
+          <a:bodyPr anchorCtr="0" anchor="b" bIns="91425" lIns="91425" spcFirstLastPara="1" rIns="91425" wrap="square" tIns="91425">
+            <a:normAutofit/>
+          </a:bodyPr>
+          <a:lstStyle/>
+          <a:p>
+            <a:pPr indent="0" lvl="0" marL="0" rtl="0" algn="l">
+              <a:spcBef>
+                <a:spcPts val="0"/>
+              </a:spcBef>
+              <a:spcAft>
+                <a:spcPts val="0"/>
+              </a:spcAft>
+              <a:buNone/>
+            </a:pPr>
+            <a:r>
+              <a:rPr lang="en-GB"/>
+              <a:t>Few tips...</a:t>
+            </a:r>
+            <a:endParaRPr/>
+          </a:p>
+        </p:txBody>
+      </p:sp>
+      <p:sp>
+        <p:nvSpPr>
+          <p:cNvPr id="433" name="Google Shape;433;p46"/>
+          <p:cNvSpPr txBox="1"/>
+          <p:nvPr>
+            <p:ph idx="1" type="body"/>
+          </p:nvPr>
+        </p:nvSpPr>
+        <p:spPr>
+          <a:xfrm>
+            <a:off x="311700" y="1468825"/>
+            <a:ext cx="8520600" cy="3099900"/>
+          </a:xfrm>
+          <a:prstGeom prst="rect">
+            <a:avLst/>
+          </a:prstGeom>
+        </p:spPr>
+        <p:txBody>
+          <a:bodyPr anchorCtr="0" anchor="t" bIns="91425" lIns="91425" spcFirstLastPara="1" rIns="91425" wrap="square" tIns="91425">
+            <a:normAutofit/>
+          </a:bodyPr>
+          <a:lstStyle/>
+          <a:p>
+            <a:pPr indent="-342900" lvl="0" marL="457200" rtl="0" algn="l">
+              <a:spcBef>
+                <a:spcPts val="0"/>
+              </a:spcBef>
+              <a:spcAft>
+                <a:spcPts val="0"/>
+              </a:spcAft>
+              <a:buSzPts val="1800"/>
+              <a:buChar char="●"/>
+            </a:pPr>
+            <a:r>
+              <a:rPr lang="en-GB"/>
+              <a:t>Use </a:t>
+            </a:r>
+            <a:r>
+              <a:rPr lang="en-GB">
+                <a:highlight>
+                  <a:srgbClr val="D9D9D9"/>
+                </a:highlight>
+              </a:rPr>
+              <a:t> npm link [mfe_name] </a:t>
+            </a:r>
+            <a:r>
+              <a:rPr lang="en-GB"/>
+              <a:t> command to make your local dependencies available to the CDN</a:t>
+            </a:r>
+            <a:endParaRPr/>
+          </a:p>
+          <a:p>
+            <a:pPr indent="-342900" lvl="0" marL="457200" rtl="0" algn="l">
+              <a:spcBef>
+                <a:spcPts val="0"/>
+              </a:spcBef>
+              <a:spcAft>
+                <a:spcPts val="0"/>
+              </a:spcAft>
+              <a:buSzPts val="1800"/>
+              <a:buChar char="●"/>
+            </a:pPr>
+            <a:r>
+              <a:rPr lang="en-GB"/>
+              <a:t>Use </a:t>
+            </a:r>
+            <a:r>
+              <a:rPr lang="en-GB">
+                <a:highlight>
+                  <a:srgbClr val="D9D9D9"/>
+                </a:highlight>
+              </a:rPr>
+              <a:t> concurrently [command_1] [command2] </a:t>
+            </a:r>
+            <a:r>
+              <a:rPr lang="en-GB"/>
+              <a:t> to simultaneously run </a:t>
+            </a:r>
+            <a:r>
+              <a:rPr lang="en-GB"/>
+              <a:t>multiple</a:t>
+            </a:r>
+            <a:r>
+              <a:rPr lang="en-GB"/>
+              <a:t> webpack processes/node servers at the same time</a:t>
+            </a:r>
+            <a:endParaRPr/>
+          </a:p>
+          <a:p>
+            <a:pPr indent="-342900" lvl="0" marL="457200" rtl="0" algn="l">
+              <a:spcBef>
+                <a:spcPts val="0"/>
+              </a:spcBef>
+              <a:spcAft>
+                <a:spcPts val="0"/>
+              </a:spcAft>
+              <a:buSzPts val="1800"/>
+              <a:buChar char="●"/>
+            </a:pPr>
+            <a:r>
+              <a:rPr lang="en-GB"/>
+              <a:t>Use </a:t>
+            </a:r>
+            <a:r>
+              <a:rPr lang="en-GB">
+                <a:highlight>
+                  <a:srgbClr val="D9D9D9"/>
+                </a:highlight>
+              </a:rPr>
+              <a:t> n</a:t>
+            </a:r>
+            <a:r>
+              <a:rPr lang="en-GB">
+                <a:highlight>
+                  <a:srgbClr val="D9D9D9"/>
+                </a:highlight>
+              </a:rPr>
+              <a:t>odemon [command] </a:t>
+            </a:r>
+            <a:r>
+              <a:rPr lang="en-GB"/>
+              <a:t> to recompile your library on file chance</a:t>
+            </a:r>
+            <a:endParaRPr/>
+          </a:p>
+        </p:txBody>
+      </p:sp>
+    </p:spTree>
+  </p:cSld>
+  <p:clrMapOvr>
+    <a:masterClrMapping/>
+  </p:clrMapOvr>
+</p:sld>
+</file>
+
+<file path=ppt/slides/slide35.xml><?xml version="1.0" encoding="utf-8"?>
+<p:sld xmlns:a="http://schemas.openxmlformats.org/drawingml/2006/main" xmlns:r="http://schemas.openxmlformats.org/officeDocument/2006/relationships" xmlns:mc="http://schemas.openxmlformats.org/markup-compatibility/2006" xmlns:mv="urn:schemas-microsoft-com:mac:vml" xmlns:p="http://schemas.openxmlformats.org/presentationml/2006/main" xmlns:c="http://schemas.openxmlformats.org/drawingml/2006/chart" xmlns:dgm="http://schemas.openxmlformats.org/drawingml/2006/diagram" xmlns:o="urn:schemas-microsoft-com:office:office" xmlns:v="urn:schemas-microsoft-com:vml" xmlns:pvml="urn:schemas-microsoft-com:office:powerpoint" xmlns:com="http://schemas.openxmlformats.org/drawingml/2006/compatibility" xmlns:p14="http://schemas.microsoft.com/office/powerpoint/2010/main" xmlns:p15="http://schemas.microsoft.com/office/powerpoint/2012/main" xmlns:ahyp="http://schemas.microsoft.com/office/drawing/2018/hyperlinkcolor">
+  <p:cSld>
+    <p:spTree>
+      <p:nvGrpSpPr>
+        <p:cNvPr id="437" name="Shape 437"/>
+        <p:cNvGrpSpPr/>
+        <p:nvPr/>
+      </p:nvGrpSpPr>
+      <p:grpSpPr>
+        <a:xfrm>
+          <a:off x="0" y="0"/>
+          <a:ext cx="0" cy="0"/>
+          <a:chOff x="0" y="0"/>
+          <a:chExt cx="0" cy="0"/>
+        </a:xfrm>
+      </p:grpSpPr>
+      <p:sp>
+        <p:nvSpPr>
+          <p:cNvPr id="438" name="Google Shape;438;p47"/>
           <p:cNvSpPr/>
           <p:nvPr/>
         </p:nvSpPr>
@@ -20985,7 +21203,7 @@
       </p:sp>
       <p:sp>
         <p:nvSpPr>
-          <p:cNvPr id="433" name="Google Shape;433;p46"/>
+          <p:cNvPr id="439" name="Google Shape;439;p47"/>
           <p:cNvSpPr txBox="1"/>
           <p:nvPr>
             <p:ph idx="1" type="body"/>
@@ -21080,7 +21298,7 @@
       </p:sp>
       <p:sp>
         <p:nvSpPr>
-          <p:cNvPr id="434" name="Google Shape;434;p46"/>
+          <p:cNvPr id="440" name="Google Shape;440;p47"/>
           <p:cNvSpPr txBox="1"/>
           <p:nvPr>
             <p:ph type="title"/>
@@ -21120,7 +21338,7 @@
       </p:sp>
       <p:sp>
         <p:nvSpPr>
-          <p:cNvPr id="435" name="Google Shape;435;p46"/>
+          <p:cNvPr id="441" name="Google Shape;441;p47"/>
           <p:cNvSpPr txBox="1"/>
           <p:nvPr/>
         </p:nvSpPr>
@@ -21218,7 +21436,7 @@
       </p:sp>
       <p:sp>
         <p:nvSpPr>
-          <p:cNvPr id="436" name="Google Shape;436;p46"/>
+          <p:cNvPr id="442" name="Google Shape;442;p47"/>
           <p:cNvSpPr txBox="1"/>
           <p:nvPr/>
         </p:nvSpPr>
@@ -21270,7 +21488,7 @@
       </p:sp>
       <p:sp>
         <p:nvSpPr>
-          <p:cNvPr id="437" name="Google Shape;437;p46"/>
+          <p:cNvPr id="443" name="Google Shape;443;p47"/>
           <p:cNvSpPr/>
           <p:nvPr/>
         </p:nvSpPr>
@@ -21335,7 +21553,7 @@
       </p:sp>
       <p:sp>
         <p:nvSpPr>
-          <p:cNvPr id="438" name="Google Shape;438;p46"/>
+          <p:cNvPr id="444" name="Google Shape;444;p47"/>
           <p:cNvSpPr/>
           <p:nvPr/>
         </p:nvSpPr>
@@ -21385,7 +21603,7 @@
       </p:sp>
       <p:sp>
         <p:nvSpPr>
-          <p:cNvPr id="439" name="Google Shape;439;p46"/>
+          <p:cNvPr id="445" name="Google Shape;445;p47"/>
           <p:cNvSpPr/>
           <p:nvPr/>
         </p:nvSpPr>
@@ -21435,7 +21653,7 @@
       </p:sp>
       <p:sp>
         <p:nvSpPr>
-          <p:cNvPr id="440" name="Google Shape;440;p46"/>
+          <p:cNvPr id="446" name="Google Shape;446;p47"/>
           <p:cNvSpPr/>
           <p:nvPr/>
         </p:nvSpPr>
@@ -21485,7 +21703,7 @@
       </p:sp>
       <p:sp>
         <p:nvSpPr>
-          <p:cNvPr id="441" name="Google Shape;441;p46"/>
+          <p:cNvPr id="447" name="Google Shape;447;p47"/>
           <p:cNvSpPr/>
           <p:nvPr/>
         </p:nvSpPr>
@@ -21535,7 +21753,7 @@
       </p:sp>
       <p:cxnSp>
         <p:nvCxnSpPr>
-          <p:cNvPr id="442" name="Google Shape;442;p46"/>
+          <p:cNvPr id="448" name="Google Shape;448;p47"/>
           <p:cNvCxnSpPr/>
           <p:nvPr/>
         </p:nvCxnSpPr>
@@ -21561,7 +21779,7 @@
       </p:cxnSp>
       <p:sp>
         <p:nvSpPr>
-          <p:cNvPr id="443" name="Google Shape;443;p46"/>
+          <p:cNvPr id="449" name="Google Shape;449;p47"/>
           <p:cNvSpPr/>
           <p:nvPr/>
         </p:nvSpPr>
@@ -21614,12 +21832,12 @@
 </p:sld>
 </file>
 
-<file path=ppt/slides/slide35.xml><?xml version="1.0" encoding="utf-8"?>
+<file path=ppt/slides/slide36.xml><?xml version="1.0" encoding="utf-8"?>
 <p:sld xmlns:a="http://schemas.openxmlformats.org/drawingml/2006/main" xmlns:r="http://schemas.openxmlformats.org/officeDocument/2006/relationships" xmlns:mc="http://schemas.openxmlformats.org/markup-compatibility/2006" xmlns:mv="urn:schemas-microsoft-com:mac:vml" xmlns:p="http://schemas.openxmlformats.org/presentationml/2006/main" xmlns:c="http://schemas.openxmlformats.org/drawingml/2006/chart" xmlns:dgm="http://schemas.openxmlformats.org/drawingml/2006/diagram" xmlns:o="urn:schemas-microsoft-com:office:office" xmlns:v="urn:schemas-microsoft-com:vml" xmlns:pvml="urn:schemas-microsoft-com:office:powerpoint" xmlns:com="http://schemas.openxmlformats.org/drawingml/2006/compatibility" xmlns:p14="http://schemas.microsoft.com/office/powerpoint/2010/main" xmlns:p15="http://schemas.microsoft.com/office/powerpoint/2012/main" xmlns:ahyp="http://schemas.microsoft.com/office/drawing/2018/hyperlinkcolor">
   <p:cSld>
     <p:spTree>
       <p:nvGrpSpPr>
-        <p:cNvPr id="447" name="Shape 447"/>
+        <p:cNvPr id="453" name="Shape 453"/>
         <p:cNvGrpSpPr/>
         <p:nvPr/>
       </p:nvGrpSpPr>
@@ -21633,7 +21851,7 @@
       </p:grpSpPr>
       <p:sp>
         <p:nvSpPr>
-          <p:cNvPr id="448" name="Google Shape;448;p47"/>
+          <p:cNvPr id="454" name="Google Shape;454;p48"/>
           <p:cNvSpPr txBox="1"/>
           <p:nvPr>
             <p:ph type="title"/>
@@ -21673,7 +21891,7 @@
       </p:sp>
       <p:cxnSp>
         <p:nvCxnSpPr>
-          <p:cNvPr id="449" name="Google Shape;449;p47"/>
+          <p:cNvPr id="455" name="Google Shape;455;p48"/>
           <p:cNvCxnSpPr/>
           <p:nvPr/>
         </p:nvCxnSpPr>
@@ -21699,7 +21917,7 @@
       </p:cxnSp>
       <p:cxnSp>
         <p:nvCxnSpPr>
-          <p:cNvPr id="450" name="Google Shape;450;p47"/>
+          <p:cNvPr id="456" name="Google Shape;456;p48"/>
           <p:cNvCxnSpPr/>
           <p:nvPr/>
         </p:nvCxnSpPr>
@@ -21725,7 +21943,7 @@
       </p:cxnSp>
       <p:sp>
         <p:nvSpPr>
-          <p:cNvPr id="451" name="Google Shape;451;p47"/>
+          <p:cNvPr id="457" name="Google Shape;457;p48"/>
           <p:cNvSpPr txBox="1"/>
           <p:nvPr/>
         </p:nvSpPr>
@@ -21777,7 +21995,7 @@
       </p:sp>
       <p:sp>
         <p:nvSpPr>
-          <p:cNvPr id="452" name="Google Shape;452;p47"/>
+          <p:cNvPr id="458" name="Google Shape;458;p48"/>
           <p:cNvSpPr txBox="1"/>
           <p:nvPr/>
         </p:nvSpPr>
@@ -21838,7 +22056,7 @@
       </p:sp>
       <p:sp>
         <p:nvSpPr>
-          <p:cNvPr id="453" name="Google Shape;453;p47"/>
+          <p:cNvPr id="459" name="Google Shape;459;p48"/>
           <p:cNvSpPr/>
           <p:nvPr/>
         </p:nvSpPr>
@@ -21888,7 +22106,7 @@
       </p:sp>
       <p:cxnSp>
         <p:nvCxnSpPr>
-          <p:cNvPr id="454" name="Google Shape;454;p47"/>
+          <p:cNvPr id="460" name="Google Shape;460;p48"/>
           <p:cNvCxnSpPr/>
           <p:nvPr/>
         </p:nvCxnSpPr>
@@ -21914,7 +22132,7 @@
       </p:cxnSp>
       <p:cxnSp>
         <p:nvCxnSpPr>
-          <p:cNvPr id="455" name="Google Shape;455;p47"/>
+          <p:cNvPr id="461" name="Google Shape;461;p48"/>
           <p:cNvCxnSpPr/>
           <p:nvPr/>
         </p:nvCxnSpPr>
@@ -21940,7 +22158,7 @@
       </p:cxnSp>
       <p:cxnSp>
         <p:nvCxnSpPr>
-          <p:cNvPr id="456" name="Google Shape;456;p47"/>
+          <p:cNvPr id="462" name="Google Shape;462;p48"/>
           <p:cNvCxnSpPr/>
           <p:nvPr/>
         </p:nvCxnSpPr>
@@ -21966,7 +22184,7 @@
       </p:cxnSp>
       <p:cxnSp>
         <p:nvCxnSpPr>
-          <p:cNvPr id="457" name="Google Shape;457;p47"/>
+          <p:cNvPr id="463" name="Google Shape;463;p48"/>
           <p:cNvCxnSpPr/>
           <p:nvPr/>
         </p:nvCxnSpPr>
@@ -21992,7 +22210,7 @@
       </p:cxnSp>
       <p:cxnSp>
         <p:nvCxnSpPr>
-          <p:cNvPr id="458" name="Google Shape;458;p47"/>
+          <p:cNvPr id="464" name="Google Shape;464;p48"/>
           <p:cNvCxnSpPr/>
           <p:nvPr/>
         </p:nvCxnSpPr>
@@ -22018,7 +22236,7 @@
       </p:cxnSp>
       <p:sp>
         <p:nvSpPr>
-          <p:cNvPr id="459" name="Google Shape;459;p47"/>
+          <p:cNvPr id="465" name="Google Shape;465;p48"/>
           <p:cNvSpPr txBox="1"/>
           <p:nvPr/>
         </p:nvSpPr>
@@ -22070,7 +22288,7 @@
       </p:sp>
       <p:sp>
         <p:nvSpPr>
-          <p:cNvPr id="460" name="Google Shape;460;p47"/>
+          <p:cNvPr id="466" name="Google Shape;466;p48"/>
           <p:cNvSpPr txBox="1"/>
           <p:nvPr/>
         </p:nvSpPr>
@@ -22122,7 +22340,7 @@
       </p:sp>
       <p:cxnSp>
         <p:nvCxnSpPr>
-          <p:cNvPr id="461" name="Google Shape;461;p47"/>
+          <p:cNvPr id="467" name="Google Shape;467;p48"/>
           <p:cNvCxnSpPr/>
           <p:nvPr/>
         </p:nvCxnSpPr>
@@ -22148,7 +22366,7 @@
       </p:cxnSp>
       <p:cxnSp>
         <p:nvCxnSpPr>
-          <p:cNvPr id="462" name="Google Shape;462;p47"/>
+          <p:cNvPr id="468" name="Google Shape;468;p48"/>
           <p:cNvCxnSpPr/>
           <p:nvPr/>
         </p:nvCxnSpPr>
@@ -22174,7 +22392,7 @@
       </p:cxnSp>
       <p:cxnSp>
         <p:nvCxnSpPr>
-          <p:cNvPr id="463" name="Google Shape;463;p47"/>
+          <p:cNvPr id="469" name="Google Shape;469;p48"/>
           <p:cNvCxnSpPr/>
           <p:nvPr/>
         </p:nvCxnSpPr>
@@ -22200,7 +22418,7 @@
       </p:cxnSp>
       <p:cxnSp>
         <p:nvCxnSpPr>
-          <p:cNvPr id="464" name="Google Shape;464;p47"/>
+          <p:cNvPr id="470" name="Google Shape;470;p48"/>
           <p:cNvCxnSpPr/>
           <p:nvPr/>
         </p:nvCxnSpPr>
@@ -22226,7 +22444,7 @@
       </p:cxnSp>
       <p:cxnSp>
         <p:nvCxnSpPr>
-          <p:cNvPr id="465" name="Google Shape;465;p47"/>
+          <p:cNvPr id="471" name="Google Shape;471;p48"/>
           <p:cNvCxnSpPr/>
           <p:nvPr/>
         </p:nvCxnSpPr>
@@ -22252,7 +22470,7 @@
       </p:cxnSp>
       <p:cxnSp>
         <p:nvCxnSpPr>
-          <p:cNvPr id="466" name="Google Shape;466;p47"/>
+          <p:cNvPr id="472" name="Google Shape;472;p48"/>
           <p:cNvCxnSpPr/>
           <p:nvPr/>
         </p:nvCxnSpPr>
@@ -22278,7 +22496,7 @@
       </p:cxnSp>
       <p:cxnSp>
         <p:nvCxnSpPr>
-          <p:cNvPr id="467" name="Google Shape;467;p47"/>
+          <p:cNvPr id="473" name="Google Shape;473;p48"/>
           <p:cNvCxnSpPr/>
           <p:nvPr/>
         </p:nvCxnSpPr>
@@ -22304,7 +22522,7 @@
       </p:cxnSp>
       <p:cxnSp>
         <p:nvCxnSpPr>
-          <p:cNvPr id="468" name="Google Shape;468;p47"/>
+          <p:cNvPr id="474" name="Google Shape;474;p48"/>
           <p:cNvCxnSpPr/>
           <p:nvPr/>
         </p:nvCxnSpPr>
@@ -22330,7 +22548,7 @@
       </p:cxnSp>
       <p:sp>
         <p:nvSpPr>
-          <p:cNvPr id="469" name="Google Shape;469;p47"/>
+          <p:cNvPr id="475" name="Google Shape;475;p48"/>
           <p:cNvSpPr txBox="1"/>
           <p:nvPr/>
         </p:nvSpPr>
@@ -22382,7 +22600,7 @@
       </p:sp>
       <p:sp>
         <p:nvSpPr>
-          <p:cNvPr id="470" name="Google Shape;470;p47"/>
+          <p:cNvPr id="476" name="Google Shape;476;p48"/>
           <p:cNvSpPr txBox="1"/>
           <p:nvPr/>
         </p:nvSpPr>
@@ -22434,7 +22652,7 @@
       </p:sp>
       <p:sp>
         <p:nvSpPr>
-          <p:cNvPr id="471" name="Google Shape;471;p47"/>
+          <p:cNvPr id="477" name="Google Shape;477;p48"/>
           <p:cNvSpPr txBox="1"/>
           <p:nvPr/>
         </p:nvSpPr>
@@ -22486,7 +22704,7 @@
       </p:sp>
       <p:sp>
         <p:nvSpPr>
-          <p:cNvPr id="472" name="Google Shape;472;p47"/>
+          <p:cNvPr id="478" name="Google Shape;478;p48"/>
           <p:cNvSpPr/>
           <p:nvPr/>
         </p:nvSpPr>
@@ -22537,7 +22755,7 @@
       </p:sp>
       <p:cxnSp>
         <p:nvCxnSpPr>
-          <p:cNvPr id="473" name="Google Shape;473;p47"/>
+          <p:cNvPr id="479" name="Google Shape;479;p48"/>
           <p:cNvCxnSpPr/>
           <p:nvPr/>
         </p:nvCxnSpPr>
@@ -22563,7 +22781,7 @@
       </p:cxnSp>
       <p:cxnSp>
         <p:nvCxnSpPr>
-          <p:cNvPr id="474" name="Google Shape;474;p47"/>
+          <p:cNvPr id="480" name="Google Shape;480;p48"/>
           <p:cNvCxnSpPr/>
           <p:nvPr/>
         </p:nvCxnSpPr>
@@ -23907,6 +24125,23 @@
             </a:r>
             <a:endParaRPr sz="1600"/>
           </a:p>
+          <a:p>
+            <a:pPr indent="-330200" lvl="0" marL="457200" rtl="0" algn="l">
+              <a:spcBef>
+                <a:spcPts val="0"/>
+              </a:spcBef>
+              <a:spcAft>
+                <a:spcPts val="0"/>
+              </a:spcAft>
+              <a:buSzPts val="1600"/>
+              <a:buChar char="●"/>
+            </a:pPr>
+            <a:r>
+              <a:rPr lang="en-GB" sz="1600"/>
+              <a:t>Frameworks</a:t>
+            </a:r>
+            <a:endParaRPr sz="1600"/>
+          </a:p>
         </p:txBody>
       </p:sp>
       <p:pic>
@@ -25200,6 +25435,285 @@
 </file>
 
 <file path=ppt/theme/theme1.xml><?xml version="1.0" encoding="utf-8"?>
+<a:theme xmlns:a="http://schemas.openxmlformats.org/drawingml/2006/main" xmlns:r="http://schemas.openxmlformats.org/officeDocument/2006/relationships" name="Modern Writer">
+  <a:themeElements>
+    <a:clrScheme name="Modern Writer">
+      <a:dk1>
+        <a:srgbClr val="E91D63"/>
+      </a:dk1>
+      <a:lt1>
+        <a:srgbClr val="FFFFFF"/>
+      </a:lt1>
+      <a:dk2>
+        <a:srgbClr val="424242"/>
+      </a:dk2>
+      <a:lt2>
+        <a:srgbClr val="999999"/>
+      </a:lt2>
+      <a:accent1>
+        <a:srgbClr val="607D8B"/>
+      </a:accent1>
+      <a:accent2>
+        <a:srgbClr val="673AB7"/>
+      </a:accent2>
+      <a:accent3>
+        <a:srgbClr val="9C26B0"/>
+      </a:accent3>
+      <a:accent4>
+        <a:srgbClr val="0090AC"/>
+      </a:accent4>
+      <a:accent5>
+        <a:srgbClr val="00838F"/>
+      </a:accent5>
+      <a:accent6>
+        <a:srgbClr val="F8E71C"/>
+      </a:accent6>
+      <a:hlink>
+        <a:srgbClr val="00838F"/>
+      </a:hlink>
+      <a:folHlink>
+        <a:srgbClr val="00838F"/>
+      </a:folHlink>
+    </a:clrScheme>
+    <a:fontScheme name="Office">
+      <a:majorFont>
+        <a:latin typeface="Arial"/>
+        <a:ea typeface=""/>
+        <a:cs typeface=""/>
+        <a:font script="Jpan" typeface="ＭＳ Ｐゴシック"/>
+        <a:font script="Hang" typeface="맑은 고딕"/>
+        <a:font script="Hans" typeface="宋体"/>
+        <a:font script="Hant" typeface="新細明體"/>
+        <a:font script="Arab" typeface="Times New Roman"/>
+        <a:font script="Hebr" typeface="Times New Roman"/>
+        <a:font script="Thai" typeface="Angsana New"/>
+        <a:font script="Ethi" typeface="Nyala"/>
+        <a:font script="Beng" typeface="Vrinda"/>
+        <a:font script="Gujr" typeface="Shruti"/>
+        <a:font script="Khmr" typeface="MoolBoran"/>
+        <a:font script="Knda" typeface="Tunga"/>
+        <a:font script="Guru" typeface="Raavi"/>
+        <a:font script="Cans" typeface="Euphemia"/>
+        <a:font script="Cher" typeface="Plantagenet Cherokee"/>
+        <a:font script="Yiii" typeface="Microsoft Yi Baiti"/>
+        <a:font script="Tibt" typeface="Microsoft Himalaya"/>
+        <a:font script="Thaa" typeface="MV Boli"/>
+        <a:font script="Deva" typeface="Mangal"/>
+        <a:font script="Telu" typeface="Gautami"/>
+        <a:font script="Taml" typeface="Latha"/>
+        <a:font script="Syrc" typeface="Estrangelo Edessa"/>
+        <a:font script="Orya" typeface="Kalinga"/>
+        <a:font script="Mlym" typeface="Kartika"/>
+        <a:font script="Laoo" typeface="DokChampa"/>
+        <a:font script="Sinh" typeface="Iskoola Pota"/>
+        <a:font script="Mong" typeface="Mongolian Baiti"/>
+        <a:font script="Viet" typeface="Times New Roman"/>
+        <a:font script="Uigh" typeface="Microsoft Uighur"/>
+        <a:font script="Geor" typeface="Sylfaen"/>
+      </a:majorFont>
+      <a:minorFont>
+        <a:latin typeface="Arial"/>
+        <a:ea typeface=""/>
+        <a:cs typeface=""/>
+        <a:font script="Jpan" typeface="ＭＳ Ｐゴシック"/>
+        <a:font script="Hang" typeface="맑은 고딕"/>
+        <a:font script="Hans" typeface="宋体"/>
+        <a:font script="Hant" typeface="新細明體"/>
+        <a:font script="Arab" typeface="Arial"/>
+        <a:font script="Hebr" typeface="Arial"/>
+        <a:font script="Thai" typeface="Cordia New"/>
+        <a:font script="Ethi" typeface="Nyala"/>
+        <a:font script="Beng" typeface="Vrinda"/>
+        <a:font script="Gujr" typeface="Shruti"/>
+        <a:font script="Khmr" typeface="DaunPenh"/>
+        <a:font script="Knda" typeface="Tunga"/>
+        <a:font script="Guru" typeface="Raavi"/>
+        <a:font script="Cans" typeface="Euphemia"/>
+        <a:font script="Cher" typeface="Plantagenet Cherokee"/>
+        <a:font script="Yiii" typeface="Microsoft Yi Baiti"/>
+        <a:font script="Tibt" typeface="Microsoft Himalaya"/>
+        <a:font script="Thaa" typeface="MV Boli"/>
+        <a:font script="Deva" typeface="Mangal"/>
+        <a:font script="Telu" typeface="Gautami"/>
+        <a:font script="Taml" typeface="Latha"/>
+        <a:font script="Syrc" typeface="Estrangelo Edessa"/>
+        <a:font script="Orya" typeface="Kalinga"/>
+        <a:font script="Mlym" typeface="Kartika"/>
+        <a:font script="Laoo" typeface="DokChampa"/>
+        <a:font script="Sinh" typeface="Iskoola Pota"/>
+        <a:font script="Mong" typeface="Mongolian Baiti"/>
+        <a:font script="Viet" typeface="Arial"/>
+        <a:font script="Uigh" typeface="Microsoft Uighur"/>
+        <a:font script="Geor" typeface="Sylfaen"/>
+      </a:minorFont>
+    </a:fontScheme>
+    <a:fmtScheme name="Office">
+      <a:fillStyleLst>
+        <a:solidFill>
+          <a:schemeClr val="phClr"/>
+        </a:solidFill>
+        <a:gradFill rotWithShape="1">
+          <a:gsLst>
+            <a:gs pos="0">
+              <a:schemeClr val="phClr">
+                <a:tint val="50000"/>
+                <a:satMod val="300000"/>
+              </a:schemeClr>
+            </a:gs>
+            <a:gs pos="35000">
+              <a:schemeClr val="phClr">
+                <a:tint val="37000"/>
+                <a:satMod val="300000"/>
+              </a:schemeClr>
+            </a:gs>
+            <a:gs pos="100000">
+              <a:schemeClr val="phClr">
+                <a:tint val="15000"/>
+                <a:satMod val="350000"/>
+              </a:schemeClr>
+            </a:gs>
+          </a:gsLst>
+          <a:lin ang="16200000" scaled="1"/>
+        </a:gradFill>
+        <a:gradFill rotWithShape="1">
+          <a:gsLst>
+            <a:gs pos="0">
+              <a:schemeClr val="phClr">
+                <a:tint val="100000"/>
+                <a:shade val="100000"/>
+                <a:satMod val="130000"/>
+              </a:schemeClr>
+            </a:gs>
+            <a:gs pos="100000">
+              <a:schemeClr val="phClr">
+                <a:tint val="50000"/>
+                <a:shade val="100000"/>
+                <a:satMod val="350000"/>
+              </a:schemeClr>
+            </a:gs>
+          </a:gsLst>
+          <a:lin ang="16200000" scaled="0"/>
+        </a:gradFill>
+      </a:fillStyleLst>
+      <a:lnStyleLst>
+        <a:ln w="9525" cap="flat" cmpd="sng" algn="ctr">
+          <a:solidFill>
+            <a:schemeClr val="phClr">
+              <a:shade val="95000"/>
+              <a:satMod val="105000"/>
+            </a:schemeClr>
+          </a:solidFill>
+          <a:prstDash val="solid"/>
+        </a:ln>
+        <a:ln w="25400" cap="flat" cmpd="sng" algn="ctr">
+          <a:solidFill>
+            <a:schemeClr val="phClr"/>
+          </a:solidFill>
+          <a:prstDash val="solid"/>
+        </a:ln>
+        <a:ln w="38100" cap="flat" cmpd="sng" algn="ctr">
+          <a:solidFill>
+            <a:schemeClr val="phClr"/>
+          </a:solidFill>
+          <a:prstDash val="solid"/>
+        </a:ln>
+      </a:lnStyleLst>
+      <a:effectStyleLst>
+        <a:effectStyle>
+          <a:effectLst>
+            <a:outerShdw blurRad="40000" dist="20000" dir="5400000" rotWithShape="0">
+              <a:srgbClr val="000000">
+                <a:alpha val="38000"/>
+              </a:srgbClr>
+            </a:outerShdw>
+          </a:effectLst>
+        </a:effectStyle>
+        <a:effectStyle>
+          <a:effectLst>
+            <a:outerShdw blurRad="40000" dist="23000" dir="5400000" rotWithShape="0">
+              <a:srgbClr val="000000">
+                <a:alpha val="35000"/>
+              </a:srgbClr>
+            </a:outerShdw>
+          </a:effectLst>
+        </a:effectStyle>
+        <a:effectStyle>
+          <a:effectLst>
+            <a:outerShdw blurRad="40000" dist="23000" dir="5400000" rotWithShape="0">
+              <a:srgbClr val="000000">
+                <a:alpha val="35000"/>
+              </a:srgbClr>
+            </a:outerShdw>
+          </a:effectLst>
+          <a:scene3d>
+            <a:camera prst="orthographicFront">
+              <a:rot lat="0" lon="0" rev="0"/>
+            </a:camera>
+            <a:lightRig rig="threePt" dir="t">
+              <a:rot lat="0" lon="0" rev="1200000"/>
+            </a:lightRig>
+          </a:scene3d>
+          <a:sp3d>
+            <a:bevelT w="63500" h="25400"/>
+          </a:sp3d>
+        </a:effectStyle>
+      </a:effectStyleLst>
+      <a:bgFillStyleLst>
+        <a:solidFill>
+          <a:schemeClr val="phClr"/>
+        </a:solidFill>
+        <a:gradFill rotWithShape="1">
+          <a:gsLst>
+            <a:gs pos="0">
+              <a:schemeClr val="phClr">
+                <a:tint val="40000"/>
+                <a:satMod val="350000"/>
+              </a:schemeClr>
+            </a:gs>
+            <a:gs pos="40000">
+              <a:schemeClr val="phClr">
+                <a:tint val="45000"/>
+                <a:shade val="99000"/>
+                <a:satMod val="350000"/>
+              </a:schemeClr>
+            </a:gs>
+            <a:gs pos="100000">
+              <a:schemeClr val="phClr">
+                <a:shade val="20000"/>
+                <a:satMod val="255000"/>
+              </a:schemeClr>
+            </a:gs>
+          </a:gsLst>
+          <a:path path="circle">
+            <a:fillToRect l="50000" t="-80000" r="50000" b="180000"/>
+          </a:path>
+        </a:gradFill>
+        <a:gradFill rotWithShape="1">
+          <a:gsLst>
+            <a:gs pos="0">
+              <a:schemeClr val="phClr">
+                <a:tint val="80000"/>
+                <a:satMod val="300000"/>
+              </a:schemeClr>
+            </a:gs>
+            <a:gs pos="100000">
+              <a:schemeClr val="phClr">
+                <a:shade val="30000"/>
+                <a:satMod val="200000"/>
+              </a:schemeClr>
+            </a:gs>
+          </a:gsLst>
+          <a:path path="circle">
+            <a:fillToRect l="50000" t="50000" r="50000" b="50000"/>
+          </a:path>
+        </a:gradFill>
+      </a:bgFillStyleLst>
+    </a:fmtScheme>
+  </a:themeElements>
+</a:theme>
+</file>
+
+<file path=ppt/theme/theme2.xml><?xml version="1.0" encoding="utf-8"?>
 <a:theme xmlns:a="http://schemas.openxmlformats.org/drawingml/2006/main" xmlns:r="http://schemas.openxmlformats.org/officeDocument/2006/relationships">
   <a:themeElements>
     <a:clrScheme name="Default">
@@ -25476,283 +25990,4 @@
     </a:fmtScheme>
   </a:themeElements>
 </a:theme>
-</file>
-
-<file path=ppt/theme/theme2.xml><?xml version="1.0" encoding="utf-8"?>
-<a:theme xmlns:a="http://schemas.openxmlformats.org/drawingml/2006/main" xmlns:r="http://schemas.openxmlformats.org/officeDocument/2006/relationships" name="Modern Writer">
-  <a:themeElements>
-    <a:clrScheme name="Modern Writer">
-      <a:dk1>
-        <a:srgbClr val="E91D63"/>
-      </a:dk1>
-      <a:lt1>
-        <a:srgbClr val="FFFFFF"/>
-      </a:lt1>
-      <a:dk2>
-        <a:srgbClr val="424242"/>
-      </a:dk2>
-      <a:lt2>
-        <a:srgbClr val="999999"/>
-      </a:lt2>
-      <a:accent1>
-        <a:srgbClr val="607D8B"/>
-      </a:accent1>
-      <a:accent2>
-        <a:srgbClr val="673AB7"/>
-      </a:accent2>
-      <a:accent3>
-        <a:srgbClr val="9C26B0"/>
-      </a:accent3>
-      <a:accent4>
-        <a:srgbClr val="0090AC"/>
-      </a:accent4>
-      <a:accent5>
-        <a:srgbClr val="00838F"/>
-      </a:accent5>
-      <a:accent6>
-        <a:srgbClr val="F8E71C"/>
-      </a:accent6>
-      <a:hlink>
-        <a:srgbClr val="00838F"/>
-      </a:hlink>
-      <a:folHlink>
-        <a:srgbClr val="00838F"/>
-      </a:folHlink>
-    </a:clrScheme>
-    <a:fontScheme name="Office">
-      <a:majorFont>
-        <a:latin typeface="Arial"/>
-        <a:ea typeface=""/>
-        <a:cs typeface=""/>
-        <a:font script="Jpan" typeface="ＭＳ Ｐゴシック"/>
-        <a:font script="Hang" typeface="맑은 고딕"/>
-        <a:font script="Hans" typeface="宋体"/>
-        <a:font script="Hant" typeface="新細明體"/>
-        <a:font script="Arab" typeface="Times New Roman"/>
-        <a:font script="Hebr" typeface="Times New Roman"/>
-        <a:font script="Thai" typeface="Angsana New"/>
-        <a:font script="Ethi" typeface="Nyala"/>
-        <a:font script="Beng" typeface="Vrinda"/>
-        <a:font script="Gujr" typeface="Shruti"/>
-        <a:font script="Khmr" typeface="MoolBoran"/>
-        <a:font script="Knda" typeface="Tunga"/>
-        <a:font script="Guru" typeface="Raavi"/>
-        <a:font script="Cans" typeface="Euphemia"/>
-        <a:font script="Cher" typeface="Plantagenet Cherokee"/>
-        <a:font script="Yiii" typeface="Microsoft Yi Baiti"/>
-        <a:font script="Tibt" typeface="Microsoft Himalaya"/>
-        <a:font script="Thaa" typeface="MV Boli"/>
-        <a:font script="Deva" typeface="Mangal"/>
-        <a:font script="Telu" typeface="Gautami"/>
-        <a:font script="Taml" typeface="Latha"/>
-        <a:font script="Syrc" typeface="Estrangelo Edessa"/>
-        <a:font script="Orya" typeface="Kalinga"/>
-        <a:font script="Mlym" typeface="Kartika"/>
-        <a:font script="Laoo" typeface="DokChampa"/>
-        <a:font script="Sinh" typeface="Iskoola Pota"/>
-        <a:font script="Mong" typeface="Mongolian Baiti"/>
-        <a:font script="Viet" typeface="Times New Roman"/>
-        <a:font script="Uigh" typeface="Microsoft Uighur"/>
-        <a:font script="Geor" typeface="Sylfaen"/>
-      </a:majorFont>
-      <a:minorFont>
-        <a:latin typeface="Arial"/>
-        <a:ea typeface=""/>
-        <a:cs typeface=""/>
-        <a:font script="Jpan" typeface="ＭＳ Ｐゴシック"/>
-        <a:font script="Hang" typeface="맑은 고딕"/>
-        <a:font script="Hans" typeface="宋体"/>
-        <a:font script="Hant" typeface="新細明體"/>
-        <a:font script="Arab" typeface="Arial"/>
-        <a:font script="Hebr" typeface="Arial"/>
-        <a:font script="Thai" typeface="Cordia New"/>
-        <a:font script="Ethi" typeface="Nyala"/>
-        <a:font script="Beng" typeface="Vrinda"/>
-        <a:font script="Gujr" typeface="Shruti"/>
-        <a:font script="Khmr" typeface="DaunPenh"/>
-        <a:font script="Knda" typeface="Tunga"/>
-        <a:font script="Guru" typeface="Raavi"/>
-        <a:font script="Cans" typeface="Euphemia"/>
-        <a:font script="Cher" typeface="Plantagenet Cherokee"/>
-        <a:font script="Yiii" typeface="Microsoft Yi Baiti"/>
-        <a:font script="Tibt" typeface="Microsoft Himalaya"/>
-        <a:font script="Thaa" typeface="MV Boli"/>
-        <a:font script="Deva" typeface="Mangal"/>
-        <a:font script="Telu" typeface="Gautami"/>
-        <a:font script="Taml" typeface="Latha"/>
-        <a:font script="Syrc" typeface="Estrangelo Edessa"/>
-        <a:font script="Orya" typeface="Kalinga"/>
-        <a:font script="Mlym" typeface="Kartika"/>
-        <a:font script="Laoo" typeface="DokChampa"/>
-        <a:font script="Sinh" typeface="Iskoola Pota"/>
-        <a:font script="Mong" typeface="Mongolian Baiti"/>
-        <a:font script="Viet" typeface="Arial"/>
-        <a:font script="Uigh" typeface="Microsoft Uighur"/>
-        <a:font script="Geor" typeface="Sylfaen"/>
-      </a:minorFont>
-    </a:fontScheme>
-    <a:fmtScheme name="Office">
-      <a:fillStyleLst>
-        <a:solidFill>
-          <a:schemeClr val="phClr"/>
-        </a:solidFill>
-        <a:gradFill rotWithShape="1">
-          <a:gsLst>
-            <a:gs pos="0">
-              <a:schemeClr val="phClr">
-                <a:tint val="50000"/>
-                <a:satMod val="300000"/>
-              </a:schemeClr>
-            </a:gs>
-            <a:gs pos="35000">
-              <a:schemeClr val="phClr">
-                <a:tint val="37000"/>
-                <a:satMod val="300000"/>
-              </a:schemeClr>
-            </a:gs>
-            <a:gs pos="100000">
-              <a:schemeClr val="phClr">
-                <a:tint val="15000"/>
-                <a:satMod val="350000"/>
-              </a:schemeClr>
-            </a:gs>
-          </a:gsLst>
-          <a:lin ang="16200000" scaled="1"/>
-        </a:gradFill>
-        <a:gradFill rotWithShape="1">
-          <a:gsLst>
-            <a:gs pos="0">
-              <a:schemeClr val="phClr">
-                <a:tint val="100000"/>
-                <a:shade val="100000"/>
-                <a:satMod val="130000"/>
-              </a:schemeClr>
-            </a:gs>
-            <a:gs pos="100000">
-              <a:schemeClr val="phClr">
-                <a:tint val="50000"/>
-                <a:shade val="100000"/>
-                <a:satMod val="350000"/>
-              </a:schemeClr>
-            </a:gs>
-          </a:gsLst>
-          <a:lin ang="16200000" scaled="0"/>
-        </a:gradFill>
-      </a:fillStyleLst>
-      <a:lnStyleLst>
-        <a:ln w="9525" cap="flat" cmpd="sng" algn="ctr">
-          <a:solidFill>
-            <a:schemeClr val="phClr">
-              <a:shade val="95000"/>
-              <a:satMod val="105000"/>
-            </a:schemeClr>
-          </a:solidFill>
-          <a:prstDash val="solid"/>
-        </a:ln>
-        <a:ln w="25400" cap="flat" cmpd="sng" algn="ctr">
-          <a:solidFill>
-            <a:schemeClr val="phClr"/>
-          </a:solidFill>
-          <a:prstDash val="solid"/>
-        </a:ln>
-        <a:ln w="38100" cap="flat" cmpd="sng" algn="ctr">
-          <a:solidFill>
-            <a:schemeClr val="phClr"/>
-          </a:solidFill>
-          <a:prstDash val="solid"/>
-        </a:ln>
-      </a:lnStyleLst>
-      <a:effectStyleLst>
-        <a:effectStyle>
-          <a:effectLst>
-            <a:outerShdw blurRad="40000" dist="20000" dir="5400000" rotWithShape="0">
-              <a:srgbClr val="000000">
-                <a:alpha val="38000"/>
-              </a:srgbClr>
-            </a:outerShdw>
-          </a:effectLst>
-        </a:effectStyle>
-        <a:effectStyle>
-          <a:effectLst>
-            <a:outerShdw blurRad="40000" dist="23000" dir="5400000" rotWithShape="0">
-              <a:srgbClr val="000000">
-                <a:alpha val="35000"/>
-              </a:srgbClr>
-            </a:outerShdw>
-          </a:effectLst>
-        </a:effectStyle>
-        <a:effectStyle>
-          <a:effectLst>
-            <a:outerShdw blurRad="40000" dist="23000" dir="5400000" rotWithShape="0">
-              <a:srgbClr val="000000">
-                <a:alpha val="35000"/>
-              </a:srgbClr>
-            </a:outerShdw>
-          </a:effectLst>
-          <a:scene3d>
-            <a:camera prst="orthographicFront">
-              <a:rot lat="0" lon="0" rev="0"/>
-            </a:camera>
-            <a:lightRig rig="threePt" dir="t">
-              <a:rot lat="0" lon="0" rev="1200000"/>
-            </a:lightRig>
-          </a:scene3d>
-          <a:sp3d>
-            <a:bevelT w="63500" h="25400"/>
-          </a:sp3d>
-        </a:effectStyle>
-      </a:effectStyleLst>
-      <a:bgFillStyleLst>
-        <a:solidFill>
-          <a:schemeClr val="phClr"/>
-        </a:solidFill>
-        <a:gradFill rotWithShape="1">
-          <a:gsLst>
-            <a:gs pos="0">
-              <a:schemeClr val="phClr">
-                <a:tint val="40000"/>
-                <a:satMod val="350000"/>
-              </a:schemeClr>
-            </a:gs>
-            <a:gs pos="40000">
-              <a:schemeClr val="phClr">
-                <a:tint val="45000"/>
-                <a:shade val="99000"/>
-                <a:satMod val="350000"/>
-              </a:schemeClr>
-            </a:gs>
-            <a:gs pos="100000">
-              <a:schemeClr val="phClr">
-                <a:shade val="20000"/>
-                <a:satMod val="255000"/>
-              </a:schemeClr>
-            </a:gs>
-          </a:gsLst>
-          <a:path path="circle">
-            <a:fillToRect l="50000" t="-80000" r="50000" b="180000"/>
-          </a:path>
-        </a:gradFill>
-        <a:gradFill rotWithShape="1">
-          <a:gsLst>
-            <a:gs pos="0">
-              <a:schemeClr val="phClr">
-                <a:tint val="80000"/>
-                <a:satMod val="300000"/>
-              </a:schemeClr>
-            </a:gs>
-            <a:gs pos="100000">
-              <a:schemeClr val="phClr">
-                <a:shade val="30000"/>
-                <a:satMod val="200000"/>
-              </a:schemeClr>
-            </a:gs>
-          </a:gsLst>
-          <a:path path="circle">
-            <a:fillToRect l="50000" t="50000" r="50000" b="50000"/>
-          </a:path>
-        </a:gradFill>
-      </a:bgFillStyleLst>
-    </a:fmtScheme>
-  </a:themeElements>
-</a:theme>
 </file>